--- a/docs/cna/CNA_Processes.pptx
+++ b/docs/cna/CNA_Processes.pptx
@@ -212,6 +212,532 @@
 </p:cmAuthorLst>
 </file>
 
+<file path=ppt/revisionInfo.xml><?xml version="1.0" encoding="utf-8"?>
+<p1510:revInfo xmlns:a="http://schemas.openxmlformats.org/drawingml/2006/main" xmlns:r="http://schemas.openxmlformats.org/officeDocument/2006/relationships" xmlns:p1510="http://schemas.microsoft.com/office/powerpoint/2015/10/main">
+  <p1510:revLst>
+    <p1510:client id="{0F8F4B6D-EF84-478C-AF67-DDF43E5D78BC}" v="8" dt="2019-02-14T17:52:54.305"/>
+  </p1510:revLst>
+</p1510:revInfo>
+</file>
+
+<file path=ppt/changesInfos/changesInfo1.xml><?xml version="1.0" encoding="utf-8"?>
+<pc:chgInfo xmlns:a="http://schemas.openxmlformats.org/drawingml/2006/main" xmlns:r="http://schemas.openxmlformats.org/officeDocument/2006/relationships" xmlns:ac="http://schemas.microsoft.com/office/drawing/2013/main/command" xmlns:pc="http://schemas.microsoft.com/office/powerpoint/2013/main/command">
+  <pc:docChgLst>
+    <pc:chgData name="Robert Roberge" userId="7d3ba1ecd22967b8" providerId="LiveId" clId="{0F8F4B6D-EF84-478C-AF67-DDF43E5D78BC}"/>
+    <pc:docChg chg="undo custSel modSld">
+      <pc:chgData name="Robert Roberge" userId="7d3ba1ecd22967b8" providerId="LiveId" clId="{0F8F4B6D-EF84-478C-AF67-DDF43E5D78BC}" dt="2019-02-14T17:53:20.928" v="62" actId="1076"/>
+      <pc:docMkLst>
+        <pc:docMk/>
+      </pc:docMkLst>
+      <pc:sldChg chg="modSp">
+        <pc:chgData name="Robert Roberge" userId="7d3ba1ecd22967b8" providerId="LiveId" clId="{0F8F4B6D-EF84-478C-AF67-DDF43E5D78BC}" dt="2019-02-14T17:51:08.478" v="57" actId="14100"/>
+        <pc:sldMkLst>
+          <pc:docMk/>
+          <pc:sldMk cId="4036895137" sldId="260"/>
+        </pc:sldMkLst>
+        <pc:spChg chg="mod">
+          <ac:chgData name="Robert Roberge" userId="7d3ba1ecd22967b8" providerId="LiveId" clId="{0F8F4B6D-EF84-478C-AF67-DDF43E5D78BC}" dt="2019-02-14T17:51:08.478" v="57" actId="14100"/>
+          <ac:spMkLst>
+            <pc:docMk/>
+            <pc:sldMk cId="4036895137" sldId="260"/>
+            <ac:spMk id="3" creationId="{00000000-0000-0000-0000-000000000000}"/>
+          </ac:spMkLst>
+        </pc:spChg>
+      </pc:sldChg>
+      <pc:sldChg chg="modSp">
+        <pc:chgData name="Robert Roberge" userId="7d3ba1ecd22967b8" providerId="LiveId" clId="{0F8F4B6D-EF84-478C-AF67-DDF43E5D78BC}" dt="2019-02-14T17:51:29.099" v="59" actId="20577"/>
+        <pc:sldMkLst>
+          <pc:docMk/>
+          <pc:sldMk cId="718995408" sldId="263"/>
+        </pc:sldMkLst>
+        <pc:spChg chg="mod">
+          <ac:chgData name="Robert Roberge" userId="7d3ba1ecd22967b8" providerId="LiveId" clId="{0F8F4B6D-EF84-478C-AF67-DDF43E5D78BC}" dt="2019-02-14T17:51:29.099" v="59" actId="20577"/>
+          <ac:spMkLst>
+            <pc:docMk/>
+            <pc:sldMk cId="718995408" sldId="263"/>
+            <ac:spMk id="2" creationId="{00000000-0000-0000-0000-000000000000}"/>
+          </ac:spMkLst>
+        </pc:spChg>
+      </pc:sldChg>
+      <pc:sldChg chg="modSp">
+        <pc:chgData name="Robert Roberge" userId="7d3ba1ecd22967b8" providerId="LiveId" clId="{0F8F4B6D-EF84-478C-AF67-DDF43E5D78BC}" dt="2019-02-12T15:09:24.830" v="3" actId="20577"/>
+        <pc:sldMkLst>
+          <pc:docMk/>
+          <pc:sldMk cId="601340852" sldId="276"/>
+        </pc:sldMkLst>
+        <pc:spChg chg="mod">
+          <ac:chgData name="Robert Roberge" userId="7d3ba1ecd22967b8" providerId="LiveId" clId="{0F8F4B6D-EF84-478C-AF67-DDF43E5D78BC}" dt="2019-02-12T15:09:24.830" v="3" actId="20577"/>
+          <ac:spMkLst>
+            <pc:docMk/>
+            <pc:sldMk cId="601340852" sldId="276"/>
+            <ac:spMk id="3" creationId="{00000000-0000-0000-0000-000000000000}"/>
+          </ac:spMkLst>
+        </pc:spChg>
+      </pc:sldChg>
+      <pc:sldChg chg="modSp">
+        <pc:chgData name="Robert Roberge" userId="7d3ba1ecd22967b8" providerId="LiveId" clId="{0F8F4B6D-EF84-478C-AF67-DDF43E5D78BC}" dt="2019-02-14T17:20:08.770" v="21" actId="14100"/>
+        <pc:sldMkLst>
+          <pc:docMk/>
+          <pc:sldMk cId="4032476414" sldId="279"/>
+        </pc:sldMkLst>
+        <pc:spChg chg="mod">
+          <ac:chgData name="Robert Roberge" userId="7d3ba1ecd22967b8" providerId="LiveId" clId="{0F8F4B6D-EF84-478C-AF67-DDF43E5D78BC}" dt="2019-02-14T17:20:08.770" v="21" actId="14100"/>
+          <ac:spMkLst>
+            <pc:docMk/>
+            <pc:sldMk cId="4032476414" sldId="279"/>
+            <ac:spMk id="2" creationId="{00000000-0000-0000-0000-000000000000}"/>
+          </ac:spMkLst>
+        </pc:spChg>
+        <pc:spChg chg="mod">
+          <ac:chgData name="Robert Roberge" userId="7d3ba1ecd22967b8" providerId="LiveId" clId="{0F8F4B6D-EF84-478C-AF67-DDF43E5D78BC}" dt="2019-02-12T15:09:32.602" v="4" actId="1076"/>
+          <ac:spMkLst>
+            <pc:docMk/>
+            <pc:sldMk cId="4032476414" sldId="279"/>
+            <ac:spMk id="8" creationId="{00000000-0000-0000-0000-000000000000}"/>
+          </ac:spMkLst>
+        </pc:spChg>
+      </pc:sldChg>
+      <pc:sldChg chg="modSp">
+        <pc:chgData name="Robert Roberge" userId="7d3ba1ecd22967b8" providerId="LiveId" clId="{0F8F4B6D-EF84-478C-AF67-DDF43E5D78BC}" dt="2019-02-14T17:22:21.555" v="30" actId="20577"/>
+        <pc:sldMkLst>
+          <pc:docMk/>
+          <pc:sldMk cId="3124606875" sldId="280"/>
+        </pc:sldMkLst>
+        <pc:spChg chg="mod">
+          <ac:chgData name="Robert Roberge" userId="7d3ba1ecd22967b8" providerId="LiveId" clId="{0F8F4B6D-EF84-478C-AF67-DDF43E5D78BC}" dt="2019-02-14T17:22:21.555" v="30" actId="20577"/>
+          <ac:spMkLst>
+            <pc:docMk/>
+            <pc:sldMk cId="3124606875" sldId="280"/>
+            <ac:spMk id="2" creationId="{00000000-0000-0000-0000-000000000000}"/>
+          </ac:spMkLst>
+        </pc:spChg>
+      </pc:sldChg>
+      <pc:sldChg chg="modSp">
+        <pc:chgData name="Robert Roberge" userId="7d3ba1ecd22967b8" providerId="LiveId" clId="{0F8F4B6D-EF84-478C-AF67-DDF43E5D78BC}" dt="2019-02-14T17:20:28.156" v="22" actId="1076"/>
+        <pc:sldMkLst>
+          <pc:docMk/>
+          <pc:sldMk cId="3519351467" sldId="282"/>
+        </pc:sldMkLst>
+        <pc:spChg chg="mod">
+          <ac:chgData name="Robert Roberge" userId="7d3ba1ecd22967b8" providerId="LiveId" clId="{0F8F4B6D-EF84-478C-AF67-DDF43E5D78BC}" dt="2019-02-14T17:20:28.156" v="22" actId="1076"/>
+          <ac:spMkLst>
+            <pc:docMk/>
+            <pc:sldMk cId="3519351467" sldId="282"/>
+            <ac:spMk id="5" creationId="{00000000-0000-0000-0000-000000000000}"/>
+          </ac:spMkLst>
+        </pc:spChg>
+      </pc:sldChg>
+      <pc:sldChg chg="modSp">
+        <pc:chgData name="Robert Roberge" userId="7d3ba1ecd22967b8" providerId="LiveId" clId="{0F8F4B6D-EF84-478C-AF67-DDF43E5D78BC}" dt="2019-02-12T15:10:17.071" v="15" actId="1076"/>
+        <pc:sldMkLst>
+          <pc:docMk/>
+          <pc:sldMk cId="2945559550" sldId="284"/>
+        </pc:sldMkLst>
+        <pc:spChg chg="mod">
+          <ac:chgData name="Robert Roberge" userId="7d3ba1ecd22967b8" providerId="LiveId" clId="{0F8F4B6D-EF84-478C-AF67-DDF43E5D78BC}" dt="2019-02-12T15:10:17.071" v="15" actId="1076"/>
+          <ac:spMkLst>
+            <pc:docMk/>
+            <pc:sldMk cId="2945559550" sldId="284"/>
+            <ac:spMk id="26" creationId="{00000000-0000-0000-0000-000000000000}"/>
+          </ac:spMkLst>
+        </pc:spChg>
+      </pc:sldChg>
+      <pc:sldChg chg="addSp modSp">
+        <pc:chgData name="Robert Roberge" userId="7d3ba1ecd22967b8" providerId="LiveId" clId="{0F8F4B6D-EF84-478C-AF67-DDF43E5D78BC}" dt="2019-02-14T17:21:06.496" v="25" actId="1076"/>
+        <pc:sldMkLst>
+          <pc:docMk/>
+          <pc:sldMk cId="3426695179" sldId="286"/>
+        </pc:sldMkLst>
+        <pc:spChg chg="mod">
+          <ac:chgData name="Robert Roberge" userId="7d3ba1ecd22967b8" providerId="LiveId" clId="{0F8F4B6D-EF84-478C-AF67-DDF43E5D78BC}" dt="2019-02-14T17:20:49.939" v="23" actId="164"/>
+          <ac:spMkLst>
+            <pc:docMk/>
+            <pc:sldMk cId="3426695179" sldId="286"/>
+            <ac:spMk id="4" creationId="{00000000-0000-0000-0000-000000000000}"/>
+          </ac:spMkLst>
+        </pc:spChg>
+        <pc:spChg chg="mod">
+          <ac:chgData name="Robert Roberge" userId="7d3ba1ecd22967b8" providerId="LiveId" clId="{0F8F4B6D-EF84-478C-AF67-DDF43E5D78BC}" dt="2019-02-14T17:20:49.939" v="23" actId="164"/>
+          <ac:spMkLst>
+            <pc:docMk/>
+            <pc:sldMk cId="3426695179" sldId="286"/>
+            <ac:spMk id="5" creationId="{00000000-0000-0000-0000-000000000000}"/>
+          </ac:spMkLst>
+        </pc:spChg>
+        <pc:spChg chg="mod">
+          <ac:chgData name="Robert Roberge" userId="7d3ba1ecd22967b8" providerId="LiveId" clId="{0F8F4B6D-EF84-478C-AF67-DDF43E5D78BC}" dt="2019-02-14T17:20:49.939" v="23" actId="164"/>
+          <ac:spMkLst>
+            <pc:docMk/>
+            <pc:sldMk cId="3426695179" sldId="286"/>
+            <ac:spMk id="6" creationId="{00000000-0000-0000-0000-000000000000}"/>
+          </ac:spMkLst>
+        </pc:spChg>
+        <pc:spChg chg="mod">
+          <ac:chgData name="Robert Roberge" userId="7d3ba1ecd22967b8" providerId="LiveId" clId="{0F8F4B6D-EF84-478C-AF67-DDF43E5D78BC}" dt="2019-02-14T17:20:49.939" v="23" actId="164"/>
+          <ac:spMkLst>
+            <pc:docMk/>
+            <pc:sldMk cId="3426695179" sldId="286"/>
+            <ac:spMk id="9" creationId="{00000000-0000-0000-0000-000000000000}"/>
+          </ac:spMkLst>
+        </pc:spChg>
+        <pc:grpChg chg="add mod">
+          <ac:chgData name="Robert Roberge" userId="7d3ba1ecd22967b8" providerId="LiveId" clId="{0F8F4B6D-EF84-478C-AF67-DDF43E5D78BC}" dt="2019-02-14T17:21:06.496" v="25" actId="1076"/>
+          <ac:grpSpMkLst>
+            <pc:docMk/>
+            <pc:sldMk cId="3426695179" sldId="286"/>
+            <ac:grpSpMk id="3" creationId="{89628548-68BD-4AD1-AD6A-C5680419EF29}"/>
+          </ac:grpSpMkLst>
+        </pc:grpChg>
+        <pc:cxnChg chg="mod">
+          <ac:chgData name="Robert Roberge" userId="7d3ba1ecd22967b8" providerId="LiveId" clId="{0F8F4B6D-EF84-478C-AF67-DDF43E5D78BC}" dt="2019-02-14T17:20:49.939" v="23" actId="164"/>
+          <ac:cxnSpMkLst>
+            <pc:docMk/>
+            <pc:sldMk cId="3426695179" sldId="286"/>
+            <ac:cxnSpMk id="8" creationId="{00000000-0000-0000-0000-000000000000}"/>
+          </ac:cxnSpMkLst>
+        </pc:cxnChg>
+      </pc:sldChg>
+      <pc:sldChg chg="addSp modSp">
+        <pc:chgData name="Robert Roberge" userId="7d3ba1ecd22967b8" providerId="LiveId" clId="{0F8F4B6D-EF84-478C-AF67-DDF43E5D78BC}" dt="2019-02-14T17:22:07.149" v="29" actId="1076"/>
+        <pc:sldMkLst>
+          <pc:docMk/>
+          <pc:sldMk cId="2885330766" sldId="287"/>
+        </pc:sldMkLst>
+        <pc:spChg chg="mod">
+          <ac:chgData name="Robert Roberge" userId="7d3ba1ecd22967b8" providerId="LiveId" clId="{0F8F4B6D-EF84-478C-AF67-DDF43E5D78BC}" dt="2019-02-14T17:21:29.470" v="26" actId="164"/>
+          <ac:spMkLst>
+            <pc:docMk/>
+            <pc:sldMk cId="2885330766" sldId="287"/>
+            <ac:spMk id="4" creationId="{00000000-0000-0000-0000-000000000000}"/>
+          </ac:spMkLst>
+        </pc:spChg>
+        <pc:spChg chg="mod">
+          <ac:chgData name="Robert Roberge" userId="7d3ba1ecd22967b8" providerId="LiveId" clId="{0F8F4B6D-EF84-478C-AF67-DDF43E5D78BC}" dt="2019-02-14T17:21:29.470" v="26" actId="164"/>
+          <ac:spMkLst>
+            <pc:docMk/>
+            <pc:sldMk cId="2885330766" sldId="287"/>
+            <ac:spMk id="5" creationId="{00000000-0000-0000-0000-000000000000}"/>
+          </ac:spMkLst>
+        </pc:spChg>
+        <pc:spChg chg="mod">
+          <ac:chgData name="Robert Roberge" userId="7d3ba1ecd22967b8" providerId="LiveId" clId="{0F8F4B6D-EF84-478C-AF67-DDF43E5D78BC}" dt="2019-02-14T17:21:29.470" v="26" actId="164"/>
+          <ac:spMkLst>
+            <pc:docMk/>
+            <pc:sldMk cId="2885330766" sldId="287"/>
+            <ac:spMk id="6" creationId="{00000000-0000-0000-0000-000000000000}"/>
+          </ac:spMkLst>
+        </pc:spChg>
+        <pc:spChg chg="mod">
+          <ac:chgData name="Robert Roberge" userId="7d3ba1ecd22967b8" providerId="LiveId" clId="{0F8F4B6D-EF84-478C-AF67-DDF43E5D78BC}" dt="2019-02-14T17:21:29.470" v="26" actId="164"/>
+          <ac:spMkLst>
+            <pc:docMk/>
+            <pc:sldMk cId="2885330766" sldId="287"/>
+            <ac:spMk id="10" creationId="{00000000-0000-0000-0000-000000000000}"/>
+          </ac:spMkLst>
+        </pc:spChg>
+        <pc:grpChg chg="add mod">
+          <ac:chgData name="Robert Roberge" userId="7d3ba1ecd22967b8" providerId="LiveId" clId="{0F8F4B6D-EF84-478C-AF67-DDF43E5D78BC}" dt="2019-02-14T17:22:07.149" v="29" actId="1076"/>
+          <ac:grpSpMkLst>
+            <pc:docMk/>
+            <pc:sldMk cId="2885330766" sldId="287"/>
+            <ac:grpSpMk id="3" creationId="{E2D638A8-3C5C-4EB1-8C05-6C7538D69748}"/>
+          </ac:grpSpMkLst>
+        </pc:grpChg>
+        <pc:cxnChg chg="mod">
+          <ac:chgData name="Robert Roberge" userId="7d3ba1ecd22967b8" providerId="LiveId" clId="{0F8F4B6D-EF84-478C-AF67-DDF43E5D78BC}" dt="2019-02-14T17:21:29.470" v="26" actId="164"/>
+          <ac:cxnSpMkLst>
+            <pc:docMk/>
+            <pc:sldMk cId="2885330766" sldId="287"/>
+            <ac:cxnSpMk id="7" creationId="{00000000-0000-0000-0000-000000000000}"/>
+          </ac:cxnSpMkLst>
+        </pc:cxnChg>
+      </pc:sldChg>
+      <pc:sldChg chg="modSp">
+        <pc:chgData name="Robert Roberge" userId="7d3ba1ecd22967b8" providerId="LiveId" clId="{0F8F4B6D-EF84-478C-AF67-DDF43E5D78BC}" dt="2019-02-14T17:22:34.900" v="31" actId="1076"/>
+        <pc:sldMkLst>
+          <pc:docMk/>
+          <pc:sldMk cId="3081124689" sldId="290"/>
+        </pc:sldMkLst>
+        <pc:picChg chg="mod">
+          <ac:chgData name="Robert Roberge" userId="7d3ba1ecd22967b8" providerId="LiveId" clId="{0F8F4B6D-EF84-478C-AF67-DDF43E5D78BC}" dt="2019-02-14T17:22:34.900" v="31" actId="1076"/>
+          <ac:picMkLst>
+            <pc:docMk/>
+            <pc:sldMk cId="3081124689" sldId="290"/>
+            <ac:picMk id="5" creationId="{00000000-0000-0000-0000-000000000000}"/>
+          </ac:picMkLst>
+        </pc:picChg>
+      </pc:sldChg>
+      <pc:sldChg chg="addSp modSp">
+        <pc:chgData name="Robert Roberge" userId="7d3ba1ecd22967b8" providerId="LiveId" clId="{0F8F4B6D-EF84-478C-AF67-DDF43E5D78BC}" dt="2019-02-14T17:47:12.183" v="39" actId="1076"/>
+        <pc:sldMkLst>
+          <pc:docMk/>
+          <pc:sldMk cId="2386067264" sldId="306"/>
+        </pc:sldMkLst>
+        <pc:spChg chg="mod">
+          <ac:chgData name="Robert Roberge" userId="7d3ba1ecd22967b8" providerId="LiveId" clId="{0F8F4B6D-EF84-478C-AF67-DDF43E5D78BC}" dt="2019-02-14T17:46:49.563" v="37" actId="14100"/>
+          <ac:spMkLst>
+            <pc:docMk/>
+            <pc:sldMk cId="2386067264" sldId="306"/>
+            <ac:spMk id="2" creationId="{00000000-0000-0000-0000-000000000000}"/>
+          </ac:spMkLst>
+        </pc:spChg>
+        <pc:spChg chg="mod">
+          <ac:chgData name="Robert Roberge" userId="7d3ba1ecd22967b8" providerId="LiveId" clId="{0F8F4B6D-EF84-478C-AF67-DDF43E5D78BC}" dt="2019-02-14T17:47:06.995" v="38" actId="164"/>
+          <ac:spMkLst>
+            <pc:docMk/>
+            <pc:sldMk cId="2386067264" sldId="306"/>
+            <ac:spMk id="4" creationId="{00000000-0000-0000-0000-000000000000}"/>
+          </ac:spMkLst>
+        </pc:spChg>
+        <pc:spChg chg="mod">
+          <ac:chgData name="Robert Roberge" userId="7d3ba1ecd22967b8" providerId="LiveId" clId="{0F8F4B6D-EF84-478C-AF67-DDF43E5D78BC}" dt="2019-02-14T17:47:06.995" v="38" actId="164"/>
+          <ac:spMkLst>
+            <pc:docMk/>
+            <pc:sldMk cId="2386067264" sldId="306"/>
+            <ac:spMk id="5" creationId="{00000000-0000-0000-0000-000000000000}"/>
+          </ac:spMkLst>
+        </pc:spChg>
+        <pc:spChg chg="mod">
+          <ac:chgData name="Robert Roberge" userId="7d3ba1ecd22967b8" providerId="LiveId" clId="{0F8F4B6D-EF84-478C-AF67-DDF43E5D78BC}" dt="2019-02-14T17:47:06.995" v="38" actId="164"/>
+          <ac:spMkLst>
+            <pc:docMk/>
+            <pc:sldMk cId="2386067264" sldId="306"/>
+            <ac:spMk id="9" creationId="{00000000-0000-0000-0000-000000000000}"/>
+          </ac:spMkLst>
+        </pc:spChg>
+        <pc:grpChg chg="add mod">
+          <ac:chgData name="Robert Roberge" userId="7d3ba1ecd22967b8" providerId="LiveId" clId="{0F8F4B6D-EF84-478C-AF67-DDF43E5D78BC}" dt="2019-02-14T17:47:12.183" v="39" actId="1076"/>
+          <ac:grpSpMkLst>
+            <pc:docMk/>
+            <pc:sldMk cId="2386067264" sldId="306"/>
+            <ac:grpSpMk id="3" creationId="{2D539CE3-3B49-4521-A432-ECDF65977949}"/>
+          </ac:grpSpMkLst>
+        </pc:grpChg>
+        <pc:cxnChg chg="mod">
+          <ac:chgData name="Robert Roberge" userId="7d3ba1ecd22967b8" providerId="LiveId" clId="{0F8F4B6D-EF84-478C-AF67-DDF43E5D78BC}" dt="2019-02-14T17:47:06.995" v="38" actId="164"/>
+          <ac:cxnSpMkLst>
+            <pc:docMk/>
+            <pc:sldMk cId="2386067264" sldId="306"/>
+            <ac:cxnSpMk id="7" creationId="{00000000-0000-0000-0000-000000000000}"/>
+          </ac:cxnSpMkLst>
+        </pc:cxnChg>
+      </pc:sldChg>
+      <pc:sldChg chg="addSp modSp">
+        <pc:chgData name="Robert Roberge" userId="7d3ba1ecd22967b8" providerId="LiveId" clId="{0F8F4B6D-EF84-478C-AF67-DDF43E5D78BC}" dt="2019-02-14T17:47:33.714" v="41" actId="1076"/>
+        <pc:sldMkLst>
+          <pc:docMk/>
+          <pc:sldMk cId="3138813486" sldId="313"/>
+        </pc:sldMkLst>
+        <pc:spChg chg="mod">
+          <ac:chgData name="Robert Roberge" userId="7d3ba1ecd22967b8" providerId="LiveId" clId="{0F8F4B6D-EF84-478C-AF67-DDF43E5D78BC}" dt="2019-02-14T17:47:28.909" v="40" actId="164"/>
+          <ac:spMkLst>
+            <pc:docMk/>
+            <pc:sldMk cId="3138813486" sldId="313"/>
+            <ac:spMk id="4" creationId="{00000000-0000-0000-0000-000000000000}"/>
+          </ac:spMkLst>
+        </pc:spChg>
+        <pc:spChg chg="mod">
+          <ac:chgData name="Robert Roberge" userId="7d3ba1ecd22967b8" providerId="LiveId" clId="{0F8F4B6D-EF84-478C-AF67-DDF43E5D78BC}" dt="2019-02-14T17:47:28.909" v="40" actId="164"/>
+          <ac:spMkLst>
+            <pc:docMk/>
+            <pc:sldMk cId="3138813486" sldId="313"/>
+            <ac:spMk id="9" creationId="{00000000-0000-0000-0000-000000000000}"/>
+          </ac:spMkLst>
+        </pc:spChg>
+        <pc:spChg chg="mod">
+          <ac:chgData name="Robert Roberge" userId="7d3ba1ecd22967b8" providerId="LiveId" clId="{0F8F4B6D-EF84-478C-AF67-DDF43E5D78BC}" dt="2019-02-14T17:47:28.909" v="40" actId="164"/>
+          <ac:spMkLst>
+            <pc:docMk/>
+            <pc:sldMk cId="3138813486" sldId="313"/>
+            <ac:spMk id="10" creationId="{00000000-0000-0000-0000-000000000000}"/>
+          </ac:spMkLst>
+        </pc:spChg>
+        <pc:grpChg chg="add mod">
+          <ac:chgData name="Robert Roberge" userId="7d3ba1ecd22967b8" providerId="LiveId" clId="{0F8F4B6D-EF84-478C-AF67-DDF43E5D78BC}" dt="2019-02-14T17:47:33.714" v="41" actId="1076"/>
+          <ac:grpSpMkLst>
+            <pc:docMk/>
+            <pc:sldMk cId="3138813486" sldId="313"/>
+            <ac:grpSpMk id="3" creationId="{CB2BB435-BA41-4BED-B8B1-9CF56A34239F}"/>
+          </ac:grpSpMkLst>
+        </pc:grpChg>
+        <pc:cxnChg chg="mod">
+          <ac:chgData name="Robert Roberge" userId="7d3ba1ecd22967b8" providerId="LiveId" clId="{0F8F4B6D-EF84-478C-AF67-DDF43E5D78BC}" dt="2019-02-14T17:47:28.909" v="40" actId="164"/>
+          <ac:cxnSpMkLst>
+            <pc:docMk/>
+            <pc:sldMk cId="3138813486" sldId="313"/>
+            <ac:cxnSpMk id="6" creationId="{00000000-0000-0000-0000-000000000000}"/>
+          </ac:cxnSpMkLst>
+        </pc:cxnChg>
+      </pc:sldChg>
+      <pc:sldChg chg="modSp">
+        <pc:chgData name="Robert Roberge" userId="7d3ba1ecd22967b8" providerId="LiveId" clId="{0F8F4B6D-EF84-478C-AF67-DDF43E5D78BC}" dt="2019-02-14T17:53:20.928" v="62" actId="1076"/>
+        <pc:sldMkLst>
+          <pc:docMk/>
+          <pc:sldMk cId="2189822017" sldId="315"/>
+        </pc:sldMkLst>
+        <pc:spChg chg="mod">
+          <ac:chgData name="Robert Roberge" userId="7d3ba1ecd22967b8" providerId="LiveId" clId="{0F8F4B6D-EF84-478C-AF67-DDF43E5D78BC}" dt="2019-02-14T17:53:20.928" v="62" actId="1076"/>
+          <ac:spMkLst>
+            <pc:docMk/>
+            <pc:sldMk cId="2189822017" sldId="315"/>
+            <ac:spMk id="7" creationId="{00000000-0000-0000-0000-000000000000}"/>
+          </ac:spMkLst>
+        </pc:spChg>
+        <pc:cxnChg chg="mod">
+          <ac:chgData name="Robert Roberge" userId="7d3ba1ecd22967b8" providerId="LiveId" clId="{0F8F4B6D-EF84-478C-AF67-DDF43E5D78BC}" dt="2019-02-14T17:53:20.928" v="62" actId="1076"/>
+          <ac:cxnSpMkLst>
+            <pc:docMk/>
+            <pc:sldMk cId="2189822017" sldId="315"/>
+            <ac:cxnSpMk id="8" creationId="{00000000-0000-0000-0000-000000000000}"/>
+          </ac:cxnSpMkLst>
+        </pc:cxnChg>
+      </pc:sldChg>
+      <pc:sldChg chg="addSp modSp">
+        <pc:chgData name="Robert Roberge" userId="7d3ba1ecd22967b8" providerId="LiveId" clId="{0F8F4B6D-EF84-478C-AF67-DDF43E5D78BC}" dt="2019-02-14T17:47:52.883" v="43" actId="1076"/>
+        <pc:sldMkLst>
+          <pc:docMk/>
+          <pc:sldMk cId="1416546438" sldId="319"/>
+        </pc:sldMkLst>
+        <pc:spChg chg="mod">
+          <ac:chgData name="Robert Roberge" userId="7d3ba1ecd22967b8" providerId="LiveId" clId="{0F8F4B6D-EF84-478C-AF67-DDF43E5D78BC}" dt="2019-02-14T17:47:49.176" v="42" actId="164"/>
+          <ac:spMkLst>
+            <pc:docMk/>
+            <pc:sldMk cId="1416546438" sldId="319"/>
+            <ac:spMk id="4" creationId="{00000000-0000-0000-0000-000000000000}"/>
+          </ac:spMkLst>
+        </pc:spChg>
+        <pc:spChg chg="mod">
+          <ac:chgData name="Robert Roberge" userId="7d3ba1ecd22967b8" providerId="LiveId" clId="{0F8F4B6D-EF84-478C-AF67-DDF43E5D78BC}" dt="2019-02-14T17:47:49.176" v="42" actId="164"/>
+          <ac:spMkLst>
+            <pc:docMk/>
+            <pc:sldMk cId="1416546438" sldId="319"/>
+            <ac:spMk id="9" creationId="{00000000-0000-0000-0000-000000000000}"/>
+          </ac:spMkLst>
+        </pc:spChg>
+        <pc:spChg chg="mod">
+          <ac:chgData name="Robert Roberge" userId="7d3ba1ecd22967b8" providerId="LiveId" clId="{0F8F4B6D-EF84-478C-AF67-DDF43E5D78BC}" dt="2019-02-14T17:47:49.176" v="42" actId="164"/>
+          <ac:spMkLst>
+            <pc:docMk/>
+            <pc:sldMk cId="1416546438" sldId="319"/>
+            <ac:spMk id="10" creationId="{00000000-0000-0000-0000-000000000000}"/>
+          </ac:spMkLst>
+        </pc:spChg>
+        <pc:grpChg chg="add mod">
+          <ac:chgData name="Robert Roberge" userId="7d3ba1ecd22967b8" providerId="LiveId" clId="{0F8F4B6D-EF84-478C-AF67-DDF43E5D78BC}" dt="2019-02-14T17:47:52.883" v="43" actId="1076"/>
+          <ac:grpSpMkLst>
+            <pc:docMk/>
+            <pc:sldMk cId="1416546438" sldId="319"/>
+            <ac:grpSpMk id="3" creationId="{517776C6-D23C-4994-A2DB-8C5088A780EB}"/>
+          </ac:grpSpMkLst>
+        </pc:grpChg>
+        <pc:cxnChg chg="mod">
+          <ac:chgData name="Robert Roberge" userId="7d3ba1ecd22967b8" providerId="LiveId" clId="{0F8F4B6D-EF84-478C-AF67-DDF43E5D78BC}" dt="2019-02-14T17:47:49.176" v="42" actId="164"/>
+          <ac:cxnSpMkLst>
+            <pc:docMk/>
+            <pc:sldMk cId="1416546438" sldId="319"/>
+            <ac:cxnSpMk id="6" creationId="{00000000-0000-0000-0000-000000000000}"/>
+          </ac:cxnSpMkLst>
+        </pc:cxnChg>
+      </pc:sldChg>
+      <pc:sldChg chg="addSp delSp modSp">
+        <pc:chgData name="Robert Roberge" userId="7d3ba1ecd22967b8" providerId="LiveId" clId="{0F8F4B6D-EF84-478C-AF67-DDF43E5D78BC}" dt="2019-02-14T17:49:01.510" v="56" actId="1076"/>
+        <pc:sldMkLst>
+          <pc:docMk/>
+          <pc:sldMk cId="3459080849" sldId="320"/>
+        </pc:sldMkLst>
+        <pc:spChg chg="mod topLvl">
+          <ac:chgData name="Robert Roberge" userId="7d3ba1ecd22967b8" providerId="LiveId" clId="{0F8F4B6D-EF84-478C-AF67-DDF43E5D78BC}" dt="2019-02-14T17:48:27.968" v="51" actId="1076"/>
+          <ac:spMkLst>
+            <pc:docMk/>
+            <pc:sldMk cId="3459080849" sldId="320"/>
+            <ac:spMk id="10" creationId="{00000000-0000-0000-0000-000000000000}"/>
+          </ac:spMkLst>
+        </pc:spChg>
+        <pc:spChg chg="mod topLvl">
+          <ac:chgData name="Robert Roberge" userId="7d3ba1ecd22967b8" providerId="LiveId" clId="{0F8F4B6D-EF84-478C-AF67-DDF43E5D78BC}" dt="2019-02-14T17:49:01.510" v="56" actId="1076"/>
+          <ac:spMkLst>
+            <pc:docMk/>
+            <pc:sldMk cId="3459080849" sldId="320"/>
+            <ac:spMk id="11" creationId="{00000000-0000-0000-0000-000000000000}"/>
+          </ac:spMkLst>
+        </pc:spChg>
+        <pc:spChg chg="mod topLvl">
+          <ac:chgData name="Robert Roberge" userId="7d3ba1ecd22967b8" providerId="LiveId" clId="{0F8F4B6D-EF84-478C-AF67-DDF43E5D78BC}" dt="2019-02-14T17:48:27.968" v="51" actId="1076"/>
+          <ac:spMkLst>
+            <pc:docMk/>
+            <pc:sldMk cId="3459080849" sldId="320"/>
+            <ac:spMk id="14" creationId="{00000000-0000-0000-0000-000000000000}"/>
+          </ac:spMkLst>
+        </pc:spChg>
+        <pc:grpChg chg="add del mod">
+          <ac:chgData name="Robert Roberge" userId="7d3ba1ecd22967b8" providerId="LiveId" clId="{0F8F4B6D-EF84-478C-AF67-DDF43E5D78BC}" dt="2019-02-14T17:48:17.935" v="46" actId="165"/>
+          <ac:grpSpMkLst>
+            <pc:docMk/>
+            <pc:sldMk cId="3459080849" sldId="320"/>
+            <ac:grpSpMk id="3" creationId="{B6587BCA-83AC-4D29-8A48-27111FBFB6B1}"/>
+          </ac:grpSpMkLst>
+        </pc:grpChg>
+        <pc:cxnChg chg="mod topLvl">
+          <ac:chgData name="Robert Roberge" userId="7d3ba1ecd22967b8" providerId="LiveId" clId="{0F8F4B6D-EF84-478C-AF67-DDF43E5D78BC}" dt="2019-02-14T17:49:01.510" v="56" actId="1076"/>
+          <ac:cxnSpMkLst>
+            <pc:docMk/>
+            <pc:sldMk cId="3459080849" sldId="320"/>
+            <ac:cxnSpMk id="6" creationId="{00000000-0000-0000-0000-000000000000}"/>
+          </ac:cxnSpMkLst>
+        </pc:cxnChg>
+      </pc:sldChg>
+      <pc:sldChg chg="addSp modSp">
+        <pc:chgData name="Robert Roberge" userId="7d3ba1ecd22967b8" providerId="LiveId" clId="{0F8F4B6D-EF84-478C-AF67-DDF43E5D78BC}" dt="2019-02-14T17:53:01.581" v="61" actId="1076"/>
+        <pc:sldMkLst>
+          <pc:docMk/>
+          <pc:sldMk cId="4091245977" sldId="326"/>
+        </pc:sldMkLst>
+        <pc:spChg chg="mod">
+          <ac:chgData name="Robert Roberge" userId="7d3ba1ecd22967b8" providerId="LiveId" clId="{0F8F4B6D-EF84-478C-AF67-DDF43E5D78BC}" dt="2019-02-14T17:52:54.305" v="60" actId="164"/>
+          <ac:spMkLst>
+            <pc:docMk/>
+            <pc:sldMk cId="4091245977" sldId="326"/>
+            <ac:spMk id="4" creationId="{00000000-0000-0000-0000-000000000000}"/>
+          </ac:spMkLst>
+        </pc:spChg>
+        <pc:spChg chg="mod">
+          <ac:chgData name="Robert Roberge" userId="7d3ba1ecd22967b8" providerId="LiveId" clId="{0F8F4B6D-EF84-478C-AF67-DDF43E5D78BC}" dt="2019-02-14T17:52:54.305" v="60" actId="164"/>
+          <ac:spMkLst>
+            <pc:docMk/>
+            <pc:sldMk cId="4091245977" sldId="326"/>
+            <ac:spMk id="5" creationId="{00000000-0000-0000-0000-000000000000}"/>
+          </ac:spMkLst>
+        </pc:spChg>
+        <pc:spChg chg="mod">
+          <ac:chgData name="Robert Roberge" userId="7d3ba1ecd22967b8" providerId="LiveId" clId="{0F8F4B6D-EF84-478C-AF67-DDF43E5D78BC}" dt="2019-02-14T17:52:54.305" v="60" actId="164"/>
+          <ac:spMkLst>
+            <pc:docMk/>
+            <pc:sldMk cId="4091245977" sldId="326"/>
+            <ac:spMk id="8" creationId="{00000000-0000-0000-0000-000000000000}"/>
+          </ac:spMkLst>
+        </pc:spChg>
+        <pc:grpChg chg="add mod">
+          <ac:chgData name="Robert Roberge" userId="7d3ba1ecd22967b8" providerId="LiveId" clId="{0F8F4B6D-EF84-478C-AF67-DDF43E5D78BC}" dt="2019-02-14T17:53:01.581" v="61" actId="1076"/>
+          <ac:grpSpMkLst>
+            <pc:docMk/>
+            <pc:sldMk cId="4091245977" sldId="326"/>
+            <ac:grpSpMk id="3" creationId="{4BF0D5DF-9C90-48BE-AB6A-384CD32C7860}"/>
+          </ac:grpSpMkLst>
+        </pc:grpChg>
+        <pc:cxnChg chg="mod">
+          <ac:chgData name="Robert Roberge" userId="7d3ba1ecd22967b8" providerId="LiveId" clId="{0F8F4B6D-EF84-478C-AF67-DDF43E5D78BC}" dt="2019-02-14T17:52:54.305" v="60" actId="164"/>
+          <ac:cxnSpMkLst>
+            <pc:docMk/>
+            <pc:sldMk cId="4091245977" sldId="326"/>
+            <ac:cxnSpMk id="7" creationId="{00000000-0000-0000-0000-000000000000}"/>
+          </ac:cxnSpMkLst>
+        </pc:cxnChg>
+      </pc:sldChg>
+    </pc:docChg>
+  </pc:docChgLst>
+</pc:chgInfo>
+</file>
+
 <file path=ppt/notesMasters/notesMaster1.xml><?xml version="1.0" encoding="utf-8"?>
 <p:notesMaster xmlns:a="http://schemas.openxmlformats.org/drawingml/2006/main" xmlns:r="http://schemas.openxmlformats.org/officeDocument/2006/relationships" xmlns:p="http://schemas.openxmlformats.org/presentationml/2006/main">
   <p:cSld>
@@ -294,7 +820,7 @@
           <a:p>
             <a:fld id="{C48A5AB8-C75E-4242-AC76-9DAE875A82E7}" type="datetimeFigureOut">
               <a:rPr lang="en-US" smtClean="0"/>
-              <a:t>2/4/2019</a:t>
+              <a:t>2/14/2019</a:t>
             </a:fld>
             <a:endParaRPr lang="en-US"/>
           </a:p>
@@ -5616,212 +6142,233 @@
           </a:p>
         </p:txBody>
       </p:sp>
-      <p:sp>
-        <p:nvSpPr>
-          <p:cNvPr id="4" name="Rectangle: Rounded Corners 3"/>
-          <p:cNvSpPr/>
+      <p:grpSp>
+        <p:nvGrpSpPr>
+          <p:cNvPr id="3" name="Group 2">
+            <a:extLst>
+              <a:ext uri="{FF2B5EF4-FFF2-40B4-BE49-F238E27FC236}">
+                <a16:creationId xmlns:a16="http://schemas.microsoft.com/office/drawing/2014/main" id="{89628548-68BD-4AD1-AD6A-C5680419EF29}"/>
+              </a:ext>
+            </a:extLst>
+          </p:cNvPr>
+          <p:cNvGrpSpPr/>
           <p:nvPr/>
-        </p:nvSpPr>
-        <p:spPr>
-          <a:xfrm>
-            <a:off x="1231923" y="3193287"/>
-            <a:ext cx="1736436" cy="1089891"/>
-          </a:xfrm>
-          <a:prstGeom prst="roundRect">
-            <a:avLst/>
-          </a:prstGeom>
-          <a:ln/>
-        </p:spPr>
-        <p:style>
-          <a:lnRef idx="2">
-            <a:schemeClr val="accent1">
-              <a:shade val="50000"/>
-            </a:schemeClr>
-          </a:lnRef>
-          <a:fillRef idx="1">
-            <a:schemeClr val="accent1"/>
-          </a:fillRef>
-          <a:effectRef idx="0">
-            <a:schemeClr val="accent1"/>
-          </a:effectRef>
-          <a:fontRef idx="minor">
-            <a:schemeClr val="lt1"/>
-          </a:fontRef>
-        </p:style>
-        <p:txBody>
-          <a:bodyPr rtlCol="0" anchor="ctr"/>
-          <a:lstStyle/>
-          <a:p>
-            <a:pPr algn="ctr"/>
-            <a:r>
-              <a:rPr lang="en-US" dirty="0">
-                <a:solidFill>
-                  <a:schemeClr val="bg1"/>
-                </a:solidFill>
-              </a:rPr>
-              <a:t>Root        CNA</a:t>
-            </a:r>
-          </a:p>
-        </p:txBody>
-      </p:sp>
-      <p:sp>
-        <p:nvSpPr>
-          <p:cNvPr id="5" name="TextBox 4"/>
-          <p:cNvSpPr txBox="1"/>
-          <p:nvPr/>
-        </p:nvSpPr>
-        <p:spPr>
-          <a:xfrm>
-            <a:off x="1458779" y="2848475"/>
-            <a:ext cx="1282723" cy="276999"/>
-          </a:xfrm>
-          <a:prstGeom prst="rect">
-            <a:avLst/>
-          </a:prstGeom>
-          <a:noFill/>
-        </p:spPr>
-        <p:txBody>
-          <a:bodyPr wrap="none" rtlCol="0">
-            <a:spAutoFit/>
-          </a:bodyPr>
-          <a:lstStyle/>
-          <a:p>
-            <a:pPr>
-              <a:spcAft>
-                <a:spcPts val="600"/>
-              </a:spcAft>
-            </a:pPr>
-            <a:r>
-              <a:rPr lang="en-US" sz="1200" dirty="0">
-                <a:ea typeface="Verdana" pitchFamily="34" charset="0"/>
-                <a:cs typeface="Verdana" pitchFamily="34" charset="0"/>
-              </a:rPr>
-              <a:t>CVE-2017-0010</a:t>
-            </a:r>
-          </a:p>
-        </p:txBody>
-      </p:sp>
-      <p:sp>
-        <p:nvSpPr>
-          <p:cNvPr id="6" name="Rectangle: Rounded Corners 5"/>
-          <p:cNvSpPr/>
-          <p:nvPr/>
-        </p:nvSpPr>
-        <p:spPr>
-          <a:xfrm>
-            <a:off x="5828147" y="3193287"/>
-            <a:ext cx="1736436" cy="1089891"/>
-          </a:xfrm>
-          <a:prstGeom prst="roundRect">
-            <a:avLst/>
-          </a:prstGeom>
-          <a:ln/>
-        </p:spPr>
-        <p:style>
-          <a:lnRef idx="2">
-            <a:schemeClr val="accent2">
-              <a:shade val="50000"/>
-            </a:schemeClr>
-          </a:lnRef>
-          <a:fillRef idx="1">
-            <a:schemeClr val="accent2"/>
-          </a:fillRef>
-          <a:effectRef idx="0">
-            <a:schemeClr val="accent2"/>
-          </a:effectRef>
-          <a:fontRef idx="minor">
-            <a:schemeClr val="lt1"/>
-          </a:fontRef>
-        </p:style>
-        <p:txBody>
-          <a:bodyPr rtlCol="0" anchor="ctr"/>
-          <a:lstStyle/>
-          <a:p>
-            <a:pPr algn="ctr"/>
-            <a:r>
-              <a:rPr lang="en-US" dirty="0">
-                <a:solidFill>
-                  <a:schemeClr val="bg1"/>
-                </a:solidFill>
-              </a:rPr>
-              <a:t>Program Root CNA</a:t>
-            </a:r>
-          </a:p>
-        </p:txBody>
-      </p:sp>
-      <p:cxnSp>
-        <p:nvCxnSpPr>
-          <p:cNvPr id="8" name="Straight Arrow Connector 7"/>
-          <p:cNvCxnSpPr>
-            <a:stCxn id="4" idx="3"/>
-            <a:endCxn id="6" idx="1"/>
-          </p:cNvCxnSpPr>
-          <p:nvPr/>
-        </p:nvCxnSpPr>
-        <p:spPr>
-          <a:xfrm>
-            <a:off x="2968359" y="3738233"/>
-            <a:ext cx="2859788" cy="0"/>
-          </a:xfrm>
-          <a:prstGeom prst="straightConnector1">
-            <a:avLst/>
-          </a:prstGeom>
-          <a:ln>
-            <a:tailEnd type="triangle"/>
-          </a:ln>
-        </p:spPr>
-        <p:style>
-          <a:lnRef idx="2">
-            <a:schemeClr val="dk1"/>
-          </a:lnRef>
-          <a:fillRef idx="0">
-            <a:schemeClr val="dk1"/>
-          </a:fillRef>
-          <a:effectRef idx="1">
-            <a:schemeClr val="dk1"/>
-          </a:effectRef>
-          <a:fontRef idx="minor">
-            <a:schemeClr val="tx1"/>
-          </a:fontRef>
-        </p:style>
-      </p:cxnSp>
-      <p:sp>
-        <p:nvSpPr>
-          <p:cNvPr id="9" name="TextBox 8"/>
-          <p:cNvSpPr txBox="1"/>
-          <p:nvPr/>
-        </p:nvSpPr>
-        <p:spPr>
-          <a:xfrm>
-            <a:off x="3154964" y="3399678"/>
-            <a:ext cx="2486578" cy="338554"/>
-          </a:xfrm>
-          <a:prstGeom prst="rect">
-            <a:avLst/>
-          </a:prstGeom>
-          <a:noFill/>
-        </p:spPr>
-        <p:txBody>
-          <a:bodyPr wrap="none" rtlCol="0">
-            <a:spAutoFit/>
-          </a:bodyPr>
-          <a:lstStyle/>
-          <a:p>
-            <a:pPr>
-              <a:spcAft>
-                <a:spcPts val="600"/>
-              </a:spcAft>
-            </a:pPr>
-            <a:r>
-              <a:rPr lang="en-US" sz="1600" dirty="0">
-                <a:ea typeface="Verdana" pitchFamily="34" charset="0"/>
-                <a:cs typeface="Verdana" pitchFamily="34" charset="0"/>
-              </a:rPr>
-              <a:t>10 2017 CVE IDs please!</a:t>
-            </a:r>
-          </a:p>
-        </p:txBody>
-      </p:sp>
+        </p:nvGrpSpPr>
+        <p:grpSpPr>
+          <a:xfrm>
+            <a:off x="1587015" y="2711648"/>
+            <a:ext cx="6332660" cy="1434703"/>
+            <a:chOff x="1231923" y="2848475"/>
+            <a:chExt cx="6332660" cy="1434703"/>
+          </a:xfrm>
+        </p:grpSpPr>
+        <p:sp>
+          <p:nvSpPr>
+            <p:cNvPr id="4" name="Rectangle: Rounded Corners 3"/>
+            <p:cNvSpPr/>
+            <p:nvPr/>
+          </p:nvSpPr>
+          <p:spPr>
+            <a:xfrm>
+              <a:off x="1231923" y="3193287"/>
+              <a:ext cx="1736436" cy="1089891"/>
+            </a:xfrm>
+            <a:prstGeom prst="roundRect">
+              <a:avLst/>
+            </a:prstGeom>
+            <a:ln/>
+          </p:spPr>
+          <p:style>
+            <a:lnRef idx="2">
+              <a:schemeClr val="accent1">
+                <a:shade val="50000"/>
+              </a:schemeClr>
+            </a:lnRef>
+            <a:fillRef idx="1">
+              <a:schemeClr val="accent1"/>
+            </a:fillRef>
+            <a:effectRef idx="0">
+              <a:schemeClr val="accent1"/>
+            </a:effectRef>
+            <a:fontRef idx="minor">
+              <a:schemeClr val="lt1"/>
+            </a:fontRef>
+          </p:style>
+          <p:txBody>
+            <a:bodyPr rtlCol="0" anchor="ctr"/>
+            <a:lstStyle/>
+            <a:p>
+              <a:pPr algn="ctr"/>
+              <a:r>
+                <a:rPr lang="en-US" dirty="0">
+                  <a:solidFill>
+                    <a:schemeClr val="bg1"/>
+                  </a:solidFill>
+                </a:rPr>
+                <a:t>Root        CNA</a:t>
+              </a:r>
+            </a:p>
+          </p:txBody>
+        </p:sp>
+        <p:sp>
+          <p:nvSpPr>
+            <p:cNvPr id="5" name="TextBox 4"/>
+            <p:cNvSpPr txBox="1"/>
+            <p:nvPr/>
+          </p:nvSpPr>
+          <p:spPr>
+            <a:xfrm>
+              <a:off x="1458779" y="2848475"/>
+              <a:ext cx="1282723" cy="276999"/>
+            </a:xfrm>
+            <a:prstGeom prst="rect">
+              <a:avLst/>
+            </a:prstGeom>
+            <a:noFill/>
+          </p:spPr>
+          <p:txBody>
+            <a:bodyPr wrap="none" rtlCol="0">
+              <a:spAutoFit/>
+            </a:bodyPr>
+            <a:lstStyle/>
+            <a:p>
+              <a:pPr>
+                <a:spcAft>
+                  <a:spcPts val="600"/>
+                </a:spcAft>
+              </a:pPr>
+              <a:r>
+                <a:rPr lang="en-US" sz="1200" dirty="0">
+                  <a:ea typeface="Verdana" pitchFamily="34" charset="0"/>
+                  <a:cs typeface="Verdana" pitchFamily="34" charset="0"/>
+                </a:rPr>
+                <a:t>CVE-2017-0010</a:t>
+              </a:r>
+            </a:p>
+          </p:txBody>
+        </p:sp>
+        <p:sp>
+          <p:nvSpPr>
+            <p:cNvPr id="6" name="Rectangle: Rounded Corners 5"/>
+            <p:cNvSpPr/>
+            <p:nvPr/>
+          </p:nvSpPr>
+          <p:spPr>
+            <a:xfrm>
+              <a:off x="5828147" y="3193287"/>
+              <a:ext cx="1736436" cy="1089891"/>
+            </a:xfrm>
+            <a:prstGeom prst="roundRect">
+              <a:avLst/>
+            </a:prstGeom>
+            <a:ln/>
+          </p:spPr>
+          <p:style>
+            <a:lnRef idx="2">
+              <a:schemeClr val="accent2">
+                <a:shade val="50000"/>
+              </a:schemeClr>
+            </a:lnRef>
+            <a:fillRef idx="1">
+              <a:schemeClr val="accent2"/>
+            </a:fillRef>
+            <a:effectRef idx="0">
+              <a:schemeClr val="accent2"/>
+            </a:effectRef>
+            <a:fontRef idx="minor">
+              <a:schemeClr val="lt1"/>
+            </a:fontRef>
+          </p:style>
+          <p:txBody>
+            <a:bodyPr rtlCol="0" anchor="ctr"/>
+            <a:lstStyle/>
+            <a:p>
+              <a:pPr algn="ctr"/>
+              <a:r>
+                <a:rPr lang="en-US" dirty="0">
+                  <a:solidFill>
+                    <a:schemeClr val="bg1"/>
+                  </a:solidFill>
+                </a:rPr>
+                <a:t>Program Root CNA</a:t>
+              </a:r>
+            </a:p>
+          </p:txBody>
+        </p:sp>
+        <p:cxnSp>
+          <p:nvCxnSpPr>
+            <p:cNvPr id="8" name="Straight Arrow Connector 7"/>
+            <p:cNvCxnSpPr>
+              <a:stCxn id="4" idx="3"/>
+              <a:endCxn id="6" idx="1"/>
+            </p:cNvCxnSpPr>
+            <p:nvPr/>
+          </p:nvCxnSpPr>
+          <p:spPr>
+            <a:xfrm>
+              <a:off x="2968359" y="3738233"/>
+              <a:ext cx="2859788" cy="0"/>
+            </a:xfrm>
+            <a:prstGeom prst="straightConnector1">
+              <a:avLst/>
+            </a:prstGeom>
+            <a:ln>
+              <a:tailEnd type="triangle"/>
+            </a:ln>
+          </p:spPr>
+          <p:style>
+            <a:lnRef idx="2">
+              <a:schemeClr val="dk1"/>
+            </a:lnRef>
+            <a:fillRef idx="0">
+              <a:schemeClr val="dk1"/>
+            </a:fillRef>
+            <a:effectRef idx="1">
+              <a:schemeClr val="dk1"/>
+            </a:effectRef>
+            <a:fontRef idx="minor">
+              <a:schemeClr val="tx1"/>
+            </a:fontRef>
+          </p:style>
+        </p:cxnSp>
+        <p:sp>
+          <p:nvSpPr>
+            <p:cNvPr id="9" name="TextBox 8"/>
+            <p:cNvSpPr txBox="1"/>
+            <p:nvPr/>
+          </p:nvSpPr>
+          <p:spPr>
+            <a:xfrm>
+              <a:off x="3154964" y="3399678"/>
+              <a:ext cx="2486578" cy="338554"/>
+            </a:xfrm>
+            <a:prstGeom prst="rect">
+              <a:avLst/>
+            </a:prstGeom>
+            <a:noFill/>
+          </p:spPr>
+          <p:txBody>
+            <a:bodyPr wrap="none" rtlCol="0">
+              <a:spAutoFit/>
+            </a:bodyPr>
+            <a:lstStyle/>
+            <a:p>
+              <a:pPr>
+                <a:spcAft>
+                  <a:spcPts val="600"/>
+                </a:spcAft>
+              </a:pPr>
+              <a:r>
+                <a:rPr lang="en-US" sz="1600" dirty="0">
+                  <a:ea typeface="Verdana" pitchFamily="34" charset="0"/>
+                  <a:cs typeface="Verdana" pitchFamily="34" charset="0"/>
+                </a:rPr>
+                <a:t>10 2017 CVE IDs please!</a:t>
+              </a:r>
+            </a:p>
+          </p:txBody>
+        </p:sp>
+      </p:grpSp>
     </p:spTree>
     <p:extLst>
       <p:ext uri="{BB962C8B-B14F-4D97-AF65-F5344CB8AC3E}">
@@ -5874,338 +6421,359 @@
           </a:p>
         </p:txBody>
       </p:sp>
-      <p:sp>
-        <p:nvSpPr>
-          <p:cNvPr id="4" name="Rectangle: Rounded Corners 3"/>
-          <p:cNvSpPr/>
+      <p:grpSp>
+        <p:nvGrpSpPr>
+          <p:cNvPr id="3" name="Group 2">
+            <a:extLst>
+              <a:ext uri="{FF2B5EF4-FFF2-40B4-BE49-F238E27FC236}">
+                <a16:creationId xmlns:a16="http://schemas.microsoft.com/office/drawing/2014/main" id="{E2D638A8-3C5C-4EB1-8C05-6C7538D69748}"/>
+              </a:ext>
+            </a:extLst>
+          </p:cNvPr>
+          <p:cNvGrpSpPr/>
           <p:nvPr/>
-        </p:nvSpPr>
-        <p:spPr>
-          <a:xfrm>
-            <a:off x="1158032" y="3552961"/>
-            <a:ext cx="1736436" cy="1089891"/>
-          </a:xfrm>
-          <a:prstGeom prst="roundRect">
-            <a:avLst/>
-          </a:prstGeom>
-          <a:ln/>
-        </p:spPr>
-        <p:style>
-          <a:lnRef idx="2">
-            <a:schemeClr val="accent1">
-              <a:shade val="50000"/>
-            </a:schemeClr>
-          </a:lnRef>
-          <a:fillRef idx="1">
-            <a:schemeClr val="accent1"/>
-          </a:fillRef>
-          <a:effectRef idx="0">
-            <a:schemeClr val="accent1"/>
-          </a:effectRef>
-          <a:fontRef idx="minor">
-            <a:schemeClr val="lt1"/>
-          </a:fontRef>
-        </p:style>
-        <p:txBody>
-          <a:bodyPr rtlCol="0" anchor="ctr"/>
-          <a:lstStyle/>
-          <a:p>
-            <a:pPr algn="ctr"/>
-            <a:r>
-              <a:rPr lang="en-US" dirty="0">
-                <a:solidFill>
-                  <a:schemeClr val="bg1"/>
-                </a:solidFill>
-              </a:rPr>
-              <a:t>Root        CNA</a:t>
-            </a:r>
-          </a:p>
-        </p:txBody>
-      </p:sp>
-      <p:sp>
-        <p:nvSpPr>
-          <p:cNvPr id="5" name="TextBox 4"/>
-          <p:cNvSpPr txBox="1"/>
-          <p:nvPr/>
-        </p:nvSpPr>
-        <p:spPr>
-          <a:xfrm>
-            <a:off x="1278104" y="3208149"/>
-            <a:ext cx="1282723" cy="276999"/>
-          </a:xfrm>
-          <a:prstGeom prst="rect">
-            <a:avLst/>
-          </a:prstGeom>
-          <a:noFill/>
-        </p:spPr>
-        <p:txBody>
-          <a:bodyPr wrap="none" rtlCol="0">
-            <a:spAutoFit/>
-          </a:bodyPr>
-          <a:lstStyle/>
-          <a:p>
-            <a:pPr>
-              <a:spcAft>
-                <a:spcPts val="600"/>
-              </a:spcAft>
-            </a:pPr>
-            <a:r>
-              <a:rPr lang="en-US" sz="1200" dirty="0">
-                <a:ea typeface="Verdana" pitchFamily="34" charset="0"/>
-                <a:cs typeface="Verdana" pitchFamily="34" charset="0"/>
-              </a:rPr>
-              <a:t>CVE-2017-0010</a:t>
-            </a:r>
-          </a:p>
-        </p:txBody>
-      </p:sp>
-      <p:sp>
-        <p:nvSpPr>
-          <p:cNvPr id="6" name="Rectangle: Rounded Corners 5"/>
-          <p:cNvSpPr/>
-          <p:nvPr/>
-        </p:nvSpPr>
-        <p:spPr>
-          <a:xfrm>
-            <a:off x="5754256" y="3552961"/>
-            <a:ext cx="1736436" cy="1089891"/>
-          </a:xfrm>
-          <a:prstGeom prst="roundRect">
-            <a:avLst/>
-          </a:prstGeom>
-          <a:ln/>
-        </p:spPr>
-        <p:style>
-          <a:lnRef idx="2">
-            <a:schemeClr val="accent2">
-              <a:shade val="50000"/>
-            </a:schemeClr>
-          </a:lnRef>
-          <a:fillRef idx="1">
-            <a:schemeClr val="accent2"/>
-          </a:fillRef>
-          <a:effectRef idx="0">
-            <a:schemeClr val="accent2"/>
-          </a:effectRef>
-          <a:fontRef idx="minor">
-            <a:schemeClr val="lt1"/>
-          </a:fontRef>
-        </p:style>
-        <p:txBody>
-          <a:bodyPr rtlCol="0" anchor="ctr"/>
-          <a:lstStyle/>
-          <a:p>
-            <a:pPr algn="ctr"/>
-            <a:r>
-              <a:rPr lang="en-US" dirty="0">
-                <a:solidFill>
-                  <a:schemeClr val="bg1"/>
-                </a:solidFill>
-              </a:rPr>
-              <a:t>Program Root CNA</a:t>
-            </a:r>
-          </a:p>
-        </p:txBody>
-      </p:sp>
-      <p:cxnSp>
-        <p:nvCxnSpPr>
-          <p:cNvPr id="7" name="Straight Arrow Connector 6"/>
-          <p:cNvCxnSpPr>
-            <a:stCxn id="6" idx="1"/>
-            <a:endCxn id="4" idx="3"/>
-          </p:cNvCxnSpPr>
-          <p:nvPr/>
-        </p:nvCxnSpPr>
-        <p:spPr>
-          <a:xfrm flipH="1">
-            <a:off x="2894468" y="4097907"/>
-            <a:ext cx="2859788" cy="0"/>
-          </a:xfrm>
-          <a:prstGeom prst="straightConnector1">
-            <a:avLst/>
-          </a:prstGeom>
-          <a:ln>
-            <a:tailEnd type="triangle"/>
-          </a:ln>
-        </p:spPr>
-        <p:style>
-          <a:lnRef idx="2">
-            <a:schemeClr val="dk1"/>
-          </a:lnRef>
-          <a:fillRef idx="0">
-            <a:schemeClr val="dk1"/>
-          </a:fillRef>
-          <a:effectRef idx="1">
-            <a:schemeClr val="dk1"/>
-          </a:effectRef>
-          <a:fontRef idx="minor">
-            <a:schemeClr val="tx1"/>
-          </a:fontRef>
-        </p:style>
-      </p:cxnSp>
-      <p:sp>
-        <p:nvSpPr>
-          <p:cNvPr id="10" name="TextBox 9"/>
-          <p:cNvSpPr txBox="1"/>
-          <p:nvPr/>
-        </p:nvSpPr>
-        <p:spPr>
-          <a:xfrm>
-            <a:off x="3655901" y="1466416"/>
-            <a:ext cx="1282723" cy="2631490"/>
-          </a:xfrm>
-          <a:prstGeom prst="rect">
-            <a:avLst/>
-          </a:prstGeom>
-          <a:noFill/>
-        </p:spPr>
-        <p:txBody>
-          <a:bodyPr wrap="none" rtlCol="0">
-            <a:spAutoFit/>
-          </a:bodyPr>
-          <a:lstStyle/>
-          <a:p>
-            <a:pPr>
-              <a:spcAft>
-                <a:spcPts val="600"/>
-              </a:spcAft>
-            </a:pPr>
-            <a:r>
-              <a:rPr lang="en-US" sz="1200" dirty="0">
-                <a:ea typeface="Verdana" pitchFamily="34" charset="0"/>
-                <a:cs typeface="Verdana" pitchFamily="34" charset="0"/>
-              </a:rPr>
-              <a:t>CVE-2017-0651</a:t>
-            </a:r>
-          </a:p>
-          <a:p>
-            <a:pPr>
-              <a:spcAft>
-                <a:spcPts val="600"/>
-              </a:spcAft>
-            </a:pPr>
-            <a:r>
-              <a:rPr lang="en-US" sz="1200" dirty="0">
-                <a:ea typeface="Verdana" pitchFamily="34" charset="0"/>
-                <a:cs typeface="Verdana" pitchFamily="34" charset="0"/>
-              </a:rPr>
-              <a:t>CVE-2017-0652</a:t>
-            </a:r>
-          </a:p>
-          <a:p>
-            <a:pPr>
-              <a:spcAft>
-                <a:spcPts val="600"/>
-              </a:spcAft>
-            </a:pPr>
-            <a:r>
-              <a:rPr lang="en-US" sz="1200" dirty="0">
-                <a:ea typeface="Verdana" pitchFamily="34" charset="0"/>
-                <a:cs typeface="Verdana" pitchFamily="34" charset="0"/>
-              </a:rPr>
-              <a:t>CVE-2017-0653</a:t>
-            </a:r>
-          </a:p>
-          <a:p>
-            <a:pPr>
-              <a:spcAft>
-                <a:spcPts val="600"/>
-              </a:spcAft>
-            </a:pPr>
-            <a:r>
-              <a:rPr lang="en-US" sz="1200" dirty="0">
-                <a:ea typeface="Verdana" pitchFamily="34" charset="0"/>
-                <a:cs typeface="Verdana" pitchFamily="34" charset="0"/>
-              </a:rPr>
-              <a:t>CVE-2017-0654</a:t>
-            </a:r>
-          </a:p>
-          <a:p>
-            <a:pPr>
-              <a:spcAft>
-                <a:spcPts val="600"/>
-              </a:spcAft>
-            </a:pPr>
-            <a:r>
-              <a:rPr lang="en-US" sz="1200" dirty="0">
-                <a:ea typeface="Verdana" pitchFamily="34" charset="0"/>
-                <a:cs typeface="Verdana" pitchFamily="34" charset="0"/>
-              </a:rPr>
-              <a:t>CVE-2017-0655</a:t>
-            </a:r>
-          </a:p>
-          <a:p>
-            <a:pPr>
-              <a:spcAft>
-                <a:spcPts val="600"/>
-              </a:spcAft>
-            </a:pPr>
-            <a:r>
-              <a:rPr lang="en-US" sz="1200" dirty="0">
-                <a:ea typeface="Verdana" pitchFamily="34" charset="0"/>
-                <a:cs typeface="Verdana" pitchFamily="34" charset="0"/>
-              </a:rPr>
-              <a:t>CVE-2017-0656</a:t>
-            </a:r>
-          </a:p>
-          <a:p>
-            <a:pPr>
-              <a:spcAft>
-                <a:spcPts val="600"/>
-              </a:spcAft>
-            </a:pPr>
-            <a:r>
-              <a:rPr lang="en-US" sz="1200" dirty="0">
-                <a:ea typeface="Verdana" pitchFamily="34" charset="0"/>
-                <a:cs typeface="Verdana" pitchFamily="34" charset="0"/>
-              </a:rPr>
-              <a:t>CVE-2017-0657</a:t>
-            </a:r>
-          </a:p>
-          <a:p>
-            <a:pPr>
-              <a:spcAft>
-                <a:spcPts val="600"/>
-              </a:spcAft>
-            </a:pPr>
-            <a:r>
-              <a:rPr lang="en-US" sz="1200" dirty="0">
-                <a:ea typeface="Verdana" pitchFamily="34" charset="0"/>
-                <a:cs typeface="Verdana" pitchFamily="34" charset="0"/>
-              </a:rPr>
-              <a:t>CVE-2017-0658</a:t>
-            </a:r>
-          </a:p>
-          <a:p>
-            <a:pPr>
-              <a:spcAft>
-                <a:spcPts val="600"/>
-              </a:spcAft>
-            </a:pPr>
-            <a:r>
-              <a:rPr lang="en-US" sz="1200" dirty="0">
-                <a:ea typeface="Verdana" pitchFamily="34" charset="0"/>
-                <a:cs typeface="Verdana" pitchFamily="34" charset="0"/>
-              </a:rPr>
-              <a:t>CVE-2017-0659</a:t>
-            </a:r>
-          </a:p>
-          <a:p>
-            <a:pPr>
-              <a:spcAft>
-                <a:spcPts val="600"/>
-              </a:spcAft>
-            </a:pPr>
-            <a:r>
-              <a:rPr lang="en-US" sz="1200" dirty="0">
-                <a:ea typeface="Verdana" pitchFamily="34" charset="0"/>
-                <a:cs typeface="Verdana" pitchFamily="34" charset="0"/>
-              </a:rPr>
-              <a:t>CVE-2017-0660</a:t>
-            </a:r>
-          </a:p>
-        </p:txBody>
-      </p:sp>
+        </p:nvGrpSpPr>
+        <p:grpSpPr>
+          <a:xfrm>
+            <a:off x="1510445" y="1574082"/>
+            <a:ext cx="6332660" cy="3176436"/>
+            <a:chOff x="1158032" y="1466416"/>
+            <a:chExt cx="6332660" cy="3176436"/>
+          </a:xfrm>
+        </p:grpSpPr>
+        <p:sp>
+          <p:nvSpPr>
+            <p:cNvPr id="4" name="Rectangle: Rounded Corners 3"/>
+            <p:cNvSpPr/>
+            <p:nvPr/>
+          </p:nvSpPr>
+          <p:spPr>
+            <a:xfrm>
+              <a:off x="1158032" y="3552961"/>
+              <a:ext cx="1736436" cy="1089891"/>
+            </a:xfrm>
+            <a:prstGeom prst="roundRect">
+              <a:avLst/>
+            </a:prstGeom>
+            <a:ln/>
+          </p:spPr>
+          <p:style>
+            <a:lnRef idx="2">
+              <a:schemeClr val="accent1">
+                <a:shade val="50000"/>
+              </a:schemeClr>
+            </a:lnRef>
+            <a:fillRef idx="1">
+              <a:schemeClr val="accent1"/>
+            </a:fillRef>
+            <a:effectRef idx="0">
+              <a:schemeClr val="accent1"/>
+            </a:effectRef>
+            <a:fontRef idx="minor">
+              <a:schemeClr val="lt1"/>
+            </a:fontRef>
+          </p:style>
+          <p:txBody>
+            <a:bodyPr rtlCol="0" anchor="ctr"/>
+            <a:lstStyle/>
+            <a:p>
+              <a:pPr algn="ctr"/>
+              <a:r>
+                <a:rPr lang="en-US" dirty="0">
+                  <a:solidFill>
+                    <a:schemeClr val="bg1"/>
+                  </a:solidFill>
+                </a:rPr>
+                <a:t>Root        CNA</a:t>
+              </a:r>
+            </a:p>
+          </p:txBody>
+        </p:sp>
+        <p:sp>
+          <p:nvSpPr>
+            <p:cNvPr id="5" name="TextBox 4"/>
+            <p:cNvSpPr txBox="1"/>
+            <p:nvPr/>
+          </p:nvSpPr>
+          <p:spPr>
+            <a:xfrm>
+              <a:off x="1278104" y="3208149"/>
+              <a:ext cx="1282723" cy="276999"/>
+            </a:xfrm>
+            <a:prstGeom prst="rect">
+              <a:avLst/>
+            </a:prstGeom>
+            <a:noFill/>
+          </p:spPr>
+          <p:txBody>
+            <a:bodyPr wrap="none" rtlCol="0">
+              <a:spAutoFit/>
+            </a:bodyPr>
+            <a:lstStyle/>
+            <a:p>
+              <a:pPr>
+                <a:spcAft>
+                  <a:spcPts val="600"/>
+                </a:spcAft>
+              </a:pPr>
+              <a:r>
+                <a:rPr lang="en-US" sz="1200" dirty="0">
+                  <a:ea typeface="Verdana" pitchFamily="34" charset="0"/>
+                  <a:cs typeface="Verdana" pitchFamily="34" charset="0"/>
+                </a:rPr>
+                <a:t>CVE-2017-0010</a:t>
+              </a:r>
+            </a:p>
+          </p:txBody>
+        </p:sp>
+        <p:sp>
+          <p:nvSpPr>
+            <p:cNvPr id="6" name="Rectangle: Rounded Corners 5"/>
+            <p:cNvSpPr/>
+            <p:nvPr/>
+          </p:nvSpPr>
+          <p:spPr>
+            <a:xfrm>
+              <a:off x="5754256" y="3552961"/>
+              <a:ext cx="1736436" cy="1089891"/>
+            </a:xfrm>
+            <a:prstGeom prst="roundRect">
+              <a:avLst/>
+            </a:prstGeom>
+            <a:ln/>
+          </p:spPr>
+          <p:style>
+            <a:lnRef idx="2">
+              <a:schemeClr val="accent2">
+                <a:shade val="50000"/>
+              </a:schemeClr>
+            </a:lnRef>
+            <a:fillRef idx="1">
+              <a:schemeClr val="accent2"/>
+            </a:fillRef>
+            <a:effectRef idx="0">
+              <a:schemeClr val="accent2"/>
+            </a:effectRef>
+            <a:fontRef idx="minor">
+              <a:schemeClr val="lt1"/>
+            </a:fontRef>
+          </p:style>
+          <p:txBody>
+            <a:bodyPr rtlCol="0" anchor="ctr"/>
+            <a:lstStyle/>
+            <a:p>
+              <a:pPr algn="ctr"/>
+              <a:r>
+                <a:rPr lang="en-US" dirty="0">
+                  <a:solidFill>
+                    <a:schemeClr val="bg1"/>
+                  </a:solidFill>
+                </a:rPr>
+                <a:t>Program Root CNA</a:t>
+              </a:r>
+            </a:p>
+          </p:txBody>
+        </p:sp>
+        <p:cxnSp>
+          <p:nvCxnSpPr>
+            <p:cNvPr id="7" name="Straight Arrow Connector 6"/>
+            <p:cNvCxnSpPr>
+              <a:stCxn id="6" idx="1"/>
+              <a:endCxn id="4" idx="3"/>
+            </p:cNvCxnSpPr>
+            <p:nvPr/>
+          </p:nvCxnSpPr>
+          <p:spPr>
+            <a:xfrm flipH="1">
+              <a:off x="2894468" y="4097907"/>
+              <a:ext cx="2859788" cy="0"/>
+            </a:xfrm>
+            <a:prstGeom prst="straightConnector1">
+              <a:avLst/>
+            </a:prstGeom>
+            <a:ln>
+              <a:tailEnd type="triangle"/>
+            </a:ln>
+          </p:spPr>
+          <p:style>
+            <a:lnRef idx="2">
+              <a:schemeClr val="dk1"/>
+            </a:lnRef>
+            <a:fillRef idx="0">
+              <a:schemeClr val="dk1"/>
+            </a:fillRef>
+            <a:effectRef idx="1">
+              <a:schemeClr val="dk1"/>
+            </a:effectRef>
+            <a:fontRef idx="minor">
+              <a:schemeClr val="tx1"/>
+            </a:fontRef>
+          </p:style>
+        </p:cxnSp>
+        <p:sp>
+          <p:nvSpPr>
+            <p:cNvPr id="10" name="TextBox 9"/>
+            <p:cNvSpPr txBox="1"/>
+            <p:nvPr/>
+          </p:nvSpPr>
+          <p:spPr>
+            <a:xfrm>
+              <a:off x="3655901" y="1466416"/>
+              <a:ext cx="1282723" cy="2631490"/>
+            </a:xfrm>
+            <a:prstGeom prst="rect">
+              <a:avLst/>
+            </a:prstGeom>
+            <a:noFill/>
+          </p:spPr>
+          <p:txBody>
+            <a:bodyPr wrap="none" rtlCol="0">
+              <a:spAutoFit/>
+            </a:bodyPr>
+            <a:lstStyle/>
+            <a:p>
+              <a:pPr>
+                <a:spcAft>
+                  <a:spcPts val="600"/>
+                </a:spcAft>
+              </a:pPr>
+              <a:r>
+                <a:rPr lang="en-US" sz="1200" dirty="0">
+                  <a:ea typeface="Verdana" pitchFamily="34" charset="0"/>
+                  <a:cs typeface="Verdana" pitchFamily="34" charset="0"/>
+                </a:rPr>
+                <a:t>CVE-2017-0651</a:t>
+              </a:r>
+            </a:p>
+            <a:p>
+              <a:pPr>
+                <a:spcAft>
+                  <a:spcPts val="600"/>
+                </a:spcAft>
+              </a:pPr>
+              <a:r>
+                <a:rPr lang="en-US" sz="1200" dirty="0">
+                  <a:ea typeface="Verdana" pitchFamily="34" charset="0"/>
+                  <a:cs typeface="Verdana" pitchFamily="34" charset="0"/>
+                </a:rPr>
+                <a:t>CVE-2017-0652</a:t>
+              </a:r>
+            </a:p>
+            <a:p>
+              <a:pPr>
+                <a:spcAft>
+                  <a:spcPts val="600"/>
+                </a:spcAft>
+              </a:pPr>
+              <a:r>
+                <a:rPr lang="en-US" sz="1200" dirty="0">
+                  <a:ea typeface="Verdana" pitchFamily="34" charset="0"/>
+                  <a:cs typeface="Verdana" pitchFamily="34" charset="0"/>
+                </a:rPr>
+                <a:t>CVE-2017-0653</a:t>
+              </a:r>
+            </a:p>
+            <a:p>
+              <a:pPr>
+                <a:spcAft>
+                  <a:spcPts val="600"/>
+                </a:spcAft>
+              </a:pPr>
+              <a:r>
+                <a:rPr lang="en-US" sz="1200" dirty="0">
+                  <a:ea typeface="Verdana" pitchFamily="34" charset="0"/>
+                  <a:cs typeface="Verdana" pitchFamily="34" charset="0"/>
+                </a:rPr>
+                <a:t>CVE-2017-0654</a:t>
+              </a:r>
+            </a:p>
+            <a:p>
+              <a:pPr>
+                <a:spcAft>
+                  <a:spcPts val="600"/>
+                </a:spcAft>
+              </a:pPr>
+              <a:r>
+                <a:rPr lang="en-US" sz="1200" dirty="0">
+                  <a:ea typeface="Verdana" pitchFamily="34" charset="0"/>
+                  <a:cs typeface="Verdana" pitchFamily="34" charset="0"/>
+                </a:rPr>
+                <a:t>CVE-2017-0655</a:t>
+              </a:r>
+            </a:p>
+            <a:p>
+              <a:pPr>
+                <a:spcAft>
+                  <a:spcPts val="600"/>
+                </a:spcAft>
+              </a:pPr>
+              <a:r>
+                <a:rPr lang="en-US" sz="1200" dirty="0">
+                  <a:ea typeface="Verdana" pitchFamily="34" charset="0"/>
+                  <a:cs typeface="Verdana" pitchFamily="34" charset="0"/>
+                </a:rPr>
+                <a:t>CVE-2017-0656</a:t>
+              </a:r>
+            </a:p>
+            <a:p>
+              <a:pPr>
+                <a:spcAft>
+                  <a:spcPts val="600"/>
+                </a:spcAft>
+              </a:pPr>
+              <a:r>
+                <a:rPr lang="en-US" sz="1200" dirty="0">
+                  <a:ea typeface="Verdana" pitchFamily="34" charset="0"/>
+                  <a:cs typeface="Verdana" pitchFamily="34" charset="0"/>
+                </a:rPr>
+                <a:t>CVE-2017-0657</a:t>
+              </a:r>
+            </a:p>
+            <a:p>
+              <a:pPr>
+                <a:spcAft>
+                  <a:spcPts val="600"/>
+                </a:spcAft>
+              </a:pPr>
+              <a:r>
+                <a:rPr lang="en-US" sz="1200" dirty="0">
+                  <a:ea typeface="Verdana" pitchFamily="34" charset="0"/>
+                  <a:cs typeface="Verdana" pitchFamily="34" charset="0"/>
+                </a:rPr>
+                <a:t>CVE-2017-0658</a:t>
+              </a:r>
+            </a:p>
+            <a:p>
+              <a:pPr>
+                <a:spcAft>
+                  <a:spcPts val="600"/>
+                </a:spcAft>
+              </a:pPr>
+              <a:r>
+                <a:rPr lang="en-US" sz="1200" dirty="0">
+                  <a:ea typeface="Verdana" pitchFamily="34" charset="0"/>
+                  <a:cs typeface="Verdana" pitchFamily="34" charset="0"/>
+                </a:rPr>
+                <a:t>CVE-2017-0659</a:t>
+              </a:r>
+            </a:p>
+            <a:p>
+              <a:pPr>
+                <a:spcAft>
+                  <a:spcPts val="600"/>
+                </a:spcAft>
+              </a:pPr>
+              <a:r>
+                <a:rPr lang="en-US" sz="1200" dirty="0">
+                  <a:ea typeface="Verdana" pitchFamily="34" charset="0"/>
+                  <a:cs typeface="Verdana" pitchFamily="34" charset="0"/>
+                </a:rPr>
+                <a:t>CVE-2017-0660</a:t>
+              </a:r>
+            </a:p>
+          </p:txBody>
+        </p:sp>
+      </p:grpSp>
     </p:spTree>
     <p:extLst>
       <p:ext uri="{BB962C8B-B14F-4D97-AF65-F5344CB8AC3E}">
@@ -6255,7 +6823,7 @@
           <a:p>
             <a:r>
               <a:rPr lang="en-US" dirty="0"/>
-              <a:t>What to Consider when Making a Request</a:t>
+              <a:t>What to Consider When Making a Request</a:t>
             </a:r>
           </a:p>
         </p:txBody>
@@ -6599,7 +7167,7 @@
         </p:blipFill>
         <p:spPr bwMode="auto">
           <a:xfrm>
-            <a:off x="812801" y="2198255"/>
+            <a:off x="812801" y="1771073"/>
             <a:ext cx="7850908" cy="3315854"/>
           </a:xfrm>
           <a:prstGeom prst="rect">
@@ -13477,223 +14045,244 @@
           </a:p>
         </p:txBody>
       </p:sp>
-      <p:sp>
-        <p:nvSpPr>
-          <p:cNvPr id="4" name="Rectangle: Rounded Corners 3"/>
-          <p:cNvSpPr/>
+      <p:grpSp>
+        <p:nvGrpSpPr>
+          <p:cNvPr id="3" name="Group 2">
+            <a:extLst>
+              <a:ext uri="{FF2B5EF4-FFF2-40B4-BE49-F238E27FC236}">
+                <a16:creationId xmlns:a16="http://schemas.microsoft.com/office/drawing/2014/main" id="{2D539CE3-3B49-4521-A432-ECDF65977949}"/>
+              </a:ext>
+            </a:extLst>
+          </p:cNvPr>
+          <p:cNvGrpSpPr/>
           <p:nvPr/>
-        </p:nvSpPr>
-        <p:spPr>
-          <a:xfrm>
-            <a:off x="1154547" y="3103417"/>
-            <a:ext cx="1736436" cy="1089891"/>
-          </a:xfrm>
-          <a:prstGeom prst="roundRect">
-            <a:avLst/>
-          </a:prstGeom>
-          <a:ln/>
-        </p:spPr>
-        <p:style>
-          <a:lnRef idx="2">
-            <a:schemeClr val="accent1">
-              <a:shade val="50000"/>
-            </a:schemeClr>
-          </a:lnRef>
-          <a:fillRef idx="1">
-            <a:schemeClr val="accent1"/>
-          </a:fillRef>
-          <a:effectRef idx="0">
-            <a:schemeClr val="accent1"/>
-          </a:effectRef>
-          <a:fontRef idx="minor">
-            <a:schemeClr val="lt1"/>
-          </a:fontRef>
-        </p:style>
-        <p:txBody>
-          <a:bodyPr rtlCol="0" anchor="ctr"/>
-          <a:lstStyle/>
-          <a:p>
-            <a:pPr algn="ctr"/>
-            <a:r>
-              <a:rPr lang="en-US" dirty="0">
-                <a:solidFill>
-                  <a:schemeClr val="bg1"/>
-                </a:solidFill>
-              </a:rPr>
-              <a:t>Root        CNA</a:t>
-            </a:r>
-          </a:p>
-        </p:txBody>
-      </p:sp>
-      <p:sp>
-        <p:nvSpPr>
-          <p:cNvPr id="5" name="Rectangle: Rounded Corners 4"/>
-          <p:cNvSpPr/>
-          <p:nvPr/>
-        </p:nvSpPr>
-        <p:spPr>
-          <a:xfrm>
-            <a:off x="5832765" y="3103416"/>
-            <a:ext cx="1736436" cy="1089891"/>
-          </a:xfrm>
-          <a:prstGeom prst="roundRect">
-            <a:avLst/>
-          </a:prstGeom>
-          <a:ln/>
-        </p:spPr>
-        <p:style>
-          <a:lnRef idx="2">
-            <a:schemeClr val="accent2">
-              <a:shade val="50000"/>
-            </a:schemeClr>
-          </a:lnRef>
-          <a:fillRef idx="1">
-            <a:schemeClr val="accent2"/>
-          </a:fillRef>
-          <a:effectRef idx="0">
-            <a:schemeClr val="accent2"/>
-          </a:effectRef>
-          <a:fontRef idx="minor">
-            <a:schemeClr val="lt1"/>
-          </a:fontRef>
-        </p:style>
-        <p:txBody>
-          <a:bodyPr rtlCol="0" anchor="ctr"/>
-          <a:lstStyle/>
-          <a:p>
-            <a:pPr algn="ctr"/>
-            <a:r>
-              <a:rPr lang="en-US" dirty="0">
-                <a:solidFill>
-                  <a:schemeClr val="bg1"/>
-                </a:solidFill>
-              </a:rPr>
-              <a:t>Program Root CNA</a:t>
-            </a:r>
-          </a:p>
-        </p:txBody>
-      </p:sp>
-      <p:cxnSp>
-        <p:nvCxnSpPr>
-          <p:cNvPr id="7" name="Straight Arrow Connector 6"/>
-          <p:cNvCxnSpPr>
-            <a:stCxn id="4" idx="3"/>
-            <a:endCxn id="5" idx="1"/>
-          </p:cNvCxnSpPr>
-          <p:nvPr/>
-        </p:nvCxnSpPr>
-        <p:spPr>
-          <a:xfrm flipV="1">
-            <a:off x="2890983" y="3648362"/>
-            <a:ext cx="2941782" cy="1"/>
-          </a:xfrm>
-          <a:prstGeom prst="straightConnector1">
-            <a:avLst/>
-          </a:prstGeom>
-          <a:ln>
-            <a:tailEnd type="triangle"/>
-          </a:ln>
-        </p:spPr>
-        <p:style>
-          <a:lnRef idx="3">
-            <a:schemeClr val="dk1"/>
-          </a:lnRef>
-          <a:fillRef idx="0">
-            <a:schemeClr val="dk1"/>
-          </a:fillRef>
-          <a:effectRef idx="2">
-            <a:schemeClr val="dk1"/>
-          </a:effectRef>
-          <a:fontRef idx="minor">
-            <a:schemeClr val="tx1"/>
-          </a:fontRef>
-        </p:style>
-      </p:cxnSp>
-      <p:sp>
-        <p:nvSpPr>
-          <p:cNvPr id="9" name="Scroll: Vertical 8"/>
-          <p:cNvSpPr/>
-          <p:nvPr/>
-        </p:nvSpPr>
-        <p:spPr>
-          <a:xfrm>
-            <a:off x="3149599" y="1981198"/>
-            <a:ext cx="2189019" cy="1394691"/>
-          </a:xfrm>
-          <a:prstGeom prst="verticalScroll">
-            <a:avLst/>
-          </a:prstGeom>
-          <a:noFill/>
-          <a:ln w="6350">
-            <a:solidFill>
-              <a:schemeClr val="tx1">
-                <a:lumMod val="50000"/>
-                <a:lumOff val="50000"/>
+        </p:nvGrpSpPr>
+        <p:grpSpPr>
+          <a:xfrm>
+            <a:off x="1611747" y="2000248"/>
+            <a:ext cx="6414654" cy="2212110"/>
+            <a:chOff x="1154547" y="1981198"/>
+            <a:chExt cx="6414654" cy="2212110"/>
+          </a:xfrm>
+        </p:grpSpPr>
+        <p:sp>
+          <p:nvSpPr>
+            <p:cNvPr id="4" name="Rectangle: Rounded Corners 3"/>
+            <p:cNvSpPr/>
+            <p:nvPr/>
+          </p:nvSpPr>
+          <p:spPr>
+            <a:xfrm>
+              <a:off x="1154547" y="3103417"/>
+              <a:ext cx="1736436" cy="1089891"/>
+            </a:xfrm>
+            <a:prstGeom prst="roundRect">
+              <a:avLst/>
+            </a:prstGeom>
+            <a:ln/>
+          </p:spPr>
+          <p:style>
+            <a:lnRef idx="2">
+              <a:schemeClr val="accent1">
+                <a:shade val="50000"/>
               </a:schemeClr>
-            </a:solidFill>
-          </a:ln>
-        </p:spPr>
-        <p:style>
-          <a:lnRef idx="2">
-            <a:schemeClr val="accent1">
-              <a:shade val="50000"/>
-            </a:schemeClr>
-          </a:lnRef>
-          <a:fillRef idx="1">
-            <a:schemeClr val="accent1"/>
-          </a:fillRef>
-          <a:effectRef idx="0">
-            <a:schemeClr val="accent1"/>
-          </a:effectRef>
-          <a:fontRef idx="minor">
-            <a:schemeClr val="lt1"/>
-          </a:fontRef>
-        </p:style>
-        <p:txBody>
-          <a:bodyPr rtlCol="0" anchor="t"/>
-          <a:lstStyle/>
-          <a:p>
-            <a:r>
-              <a:rPr lang="en-US" sz="1200" dirty="0">
-                <a:solidFill>
-                  <a:schemeClr val="tx1"/>
-                </a:solidFill>
-              </a:rPr>
-              <a:t>[CVEID]: CVE-YYYY-1026</a:t>
-            </a:r>
-          </a:p>
-          <a:p>
-            <a:r>
-              <a:rPr lang="en-US" sz="1200" dirty="0">
-                <a:solidFill>
-                  <a:schemeClr val="tx1"/>
-                </a:solidFill>
-              </a:rPr>
-              <a:t>…</a:t>
-            </a:r>
-          </a:p>
-          <a:p>
-            <a:r>
-              <a:rPr lang="en-US" sz="1200" dirty="0">
-                <a:solidFill>
-                  <a:schemeClr val="tx1"/>
-                </a:solidFill>
-              </a:rPr>
-              <a:t>[CVEID]: CVE-YYYY-1027</a:t>
-            </a:r>
-          </a:p>
-          <a:p>
-            <a:r>
-              <a:rPr lang="en-US" sz="1200" dirty="0">
-                <a:solidFill>
-                  <a:schemeClr val="tx1"/>
-                </a:solidFill>
-              </a:rPr>
-              <a:t>…</a:t>
-            </a:r>
-          </a:p>
-        </p:txBody>
-      </p:sp>
+            </a:lnRef>
+            <a:fillRef idx="1">
+              <a:schemeClr val="accent1"/>
+            </a:fillRef>
+            <a:effectRef idx="0">
+              <a:schemeClr val="accent1"/>
+            </a:effectRef>
+            <a:fontRef idx="minor">
+              <a:schemeClr val="lt1"/>
+            </a:fontRef>
+          </p:style>
+          <p:txBody>
+            <a:bodyPr rtlCol="0" anchor="ctr"/>
+            <a:lstStyle/>
+            <a:p>
+              <a:pPr algn="ctr"/>
+              <a:r>
+                <a:rPr lang="en-US" dirty="0">
+                  <a:solidFill>
+                    <a:schemeClr val="bg1"/>
+                  </a:solidFill>
+                </a:rPr>
+                <a:t>Root        CNA</a:t>
+              </a:r>
+            </a:p>
+          </p:txBody>
+        </p:sp>
+        <p:sp>
+          <p:nvSpPr>
+            <p:cNvPr id="5" name="Rectangle: Rounded Corners 4"/>
+            <p:cNvSpPr/>
+            <p:nvPr/>
+          </p:nvSpPr>
+          <p:spPr>
+            <a:xfrm>
+              <a:off x="5832765" y="3103416"/>
+              <a:ext cx="1736436" cy="1089891"/>
+            </a:xfrm>
+            <a:prstGeom prst="roundRect">
+              <a:avLst/>
+            </a:prstGeom>
+            <a:ln/>
+          </p:spPr>
+          <p:style>
+            <a:lnRef idx="2">
+              <a:schemeClr val="accent2">
+                <a:shade val="50000"/>
+              </a:schemeClr>
+            </a:lnRef>
+            <a:fillRef idx="1">
+              <a:schemeClr val="accent2"/>
+            </a:fillRef>
+            <a:effectRef idx="0">
+              <a:schemeClr val="accent2"/>
+            </a:effectRef>
+            <a:fontRef idx="minor">
+              <a:schemeClr val="lt1"/>
+            </a:fontRef>
+          </p:style>
+          <p:txBody>
+            <a:bodyPr rtlCol="0" anchor="ctr"/>
+            <a:lstStyle/>
+            <a:p>
+              <a:pPr algn="ctr"/>
+              <a:r>
+                <a:rPr lang="en-US" dirty="0">
+                  <a:solidFill>
+                    <a:schemeClr val="bg1"/>
+                  </a:solidFill>
+                </a:rPr>
+                <a:t>Program Root CNA</a:t>
+              </a:r>
+            </a:p>
+          </p:txBody>
+        </p:sp>
+        <p:cxnSp>
+          <p:nvCxnSpPr>
+            <p:cNvPr id="7" name="Straight Arrow Connector 6"/>
+            <p:cNvCxnSpPr>
+              <a:stCxn id="4" idx="3"/>
+              <a:endCxn id="5" idx="1"/>
+            </p:cNvCxnSpPr>
+            <p:nvPr/>
+          </p:nvCxnSpPr>
+          <p:spPr>
+            <a:xfrm flipV="1">
+              <a:off x="2890983" y="3648362"/>
+              <a:ext cx="2941782" cy="1"/>
+            </a:xfrm>
+            <a:prstGeom prst="straightConnector1">
+              <a:avLst/>
+            </a:prstGeom>
+            <a:ln>
+              <a:tailEnd type="triangle"/>
+            </a:ln>
+          </p:spPr>
+          <p:style>
+            <a:lnRef idx="3">
+              <a:schemeClr val="dk1"/>
+            </a:lnRef>
+            <a:fillRef idx="0">
+              <a:schemeClr val="dk1"/>
+            </a:fillRef>
+            <a:effectRef idx="2">
+              <a:schemeClr val="dk1"/>
+            </a:effectRef>
+            <a:fontRef idx="minor">
+              <a:schemeClr val="tx1"/>
+            </a:fontRef>
+          </p:style>
+        </p:cxnSp>
+        <p:sp>
+          <p:nvSpPr>
+            <p:cNvPr id="9" name="Scroll: Vertical 8"/>
+            <p:cNvSpPr/>
+            <p:nvPr/>
+          </p:nvSpPr>
+          <p:spPr>
+            <a:xfrm>
+              <a:off x="3149599" y="1981198"/>
+              <a:ext cx="2189019" cy="1394691"/>
+            </a:xfrm>
+            <a:prstGeom prst="verticalScroll">
+              <a:avLst/>
+            </a:prstGeom>
+            <a:noFill/>
+            <a:ln w="6350">
+              <a:solidFill>
+                <a:schemeClr val="tx1">
+                  <a:lumMod val="50000"/>
+                  <a:lumOff val="50000"/>
+                </a:schemeClr>
+              </a:solidFill>
+            </a:ln>
+          </p:spPr>
+          <p:style>
+            <a:lnRef idx="2">
+              <a:schemeClr val="accent1">
+                <a:shade val="50000"/>
+              </a:schemeClr>
+            </a:lnRef>
+            <a:fillRef idx="1">
+              <a:schemeClr val="accent1"/>
+            </a:fillRef>
+            <a:effectRef idx="0">
+              <a:schemeClr val="accent1"/>
+            </a:effectRef>
+            <a:fontRef idx="minor">
+              <a:schemeClr val="lt1"/>
+            </a:fontRef>
+          </p:style>
+          <p:txBody>
+            <a:bodyPr rtlCol="0" anchor="t"/>
+            <a:lstStyle/>
+            <a:p>
+              <a:r>
+                <a:rPr lang="en-US" sz="1200" dirty="0">
+                  <a:solidFill>
+                    <a:schemeClr val="tx1"/>
+                  </a:solidFill>
+                </a:rPr>
+                <a:t>[CVEID]: CVE-YYYY-1026</a:t>
+              </a:r>
+            </a:p>
+            <a:p>
+              <a:r>
+                <a:rPr lang="en-US" sz="1200" dirty="0">
+                  <a:solidFill>
+                    <a:schemeClr val="tx1"/>
+                  </a:solidFill>
+                </a:rPr>
+                <a:t>…</a:t>
+              </a:r>
+            </a:p>
+            <a:p>
+              <a:r>
+                <a:rPr lang="en-US" sz="1200" dirty="0">
+                  <a:solidFill>
+                    <a:schemeClr val="tx1"/>
+                  </a:solidFill>
+                </a:rPr>
+                <a:t>[CVEID]: CVE-YYYY-1027</a:t>
+              </a:r>
+            </a:p>
+            <a:p>
+              <a:r>
+                <a:rPr lang="en-US" sz="1200" dirty="0">
+                  <a:solidFill>
+                    <a:schemeClr val="tx1"/>
+                  </a:solidFill>
+                </a:rPr>
+                <a:t>…</a:t>
+              </a:r>
+            </a:p>
+          </p:txBody>
+        </p:sp>
+      </p:grpSp>
     </p:spTree>
     <p:extLst>
       <p:ext uri="{BB962C8B-B14F-4D97-AF65-F5344CB8AC3E}">
@@ -14418,25 +15007,25 @@
           <a:p>
             <a:r>
               <a:rPr lang="en-US" dirty="0"/>
-              <a:t>CVE Entry - An item in the CVE List. CVE Entries contain the CVE ID, a description of the vulnerability, and references to public disclosure sources.</a:t>
+              <a:t>CVE Entry - An item in the CVE List. CVE Entries contain the CVE ID, a description of the vulnerability, and references to public disclosure sources</a:t>
             </a:r>
           </a:p>
           <a:p>
             <a:r>
               <a:rPr lang="en-US" dirty="0"/>
-              <a:t>Populate – The act of filling in the details for a previously reserved CVE ID into the CVE List.</a:t>
+              <a:t>Populate – The act of filling in the details for a previously reserved CVE ID into the CVE List</a:t>
             </a:r>
           </a:p>
           <a:p>
             <a:r>
               <a:rPr lang="en-US" dirty="0"/>
-              <a:t>Reserved CVE ID – A CVE ID that has been give to a CNA for assignment and has not had the vulnerabilities details populated in the CVE List.</a:t>
+              <a:t>Reserved CVE ID – A CVE ID that has been give to a CNA for assignment and has not had the vulnerabilities details populated in the CVE List</a:t>
             </a:r>
           </a:p>
           <a:p>
             <a:r>
               <a:rPr lang="en-US" dirty="0"/>
-              <a:t>CVE List - A collection of common names (CVE IDs) for publicly known cybersecurity vulnerabilities.</a:t>
+              <a:t>CVE List - A collection of common names (CVE IDs) for publicly known cybersecurity vulnerabilities</a:t>
             </a:r>
           </a:p>
           <a:p>
@@ -14828,205 +15417,226 @@
           </a:p>
         </p:txBody>
       </p:sp>
-      <p:sp>
-        <p:nvSpPr>
-          <p:cNvPr id="4" name="Rectangle: Rounded Corners 3"/>
-          <p:cNvSpPr/>
+      <p:grpSp>
+        <p:nvGrpSpPr>
+          <p:cNvPr id="3" name="Group 2">
+            <a:extLst>
+              <a:ext uri="{FF2B5EF4-FFF2-40B4-BE49-F238E27FC236}">
+                <a16:creationId xmlns:a16="http://schemas.microsoft.com/office/drawing/2014/main" id="{CB2BB435-BA41-4BED-B8B1-9CF56A34239F}"/>
+              </a:ext>
+            </a:extLst>
+          </p:cNvPr>
+          <p:cNvGrpSpPr/>
           <p:nvPr/>
-        </p:nvSpPr>
-        <p:spPr>
-          <a:xfrm>
-            <a:off x="1154547" y="3103417"/>
-            <a:ext cx="1736436" cy="1089891"/>
-          </a:xfrm>
-          <a:prstGeom prst="roundRect">
-            <a:avLst/>
-          </a:prstGeom>
-          <a:ln/>
-        </p:spPr>
-        <p:style>
-          <a:lnRef idx="2">
-            <a:schemeClr val="accent5">
-              <a:shade val="50000"/>
-            </a:schemeClr>
-          </a:lnRef>
-          <a:fillRef idx="1">
-            <a:schemeClr val="accent5"/>
-          </a:fillRef>
-          <a:effectRef idx="0">
-            <a:schemeClr val="accent5"/>
-          </a:effectRef>
-          <a:fontRef idx="minor">
-            <a:schemeClr val="lt1"/>
-          </a:fontRef>
-        </p:style>
-        <p:txBody>
-          <a:bodyPr rtlCol="0" anchor="ctr"/>
-          <a:lstStyle/>
-          <a:p>
-            <a:pPr algn="ctr"/>
-            <a:r>
-              <a:rPr lang="en-US" dirty="0">
-                <a:solidFill>
-                  <a:schemeClr val="bg1"/>
-                </a:solidFill>
-              </a:rPr>
-              <a:t>Reporter</a:t>
-            </a:r>
-          </a:p>
-        </p:txBody>
-      </p:sp>
-      <p:cxnSp>
-        <p:nvCxnSpPr>
-          <p:cNvPr id="6" name="Straight Arrow Connector 5"/>
-          <p:cNvCxnSpPr>
-            <a:stCxn id="4" idx="3"/>
-            <a:endCxn id="10" idx="1"/>
-          </p:cNvCxnSpPr>
-          <p:nvPr/>
-        </p:nvCxnSpPr>
-        <p:spPr>
-          <a:xfrm>
-            <a:off x="2890983" y="3648363"/>
-            <a:ext cx="2941782" cy="0"/>
-          </a:xfrm>
-          <a:prstGeom prst="straightConnector1">
-            <a:avLst/>
-          </a:prstGeom>
-          <a:ln>
-            <a:tailEnd type="triangle"/>
-          </a:ln>
-        </p:spPr>
-        <p:style>
-          <a:lnRef idx="3">
-            <a:schemeClr val="dk1"/>
-          </a:lnRef>
-          <a:fillRef idx="0">
-            <a:schemeClr val="dk1"/>
-          </a:fillRef>
-          <a:effectRef idx="2">
-            <a:schemeClr val="dk1"/>
-          </a:effectRef>
-          <a:fontRef idx="minor">
-            <a:schemeClr val="tx1"/>
-          </a:fontRef>
-        </p:style>
-      </p:cxnSp>
-      <p:sp>
-        <p:nvSpPr>
-          <p:cNvPr id="9" name="Scroll: Vertical 8"/>
-          <p:cNvSpPr/>
-          <p:nvPr/>
-        </p:nvSpPr>
-        <p:spPr>
-          <a:xfrm>
-            <a:off x="3505200" y="1687945"/>
-            <a:ext cx="1992489" cy="1839192"/>
-          </a:xfrm>
-          <a:prstGeom prst="verticalScroll">
-            <a:avLst/>
-          </a:prstGeom>
-          <a:noFill/>
-          <a:ln w="6350">
-            <a:solidFill>
-              <a:schemeClr val="tx1">
-                <a:lumMod val="50000"/>
-                <a:lumOff val="50000"/>
+        </p:nvGrpSpPr>
+        <p:grpSpPr>
+          <a:xfrm>
+            <a:off x="1526022" y="1926070"/>
+            <a:ext cx="6414654" cy="2505363"/>
+            <a:chOff x="1154547" y="1687945"/>
+            <a:chExt cx="6414654" cy="2505363"/>
+          </a:xfrm>
+        </p:grpSpPr>
+        <p:sp>
+          <p:nvSpPr>
+            <p:cNvPr id="4" name="Rectangle: Rounded Corners 3"/>
+            <p:cNvSpPr/>
+            <p:nvPr/>
+          </p:nvSpPr>
+          <p:spPr>
+            <a:xfrm>
+              <a:off x="1154547" y="3103417"/>
+              <a:ext cx="1736436" cy="1089891"/>
+            </a:xfrm>
+            <a:prstGeom prst="roundRect">
+              <a:avLst/>
+            </a:prstGeom>
+            <a:ln/>
+          </p:spPr>
+          <p:style>
+            <a:lnRef idx="2">
+              <a:schemeClr val="accent5">
+                <a:shade val="50000"/>
               </a:schemeClr>
-            </a:solidFill>
-          </a:ln>
-        </p:spPr>
-        <p:style>
-          <a:lnRef idx="2">
-            <a:schemeClr val="accent1">
-              <a:shade val="50000"/>
-            </a:schemeClr>
-          </a:lnRef>
-          <a:fillRef idx="1">
-            <a:schemeClr val="accent1"/>
-          </a:fillRef>
-          <a:effectRef idx="0">
-            <a:schemeClr val="accent1"/>
-          </a:effectRef>
-          <a:fontRef idx="minor">
-            <a:schemeClr val="lt1"/>
-          </a:fontRef>
-        </p:style>
-        <p:txBody>
-          <a:bodyPr rtlCol="0" anchor="ctr"/>
-          <a:lstStyle/>
-          <a:p>
-            <a:pPr algn="ctr"/>
-            <a:r>
-              <a:rPr lang="en-US" dirty="0">
-                <a:solidFill>
-                  <a:schemeClr val="tx1"/>
-                </a:solidFill>
-              </a:rPr>
-              <a:t>Please update CVE-YYYY-NNNN</a:t>
-            </a:r>
-          </a:p>
-          <a:p>
-            <a:pPr algn="ctr"/>
-            <a:r>
-              <a:rPr lang="en-US" dirty="0">
-                <a:solidFill>
-                  <a:schemeClr val="tx1"/>
-                </a:solidFill>
-              </a:rPr>
-              <a:t>….</a:t>
-            </a:r>
-          </a:p>
-        </p:txBody>
-      </p:sp>
-      <p:sp>
-        <p:nvSpPr>
-          <p:cNvPr id="10" name="Rectangle: Rounded Corners 9"/>
-          <p:cNvSpPr/>
-          <p:nvPr/>
-        </p:nvSpPr>
-        <p:spPr>
-          <a:xfrm>
-            <a:off x="5832765" y="3103417"/>
-            <a:ext cx="1736436" cy="1089891"/>
-          </a:xfrm>
-          <a:prstGeom prst="roundRect">
-            <a:avLst/>
-          </a:prstGeom>
-          <a:ln/>
-        </p:spPr>
-        <p:style>
-          <a:lnRef idx="2">
-            <a:schemeClr val="accent4">
-              <a:shade val="50000"/>
-            </a:schemeClr>
-          </a:lnRef>
-          <a:fillRef idx="1">
-            <a:schemeClr val="accent4"/>
-          </a:fillRef>
-          <a:effectRef idx="0">
-            <a:schemeClr val="accent4"/>
-          </a:effectRef>
-          <a:fontRef idx="minor">
-            <a:schemeClr val="lt1"/>
-          </a:fontRef>
-        </p:style>
-        <p:txBody>
-          <a:bodyPr rtlCol="0" anchor="ctr"/>
-          <a:lstStyle/>
-          <a:p>
-            <a:pPr algn="ctr"/>
-            <a:r>
-              <a:rPr lang="en-US" dirty="0">
-                <a:solidFill>
-                  <a:schemeClr val="bg1"/>
-                </a:solidFill>
-              </a:rPr>
-              <a:t>CNA</a:t>
-            </a:r>
-          </a:p>
-        </p:txBody>
-      </p:sp>
+            </a:lnRef>
+            <a:fillRef idx="1">
+              <a:schemeClr val="accent5"/>
+            </a:fillRef>
+            <a:effectRef idx="0">
+              <a:schemeClr val="accent5"/>
+            </a:effectRef>
+            <a:fontRef idx="minor">
+              <a:schemeClr val="lt1"/>
+            </a:fontRef>
+          </p:style>
+          <p:txBody>
+            <a:bodyPr rtlCol="0" anchor="ctr"/>
+            <a:lstStyle/>
+            <a:p>
+              <a:pPr algn="ctr"/>
+              <a:r>
+                <a:rPr lang="en-US" dirty="0">
+                  <a:solidFill>
+                    <a:schemeClr val="bg1"/>
+                  </a:solidFill>
+                </a:rPr>
+                <a:t>Reporter</a:t>
+              </a:r>
+            </a:p>
+          </p:txBody>
+        </p:sp>
+        <p:cxnSp>
+          <p:nvCxnSpPr>
+            <p:cNvPr id="6" name="Straight Arrow Connector 5"/>
+            <p:cNvCxnSpPr>
+              <a:stCxn id="4" idx="3"/>
+              <a:endCxn id="10" idx="1"/>
+            </p:cNvCxnSpPr>
+            <p:nvPr/>
+          </p:nvCxnSpPr>
+          <p:spPr>
+            <a:xfrm>
+              <a:off x="2890983" y="3648363"/>
+              <a:ext cx="2941782" cy="0"/>
+            </a:xfrm>
+            <a:prstGeom prst="straightConnector1">
+              <a:avLst/>
+            </a:prstGeom>
+            <a:ln>
+              <a:tailEnd type="triangle"/>
+            </a:ln>
+          </p:spPr>
+          <p:style>
+            <a:lnRef idx="3">
+              <a:schemeClr val="dk1"/>
+            </a:lnRef>
+            <a:fillRef idx="0">
+              <a:schemeClr val="dk1"/>
+            </a:fillRef>
+            <a:effectRef idx="2">
+              <a:schemeClr val="dk1"/>
+            </a:effectRef>
+            <a:fontRef idx="minor">
+              <a:schemeClr val="tx1"/>
+            </a:fontRef>
+          </p:style>
+        </p:cxnSp>
+        <p:sp>
+          <p:nvSpPr>
+            <p:cNvPr id="9" name="Scroll: Vertical 8"/>
+            <p:cNvSpPr/>
+            <p:nvPr/>
+          </p:nvSpPr>
+          <p:spPr>
+            <a:xfrm>
+              <a:off x="3505200" y="1687945"/>
+              <a:ext cx="1992489" cy="1839192"/>
+            </a:xfrm>
+            <a:prstGeom prst="verticalScroll">
+              <a:avLst/>
+            </a:prstGeom>
+            <a:noFill/>
+            <a:ln w="6350">
+              <a:solidFill>
+                <a:schemeClr val="tx1">
+                  <a:lumMod val="50000"/>
+                  <a:lumOff val="50000"/>
+                </a:schemeClr>
+              </a:solidFill>
+            </a:ln>
+          </p:spPr>
+          <p:style>
+            <a:lnRef idx="2">
+              <a:schemeClr val="accent1">
+                <a:shade val="50000"/>
+              </a:schemeClr>
+            </a:lnRef>
+            <a:fillRef idx="1">
+              <a:schemeClr val="accent1"/>
+            </a:fillRef>
+            <a:effectRef idx="0">
+              <a:schemeClr val="accent1"/>
+            </a:effectRef>
+            <a:fontRef idx="minor">
+              <a:schemeClr val="lt1"/>
+            </a:fontRef>
+          </p:style>
+          <p:txBody>
+            <a:bodyPr rtlCol="0" anchor="ctr"/>
+            <a:lstStyle/>
+            <a:p>
+              <a:pPr algn="ctr"/>
+              <a:r>
+                <a:rPr lang="en-US" dirty="0">
+                  <a:solidFill>
+                    <a:schemeClr val="tx1"/>
+                  </a:solidFill>
+                </a:rPr>
+                <a:t>Please update CVE-YYYY-NNNN</a:t>
+              </a:r>
+            </a:p>
+            <a:p>
+              <a:pPr algn="ctr"/>
+              <a:r>
+                <a:rPr lang="en-US" dirty="0">
+                  <a:solidFill>
+                    <a:schemeClr val="tx1"/>
+                  </a:solidFill>
+                </a:rPr>
+                <a:t>….</a:t>
+              </a:r>
+            </a:p>
+          </p:txBody>
+        </p:sp>
+        <p:sp>
+          <p:nvSpPr>
+            <p:cNvPr id="10" name="Rectangle: Rounded Corners 9"/>
+            <p:cNvSpPr/>
+            <p:nvPr/>
+          </p:nvSpPr>
+          <p:spPr>
+            <a:xfrm>
+              <a:off x="5832765" y="3103417"/>
+              <a:ext cx="1736436" cy="1089891"/>
+            </a:xfrm>
+            <a:prstGeom prst="roundRect">
+              <a:avLst/>
+            </a:prstGeom>
+            <a:ln/>
+          </p:spPr>
+          <p:style>
+            <a:lnRef idx="2">
+              <a:schemeClr val="accent4">
+                <a:shade val="50000"/>
+              </a:schemeClr>
+            </a:lnRef>
+            <a:fillRef idx="1">
+              <a:schemeClr val="accent4"/>
+            </a:fillRef>
+            <a:effectRef idx="0">
+              <a:schemeClr val="accent4"/>
+            </a:effectRef>
+            <a:fontRef idx="minor">
+              <a:schemeClr val="lt1"/>
+            </a:fontRef>
+          </p:style>
+          <p:txBody>
+            <a:bodyPr rtlCol="0" anchor="ctr"/>
+            <a:lstStyle/>
+            <a:p>
+              <a:pPr algn="ctr"/>
+              <a:r>
+                <a:rPr lang="en-US" dirty="0">
+                  <a:solidFill>
+                    <a:schemeClr val="bg1"/>
+                  </a:solidFill>
+                </a:rPr>
+                <a:t>CNA</a:t>
+              </a:r>
+            </a:p>
+          </p:txBody>
+        </p:sp>
+      </p:grpSp>
     </p:spTree>
     <p:extLst>
       <p:ext uri="{BB962C8B-B14F-4D97-AF65-F5344CB8AC3E}">
@@ -15817,205 +16427,226 @@
           </a:p>
         </p:txBody>
       </p:sp>
-      <p:sp>
-        <p:nvSpPr>
-          <p:cNvPr id="4" name="Rectangle: Rounded Corners 3"/>
-          <p:cNvSpPr/>
+      <p:grpSp>
+        <p:nvGrpSpPr>
+          <p:cNvPr id="3" name="Group 2">
+            <a:extLst>
+              <a:ext uri="{FF2B5EF4-FFF2-40B4-BE49-F238E27FC236}">
+                <a16:creationId xmlns:a16="http://schemas.microsoft.com/office/drawing/2014/main" id="{517776C6-D23C-4994-A2DB-8C5088A780EB}"/>
+              </a:ext>
+            </a:extLst>
+          </p:cNvPr>
+          <p:cNvGrpSpPr/>
           <p:nvPr/>
-        </p:nvSpPr>
-        <p:spPr>
-          <a:xfrm>
-            <a:off x="1154547" y="3103417"/>
-            <a:ext cx="1736436" cy="1089891"/>
-          </a:xfrm>
-          <a:prstGeom prst="roundRect">
-            <a:avLst/>
-          </a:prstGeom>
-          <a:ln/>
-        </p:spPr>
-        <p:style>
-          <a:lnRef idx="2">
-            <a:schemeClr val="accent5">
-              <a:shade val="50000"/>
-            </a:schemeClr>
-          </a:lnRef>
-          <a:fillRef idx="1">
-            <a:schemeClr val="accent5"/>
-          </a:fillRef>
-          <a:effectRef idx="0">
-            <a:schemeClr val="accent5"/>
-          </a:effectRef>
-          <a:fontRef idx="minor">
-            <a:schemeClr val="lt1"/>
-          </a:fontRef>
-        </p:style>
-        <p:txBody>
-          <a:bodyPr rtlCol="0" anchor="ctr"/>
-          <a:lstStyle/>
-          <a:p>
-            <a:pPr algn="ctr"/>
-            <a:r>
-              <a:rPr lang="en-US" dirty="0">
-                <a:solidFill>
-                  <a:schemeClr val="bg1"/>
-                </a:solidFill>
-              </a:rPr>
-              <a:t>Reporter/CNA</a:t>
-            </a:r>
-          </a:p>
-        </p:txBody>
-      </p:sp>
-      <p:cxnSp>
-        <p:nvCxnSpPr>
-          <p:cNvPr id="6" name="Straight Arrow Connector 5"/>
-          <p:cNvCxnSpPr>
-            <a:stCxn id="4" idx="3"/>
-            <a:endCxn id="10" idx="1"/>
-          </p:cNvCxnSpPr>
-          <p:nvPr/>
-        </p:nvCxnSpPr>
-        <p:spPr>
-          <a:xfrm>
-            <a:off x="2890983" y="3648363"/>
-            <a:ext cx="2941782" cy="0"/>
-          </a:xfrm>
-          <a:prstGeom prst="straightConnector1">
-            <a:avLst/>
-          </a:prstGeom>
-          <a:ln>
-            <a:tailEnd type="triangle"/>
-          </a:ln>
-        </p:spPr>
-        <p:style>
-          <a:lnRef idx="3">
-            <a:schemeClr val="dk1"/>
-          </a:lnRef>
-          <a:fillRef idx="0">
-            <a:schemeClr val="dk1"/>
-          </a:fillRef>
-          <a:effectRef idx="2">
-            <a:schemeClr val="dk1"/>
-          </a:effectRef>
-          <a:fontRef idx="minor">
-            <a:schemeClr val="tx1"/>
-          </a:fontRef>
-        </p:style>
-      </p:cxnSp>
-      <p:sp>
-        <p:nvSpPr>
-          <p:cNvPr id="9" name="Scroll: Vertical 8"/>
-          <p:cNvSpPr/>
-          <p:nvPr/>
-        </p:nvSpPr>
-        <p:spPr>
-          <a:xfrm>
-            <a:off x="3505200" y="1687945"/>
-            <a:ext cx="1992489" cy="1839192"/>
-          </a:xfrm>
-          <a:prstGeom prst="verticalScroll">
-            <a:avLst/>
-          </a:prstGeom>
-          <a:noFill/>
-          <a:ln w="6350">
-            <a:solidFill>
-              <a:schemeClr val="tx1">
-                <a:lumMod val="50000"/>
-                <a:lumOff val="50000"/>
+        </p:nvGrpSpPr>
+        <p:grpSpPr>
+          <a:xfrm>
+            <a:off x="1602222" y="1897495"/>
+            <a:ext cx="6414654" cy="2505363"/>
+            <a:chOff x="1154547" y="1687945"/>
+            <a:chExt cx="6414654" cy="2505363"/>
+          </a:xfrm>
+        </p:grpSpPr>
+        <p:sp>
+          <p:nvSpPr>
+            <p:cNvPr id="4" name="Rectangle: Rounded Corners 3"/>
+            <p:cNvSpPr/>
+            <p:nvPr/>
+          </p:nvSpPr>
+          <p:spPr>
+            <a:xfrm>
+              <a:off x="1154547" y="3103417"/>
+              <a:ext cx="1736436" cy="1089891"/>
+            </a:xfrm>
+            <a:prstGeom prst="roundRect">
+              <a:avLst/>
+            </a:prstGeom>
+            <a:ln/>
+          </p:spPr>
+          <p:style>
+            <a:lnRef idx="2">
+              <a:schemeClr val="accent5">
+                <a:shade val="50000"/>
               </a:schemeClr>
-            </a:solidFill>
-          </a:ln>
-        </p:spPr>
-        <p:style>
-          <a:lnRef idx="2">
-            <a:schemeClr val="accent1">
-              <a:shade val="50000"/>
-            </a:schemeClr>
-          </a:lnRef>
-          <a:fillRef idx="1">
-            <a:schemeClr val="accent1"/>
-          </a:fillRef>
-          <a:effectRef idx="0">
-            <a:schemeClr val="accent1"/>
-          </a:effectRef>
-          <a:fontRef idx="minor">
-            <a:schemeClr val="lt1"/>
-          </a:fontRef>
-        </p:style>
-        <p:txBody>
-          <a:bodyPr rtlCol="0" anchor="ctr"/>
-          <a:lstStyle/>
-          <a:p>
-            <a:pPr algn="ctr"/>
-            <a:r>
-              <a:rPr lang="en-US" dirty="0">
-                <a:solidFill>
-                  <a:schemeClr val="tx1"/>
-                </a:solidFill>
-              </a:rPr>
-              <a:t>Please update CVE-YYYY-NNNN</a:t>
-            </a:r>
-          </a:p>
-          <a:p>
-            <a:pPr algn="ctr"/>
-            <a:r>
-              <a:rPr lang="en-US" dirty="0">
-                <a:solidFill>
-                  <a:schemeClr val="tx1"/>
-                </a:solidFill>
-              </a:rPr>
-              <a:t>….</a:t>
-            </a:r>
-          </a:p>
-        </p:txBody>
-      </p:sp>
-      <p:sp>
-        <p:nvSpPr>
-          <p:cNvPr id="10" name="Rectangle: Rounded Corners 9"/>
-          <p:cNvSpPr/>
-          <p:nvPr/>
-        </p:nvSpPr>
-        <p:spPr>
-          <a:xfrm>
-            <a:off x="5832765" y="3103417"/>
-            <a:ext cx="1736436" cy="1089891"/>
-          </a:xfrm>
-          <a:prstGeom prst="roundRect">
-            <a:avLst/>
-          </a:prstGeom>
-          <a:ln/>
-        </p:spPr>
-        <p:style>
-          <a:lnRef idx="2">
-            <a:schemeClr val="accent4">
-              <a:shade val="50000"/>
-            </a:schemeClr>
-          </a:lnRef>
-          <a:fillRef idx="1">
-            <a:schemeClr val="accent4"/>
-          </a:fillRef>
-          <a:effectRef idx="0">
-            <a:schemeClr val="accent4"/>
-          </a:effectRef>
-          <a:fontRef idx="minor">
-            <a:schemeClr val="lt1"/>
-          </a:fontRef>
-        </p:style>
-        <p:txBody>
-          <a:bodyPr rtlCol="0" anchor="ctr"/>
-          <a:lstStyle/>
-          <a:p>
-            <a:pPr algn="ctr"/>
-            <a:r>
-              <a:rPr lang="en-US" dirty="0">
-                <a:solidFill>
-                  <a:schemeClr val="bg1"/>
-                </a:solidFill>
-              </a:rPr>
-              <a:t>Responsible CNA</a:t>
-            </a:r>
-          </a:p>
-        </p:txBody>
-      </p:sp>
+            </a:lnRef>
+            <a:fillRef idx="1">
+              <a:schemeClr val="accent5"/>
+            </a:fillRef>
+            <a:effectRef idx="0">
+              <a:schemeClr val="accent5"/>
+            </a:effectRef>
+            <a:fontRef idx="minor">
+              <a:schemeClr val="lt1"/>
+            </a:fontRef>
+          </p:style>
+          <p:txBody>
+            <a:bodyPr rtlCol="0" anchor="ctr"/>
+            <a:lstStyle/>
+            <a:p>
+              <a:pPr algn="ctr"/>
+              <a:r>
+                <a:rPr lang="en-US" dirty="0">
+                  <a:solidFill>
+                    <a:schemeClr val="bg1"/>
+                  </a:solidFill>
+                </a:rPr>
+                <a:t>Reporter/CNA</a:t>
+              </a:r>
+            </a:p>
+          </p:txBody>
+        </p:sp>
+        <p:cxnSp>
+          <p:nvCxnSpPr>
+            <p:cNvPr id="6" name="Straight Arrow Connector 5"/>
+            <p:cNvCxnSpPr>
+              <a:stCxn id="4" idx="3"/>
+              <a:endCxn id="10" idx="1"/>
+            </p:cNvCxnSpPr>
+            <p:nvPr/>
+          </p:nvCxnSpPr>
+          <p:spPr>
+            <a:xfrm>
+              <a:off x="2890983" y="3648363"/>
+              <a:ext cx="2941782" cy="0"/>
+            </a:xfrm>
+            <a:prstGeom prst="straightConnector1">
+              <a:avLst/>
+            </a:prstGeom>
+            <a:ln>
+              <a:tailEnd type="triangle"/>
+            </a:ln>
+          </p:spPr>
+          <p:style>
+            <a:lnRef idx="3">
+              <a:schemeClr val="dk1"/>
+            </a:lnRef>
+            <a:fillRef idx="0">
+              <a:schemeClr val="dk1"/>
+            </a:fillRef>
+            <a:effectRef idx="2">
+              <a:schemeClr val="dk1"/>
+            </a:effectRef>
+            <a:fontRef idx="minor">
+              <a:schemeClr val="tx1"/>
+            </a:fontRef>
+          </p:style>
+        </p:cxnSp>
+        <p:sp>
+          <p:nvSpPr>
+            <p:cNvPr id="9" name="Scroll: Vertical 8"/>
+            <p:cNvSpPr/>
+            <p:nvPr/>
+          </p:nvSpPr>
+          <p:spPr>
+            <a:xfrm>
+              <a:off x="3505200" y="1687945"/>
+              <a:ext cx="1992489" cy="1839192"/>
+            </a:xfrm>
+            <a:prstGeom prst="verticalScroll">
+              <a:avLst/>
+            </a:prstGeom>
+            <a:noFill/>
+            <a:ln w="6350">
+              <a:solidFill>
+                <a:schemeClr val="tx1">
+                  <a:lumMod val="50000"/>
+                  <a:lumOff val="50000"/>
+                </a:schemeClr>
+              </a:solidFill>
+            </a:ln>
+          </p:spPr>
+          <p:style>
+            <a:lnRef idx="2">
+              <a:schemeClr val="accent1">
+                <a:shade val="50000"/>
+              </a:schemeClr>
+            </a:lnRef>
+            <a:fillRef idx="1">
+              <a:schemeClr val="accent1"/>
+            </a:fillRef>
+            <a:effectRef idx="0">
+              <a:schemeClr val="accent1"/>
+            </a:effectRef>
+            <a:fontRef idx="minor">
+              <a:schemeClr val="lt1"/>
+            </a:fontRef>
+          </p:style>
+          <p:txBody>
+            <a:bodyPr rtlCol="0" anchor="ctr"/>
+            <a:lstStyle/>
+            <a:p>
+              <a:pPr algn="ctr"/>
+              <a:r>
+                <a:rPr lang="en-US" dirty="0">
+                  <a:solidFill>
+                    <a:schemeClr val="tx1"/>
+                  </a:solidFill>
+                </a:rPr>
+                <a:t>Please update CVE-YYYY-NNNN</a:t>
+              </a:r>
+            </a:p>
+            <a:p>
+              <a:pPr algn="ctr"/>
+              <a:r>
+                <a:rPr lang="en-US" dirty="0">
+                  <a:solidFill>
+                    <a:schemeClr val="tx1"/>
+                  </a:solidFill>
+                </a:rPr>
+                <a:t>….</a:t>
+              </a:r>
+            </a:p>
+          </p:txBody>
+        </p:sp>
+        <p:sp>
+          <p:nvSpPr>
+            <p:cNvPr id="10" name="Rectangle: Rounded Corners 9"/>
+            <p:cNvSpPr/>
+            <p:nvPr/>
+          </p:nvSpPr>
+          <p:spPr>
+            <a:xfrm>
+              <a:off x="5832765" y="3103417"/>
+              <a:ext cx="1736436" cy="1089891"/>
+            </a:xfrm>
+            <a:prstGeom prst="roundRect">
+              <a:avLst/>
+            </a:prstGeom>
+            <a:ln/>
+          </p:spPr>
+          <p:style>
+            <a:lnRef idx="2">
+              <a:schemeClr val="accent4">
+                <a:shade val="50000"/>
+              </a:schemeClr>
+            </a:lnRef>
+            <a:fillRef idx="1">
+              <a:schemeClr val="accent4"/>
+            </a:fillRef>
+            <a:effectRef idx="0">
+              <a:schemeClr val="accent4"/>
+            </a:effectRef>
+            <a:fontRef idx="minor">
+              <a:schemeClr val="lt1"/>
+            </a:fontRef>
+          </p:style>
+          <p:txBody>
+            <a:bodyPr rtlCol="0" anchor="ctr"/>
+            <a:lstStyle/>
+            <a:p>
+              <a:pPr algn="ctr"/>
+              <a:r>
+                <a:rPr lang="en-US" dirty="0">
+                  <a:solidFill>
+                    <a:schemeClr val="bg1"/>
+                  </a:solidFill>
+                </a:rPr>
+                <a:t>Responsible CNA</a:t>
+              </a:r>
+            </a:p>
+          </p:txBody>
+        </p:sp>
+      </p:grpSp>
     </p:spTree>
     <p:extLst>
       <p:ext uri="{BB962C8B-B14F-4D97-AF65-F5344CB8AC3E}">
@@ -16069,15 +16700,16 @@
         <p:nvCxnSpPr>
           <p:cNvPr id="6" name="Straight Arrow Connector 5"/>
           <p:cNvCxnSpPr>
+            <a:cxnSpLocks/>
             <a:stCxn id="10" idx="3"/>
             <a:endCxn id="11" idx="1"/>
           </p:cNvCxnSpPr>
           <p:nvPr/>
         </p:nvCxnSpPr>
         <p:spPr>
-          <a:xfrm>
-            <a:off x="3043384" y="3763500"/>
-            <a:ext cx="2623638" cy="32391"/>
+          <a:xfrm flipV="1">
+            <a:off x="3381375" y="3696824"/>
+            <a:ext cx="2585117" cy="1"/>
           </a:xfrm>
           <a:prstGeom prst="straightConnector1">
             <a:avLst/>
@@ -16109,8 +16741,8 @@
         </p:nvSpPr>
         <p:spPr>
           <a:xfrm>
-            <a:off x="1306948" y="3250945"/>
-            <a:ext cx="1736436" cy="1025109"/>
+            <a:off x="1612100" y="3184270"/>
+            <a:ext cx="1769275" cy="1025109"/>
           </a:xfrm>
           <a:prstGeom prst="roundRect">
             <a:avLst/>
@@ -16157,8 +16789,8 @@
         </p:nvSpPr>
         <p:spPr>
           <a:xfrm>
-            <a:off x="5667022" y="3250945"/>
-            <a:ext cx="1736436" cy="1089891"/>
+            <a:off x="5966492" y="3151878"/>
+            <a:ext cx="1769275" cy="1089891"/>
           </a:xfrm>
           <a:prstGeom prst="roundRect">
             <a:avLst/>
@@ -16205,8 +16837,8 @@
         </p:nvSpPr>
         <p:spPr>
           <a:xfrm>
-            <a:off x="3425910" y="2726112"/>
-            <a:ext cx="1858586" cy="984885"/>
+            <a:off x="3727066" y="2659437"/>
+            <a:ext cx="1893735" cy="984885"/>
           </a:xfrm>
           <a:prstGeom prst="rect">
             <a:avLst/>
@@ -16214,7 +16846,7 @@
           <a:noFill/>
         </p:spPr>
         <p:txBody>
-          <a:bodyPr wrap="none" rtlCol="0">
+          <a:bodyPr wrap="square" rtlCol="0">
             <a:spAutoFit/>
           </a:bodyPr>
           <a:lstStyle/>
@@ -17239,7 +17871,12 @@
             <p:ph idx="1"/>
           </p:nvPr>
         </p:nvSpPr>
-        <p:spPr/>
+        <p:spPr>
+          <a:xfrm>
+            <a:off x="609600" y="1447800"/>
+            <a:ext cx="7953375" cy="4589745"/>
+          </a:xfrm>
+        </p:spPr>
         <p:txBody>
           <a:bodyPr>
             <a:normAutofit/>
@@ -17898,7 +18535,12 @@
             <p:ph type="title"/>
           </p:nvPr>
         </p:nvSpPr>
-        <p:spPr/>
+        <p:spPr>
+          <a:xfrm>
+            <a:off x="609600" y="274638"/>
+            <a:ext cx="7958328" cy="868362"/>
+          </a:xfrm>
+        </p:spPr>
         <p:txBody>
           <a:bodyPr>
             <a:normAutofit fontScale="90000"/>
@@ -18052,7 +18694,7 @@
         </p:nvSpPr>
         <p:spPr>
           <a:xfrm>
-            <a:off x="3371273" y="2966466"/>
+            <a:off x="3515748" y="2966466"/>
             <a:ext cx="2486578" cy="338554"/>
           </a:xfrm>
           <a:prstGeom prst="rect">
@@ -19648,203 +20290,224 @@
           </a:p>
         </p:txBody>
       </p:sp>
-      <p:sp>
-        <p:nvSpPr>
-          <p:cNvPr id="4" name="Rectangle: Rounded Corners 3"/>
-          <p:cNvSpPr/>
+      <p:grpSp>
+        <p:nvGrpSpPr>
+          <p:cNvPr id="3" name="Group 2">
+            <a:extLst>
+              <a:ext uri="{FF2B5EF4-FFF2-40B4-BE49-F238E27FC236}">
+                <a16:creationId xmlns:a16="http://schemas.microsoft.com/office/drawing/2014/main" id="{4BF0D5DF-9C90-48BE-AB6A-384CD32C7860}"/>
+              </a:ext>
+            </a:extLst>
+          </p:cNvPr>
+          <p:cNvGrpSpPr/>
           <p:nvPr/>
-        </p:nvSpPr>
-        <p:spPr>
-          <a:xfrm>
-            <a:off x="1384943" y="3148573"/>
-            <a:ext cx="1736436" cy="1089891"/>
-          </a:xfrm>
-          <a:prstGeom prst="roundRect">
-            <a:avLst/>
-          </a:prstGeom>
-          <a:ln/>
-        </p:spPr>
-        <p:style>
-          <a:lnRef idx="2">
-            <a:schemeClr val="accent4">
-              <a:shade val="50000"/>
-            </a:schemeClr>
-          </a:lnRef>
-          <a:fillRef idx="1">
-            <a:schemeClr val="accent4"/>
-          </a:fillRef>
-          <a:effectRef idx="0">
-            <a:schemeClr val="accent4"/>
-          </a:effectRef>
-          <a:fontRef idx="minor">
-            <a:schemeClr val="lt1"/>
-          </a:fontRef>
-        </p:style>
-        <p:txBody>
-          <a:bodyPr rtlCol="0" anchor="ctr"/>
-          <a:lstStyle/>
-          <a:p>
-            <a:pPr algn="ctr"/>
-            <a:r>
-              <a:rPr lang="en-US" dirty="0">
-                <a:solidFill>
-                  <a:schemeClr val="bg1"/>
-                </a:solidFill>
-              </a:rPr>
-              <a:t>CNA</a:t>
-            </a:r>
-          </a:p>
-        </p:txBody>
-      </p:sp>
-      <p:sp>
-        <p:nvSpPr>
-          <p:cNvPr id="5" name="Rectangle: Rounded Corners 4"/>
-          <p:cNvSpPr/>
-          <p:nvPr/>
-        </p:nvSpPr>
-        <p:spPr>
-          <a:xfrm>
-            <a:off x="5973877" y="3148572"/>
-            <a:ext cx="1736436" cy="1089891"/>
-          </a:xfrm>
-          <a:prstGeom prst="roundRect">
-            <a:avLst/>
-          </a:prstGeom>
-          <a:ln/>
-        </p:spPr>
-        <p:style>
-          <a:lnRef idx="2">
-            <a:schemeClr val="accent2">
-              <a:shade val="50000"/>
-            </a:schemeClr>
-          </a:lnRef>
-          <a:fillRef idx="1">
-            <a:schemeClr val="accent2"/>
-          </a:fillRef>
-          <a:effectRef idx="0">
-            <a:schemeClr val="accent2"/>
-          </a:effectRef>
-          <a:fontRef idx="minor">
-            <a:schemeClr val="lt1"/>
-          </a:fontRef>
-        </p:style>
-        <p:txBody>
-          <a:bodyPr rtlCol="0" anchor="ctr"/>
-          <a:lstStyle/>
-          <a:p>
-            <a:pPr algn="ctr"/>
-            <a:r>
-              <a:rPr lang="en-US" dirty="0">
-                <a:solidFill>
-                  <a:schemeClr val="bg1"/>
-                </a:solidFill>
-              </a:rPr>
-              <a:t>Program Root CNA</a:t>
-            </a:r>
-          </a:p>
-        </p:txBody>
-      </p:sp>
-      <p:cxnSp>
-        <p:nvCxnSpPr>
-          <p:cNvPr id="7" name="Straight Arrow Connector 6"/>
-          <p:cNvCxnSpPr>
-            <a:stCxn id="4" idx="3"/>
-            <a:endCxn id="5" idx="1"/>
-          </p:cNvCxnSpPr>
-          <p:nvPr/>
-        </p:nvCxnSpPr>
-        <p:spPr>
-          <a:xfrm flipV="1">
-            <a:off x="3121379" y="3693518"/>
-            <a:ext cx="2852498" cy="1"/>
-          </a:xfrm>
-          <a:prstGeom prst="straightConnector1">
-            <a:avLst/>
-          </a:prstGeom>
-          <a:ln>
-            <a:tailEnd type="triangle"/>
-          </a:ln>
-        </p:spPr>
-        <p:style>
-          <a:lnRef idx="3">
-            <a:schemeClr val="dk1"/>
-          </a:lnRef>
-          <a:fillRef idx="0">
-            <a:schemeClr val="dk1"/>
-          </a:fillRef>
-          <a:effectRef idx="2">
-            <a:schemeClr val="dk1"/>
-          </a:effectRef>
-          <a:fontRef idx="minor">
-            <a:schemeClr val="tx1"/>
-          </a:fontRef>
-        </p:style>
-      </p:cxnSp>
-      <p:sp>
-        <p:nvSpPr>
-          <p:cNvPr id="8" name="TextBox 7"/>
-          <p:cNvSpPr txBox="1"/>
-          <p:nvPr/>
-        </p:nvSpPr>
-        <p:spPr>
-          <a:xfrm>
-            <a:off x="3397956" y="2156178"/>
-            <a:ext cx="2561279" cy="1523494"/>
-          </a:xfrm>
-          <a:prstGeom prst="rect">
-            <a:avLst/>
-          </a:prstGeom>
-          <a:noFill/>
-        </p:spPr>
-        <p:txBody>
-          <a:bodyPr wrap="none" rtlCol="0">
-            <a:spAutoFit/>
-          </a:bodyPr>
-          <a:lstStyle/>
-          <a:p>
-            <a:pPr>
-              <a:spcAft>
-                <a:spcPts val="600"/>
-              </a:spcAft>
-            </a:pPr>
-            <a:r>
-              <a:rPr lang="en-US" sz="1600" dirty="0">
+        </p:nvGrpSpPr>
+        <p:grpSpPr>
+          <a:xfrm>
+            <a:off x="1604018" y="2184753"/>
+            <a:ext cx="6325370" cy="2082286"/>
+            <a:chOff x="1384943" y="2156178"/>
+            <a:chExt cx="6325370" cy="2082286"/>
+          </a:xfrm>
+        </p:grpSpPr>
+        <p:sp>
+          <p:nvSpPr>
+            <p:cNvPr id="4" name="Rectangle: Rounded Corners 3"/>
+            <p:cNvSpPr/>
+            <p:nvPr/>
+          </p:nvSpPr>
+          <p:spPr>
+            <a:xfrm>
+              <a:off x="1384943" y="3148573"/>
+              <a:ext cx="1736436" cy="1089891"/>
+            </a:xfrm>
+            <a:prstGeom prst="roundRect">
+              <a:avLst/>
+            </a:prstGeom>
+            <a:ln/>
+          </p:spPr>
+          <p:style>
+            <a:lnRef idx="2">
+              <a:schemeClr val="accent4">
+                <a:shade val="50000"/>
+              </a:schemeClr>
+            </a:lnRef>
+            <a:fillRef idx="1">
+              <a:schemeClr val="accent4"/>
+            </a:fillRef>
+            <a:effectRef idx="0">
+              <a:schemeClr val="accent4"/>
+            </a:effectRef>
+            <a:fontRef idx="minor">
+              <a:schemeClr val="lt1"/>
+            </a:fontRef>
+          </p:style>
+          <p:txBody>
+            <a:bodyPr rtlCol="0" anchor="ctr"/>
+            <a:lstStyle/>
+            <a:p>
+              <a:pPr algn="ctr"/>
+              <a:r>
+                <a:rPr lang="en-US" dirty="0">
+                  <a:solidFill>
+                    <a:schemeClr val="bg1"/>
+                  </a:solidFill>
+                </a:rPr>
+                <a:t>CNA</a:t>
+              </a:r>
+            </a:p>
+          </p:txBody>
+        </p:sp>
+        <p:sp>
+          <p:nvSpPr>
+            <p:cNvPr id="5" name="Rectangle: Rounded Corners 4"/>
+            <p:cNvSpPr/>
+            <p:nvPr/>
+          </p:nvSpPr>
+          <p:spPr>
+            <a:xfrm>
+              <a:off x="5973877" y="3148572"/>
+              <a:ext cx="1736436" cy="1089891"/>
+            </a:xfrm>
+            <a:prstGeom prst="roundRect">
+              <a:avLst/>
+            </a:prstGeom>
+            <a:ln/>
+          </p:spPr>
+          <p:style>
+            <a:lnRef idx="2">
+              <a:schemeClr val="accent2">
+                <a:shade val="50000"/>
+              </a:schemeClr>
+            </a:lnRef>
+            <a:fillRef idx="1">
+              <a:schemeClr val="accent2"/>
+            </a:fillRef>
+            <a:effectRef idx="0">
+              <a:schemeClr val="accent2"/>
+            </a:effectRef>
+            <a:fontRef idx="minor">
+              <a:schemeClr val="lt1"/>
+            </a:fontRef>
+          </p:style>
+          <p:txBody>
+            <a:bodyPr rtlCol="0" anchor="ctr"/>
+            <a:lstStyle/>
+            <a:p>
+              <a:pPr algn="ctr"/>
+              <a:r>
+                <a:rPr lang="en-US" dirty="0">
+                  <a:solidFill>
+                    <a:schemeClr val="bg1"/>
+                  </a:solidFill>
+                </a:rPr>
+                <a:t>Program Root CNA</a:t>
+              </a:r>
+            </a:p>
+          </p:txBody>
+        </p:sp>
+        <p:cxnSp>
+          <p:nvCxnSpPr>
+            <p:cNvPr id="7" name="Straight Arrow Connector 6"/>
+            <p:cNvCxnSpPr>
+              <a:stCxn id="4" idx="3"/>
+              <a:endCxn id="5" idx="1"/>
+            </p:cNvCxnSpPr>
+            <p:nvPr/>
+          </p:nvCxnSpPr>
+          <p:spPr>
+            <a:xfrm flipV="1">
+              <a:off x="3121379" y="3693518"/>
+              <a:ext cx="2852498" cy="1"/>
+            </a:xfrm>
+            <a:prstGeom prst="straightConnector1">
+              <a:avLst/>
+            </a:prstGeom>
+            <a:ln>
+              <a:tailEnd type="triangle"/>
+            </a:ln>
+          </p:spPr>
+          <p:style>
+            <a:lnRef idx="3">
+              <a:schemeClr val="dk1"/>
+            </a:lnRef>
+            <a:fillRef idx="0">
+              <a:schemeClr val="dk1"/>
+            </a:fillRef>
+            <a:effectRef idx="2">
+              <a:schemeClr val="dk1"/>
+            </a:effectRef>
+            <a:fontRef idx="minor">
+              <a:schemeClr val="tx1"/>
+            </a:fontRef>
+          </p:style>
+        </p:cxnSp>
+        <p:sp>
+          <p:nvSpPr>
+            <p:cNvPr id="8" name="TextBox 7"/>
+            <p:cNvSpPr txBox="1"/>
+            <p:nvPr/>
+          </p:nvSpPr>
+          <p:spPr>
+            <a:xfrm>
+              <a:off x="3397956" y="2156178"/>
+              <a:ext cx="2561279" cy="1523494"/>
+            </a:xfrm>
+            <a:prstGeom prst="rect">
+              <a:avLst/>
+            </a:prstGeom>
+            <a:noFill/>
+          </p:spPr>
+          <p:txBody>
+            <a:bodyPr wrap="none" rtlCol="0">
+              <a:spAutoFit/>
+            </a:bodyPr>
+            <a:lstStyle/>
+            <a:p>
+              <a:pPr>
+                <a:spcAft>
+                  <a:spcPts val="600"/>
+                </a:spcAft>
+              </a:pPr>
+              <a:r>
+                <a:rPr lang="en-US" sz="1600" dirty="0">
+                  <a:ea typeface="Verdana" pitchFamily="34" charset="0"/>
+                  <a:cs typeface="Verdana" pitchFamily="34" charset="0"/>
+                </a:rPr>
+                <a:t>CVE IDs unused in YYYY:</a:t>
+              </a:r>
+            </a:p>
+            <a:p>
+              <a:r>
+                <a:rPr lang="en-US" dirty="0"/>
+                <a:t>CVE-YYYY-1030</a:t>
+              </a:r>
+            </a:p>
+            <a:p>
+              <a:r>
+                <a:rPr lang="en-US" dirty="0"/>
+                <a:t>CVE-YYYY-1031</a:t>
+              </a:r>
+            </a:p>
+            <a:p>
+              <a:r>
+                <a:rPr lang="en-US" dirty="0"/>
+                <a:t>CVE-YYYY-1032</a:t>
+              </a:r>
+            </a:p>
+            <a:p>
+              <a:r>
+                <a:rPr lang="en-US" dirty="0"/>
+                <a:t>CVE-YYYY-1033</a:t>
+              </a:r>
+              <a:endParaRPr lang="en-US" sz="1600" dirty="0">
                 <a:ea typeface="Verdana" pitchFamily="34" charset="0"/>
                 <a:cs typeface="Verdana" pitchFamily="34" charset="0"/>
-              </a:rPr>
-              <a:t>CVE IDs unused in YYYY:</a:t>
-            </a:r>
-          </a:p>
-          <a:p>
-            <a:r>
-              <a:rPr lang="en-US" dirty="0"/>
-              <a:t>CVE-YYYY-1030</a:t>
-            </a:r>
-          </a:p>
-          <a:p>
-            <a:r>
-              <a:rPr lang="en-US" dirty="0"/>
-              <a:t>CVE-YYYY-1031</a:t>
-            </a:r>
-          </a:p>
-          <a:p>
-            <a:r>
-              <a:rPr lang="en-US" dirty="0"/>
-              <a:t>CVE-YYYY-1032</a:t>
-            </a:r>
-          </a:p>
-          <a:p>
-            <a:r>
-              <a:rPr lang="en-US" dirty="0"/>
-              <a:t>CVE-YYYY-1033</a:t>
-            </a:r>
-            <a:endParaRPr lang="en-US" sz="1600" dirty="0">
-              <a:ea typeface="Verdana" pitchFamily="34" charset="0"/>
-              <a:cs typeface="Verdana" pitchFamily="34" charset="0"/>
-            </a:endParaRPr>
-          </a:p>
-        </p:txBody>
-      </p:sp>
+              </a:endParaRPr>
+            </a:p>
+          </p:txBody>
+        </p:sp>
+      </p:grpSp>
     </p:spTree>
     <p:extLst>
       <p:ext uri="{BB962C8B-B14F-4D97-AF65-F5344CB8AC3E}">
@@ -21060,7 +21723,7 @@
         </p:nvSpPr>
         <p:spPr>
           <a:xfrm>
-            <a:off x="5227853" y="4001976"/>
+            <a:off x="5227853" y="3942143"/>
             <a:ext cx="3029526" cy="505689"/>
           </a:xfrm>
           <a:prstGeom prst="roundRect">
@@ -21108,7 +21771,7 @@
         <p:spPr>
           <a:xfrm>
             <a:off x="4243667" y="3942144"/>
-            <a:ext cx="984186" cy="312677"/>
+            <a:ext cx="984186" cy="252844"/>
           </a:xfrm>
           <a:prstGeom prst="straightConnector1">
             <a:avLst/>
@@ -21781,7 +22444,7 @@
         </p:nvSpPr>
         <p:spPr>
           <a:xfrm>
-            <a:off x="3315854" y="4313533"/>
+            <a:off x="3385617" y="4308729"/>
             <a:ext cx="2372765" cy="338554"/>
           </a:xfrm>
           <a:prstGeom prst="rect">
@@ -21920,7 +22583,7 @@
         </p:nvSpPr>
         <p:spPr>
           <a:xfrm>
-            <a:off x="6007123" y="4097906"/>
+            <a:off x="5791202" y="4109492"/>
             <a:ext cx="1736436" cy="1089891"/>
           </a:xfrm>
           <a:prstGeom prst="roundRect">
@@ -23572,6 +24235,35 @@
 </file>
 
 <file path=customXml/item1.xml><?xml version="1.0" encoding="utf-8"?>
+<p:properties xmlns:p="http://schemas.microsoft.com/office/2006/metadata/properties" xmlns:xsi="http://www.w3.org/2001/XMLSchema-instance" xmlns:pc="http://schemas.microsoft.com/office/infopath/2007/PartnerControls">
+  <documentManagement>
+    <MITRE_x0020_Sensitivity xmlns="http://schemas.microsoft.com/sharepoint/v3">Internal MITRE Information</MITRE_x0020_Sensitivity>
+    <_Contributor xmlns="http://schemas.microsoft.com/sharepoint/v3/fields" xsi:nil="true"/>
+    <Release_x0020_Statement xmlns="http://schemas.microsoft.com/sharepoint/v3">For Internal MITRE Use</Release_x0020_Statement>
+  </documentManagement>
+</p:properties>
+</file>
+
+<file path=customXml/item2.xml><?xml version="1.0" encoding="utf-8"?>
+<?mso-contentType ?>
+<FormTemplates xmlns="http://schemas.microsoft.com/sharepoint/v3/contenttype/forms">
+  <Display>DocumentLibraryForm</Display>
+  <Edit>DocumentLibraryForm</Edit>
+  <New>DocumentLibraryForm</New>
+</FormTemplates>
+</file>
+
+<file path=customXml/item3.xml><?xml version="1.0" encoding="utf-8"?>
+<?mso-contentType ?>
+<customXsn xmlns="http://schemas.microsoft.com/office/2006/metadata/customXsn">
+  <xsnLocation/>
+  <cached>True</cached>
+  <openByDefault>True</openByDefault>
+  <xsnScope/>
+</customXsn>
+</file>
+
+<file path=customXml/item4.xml><?xml version="1.0" encoding="utf-8"?>
 <ct:contentTypeSchema xmlns:ct="http://schemas.microsoft.com/office/2006/metadata/contentType" xmlns:ma="http://schemas.microsoft.com/office/2006/metadata/properties/metaAttributes" ct:_="" ma:_="" ma:contentTypeName="MITRE Work" ma:contentTypeID="0x010100823A99C636F7423283FB0D200866C61300046EF137D886814EA48E9F4D2AC65CA0" ma:contentTypeVersion="4" ma:contentTypeDescription="Materials and documents that contain MITRE authored content and other content directly attributable to MITRE and its work" ma:contentTypeScope="" ma:versionID="9e7c9f56b2734f566fdb5204fe796dc0">
   <xsd:schema xmlns:xsd="http://www.w3.org/2001/XMLSchema" xmlns:xs="http://www.w3.org/2001/XMLSchema" xmlns:p="http://schemas.microsoft.com/office/2006/metadata/properties" xmlns:ns1="http://schemas.microsoft.com/sharepoint/v3" xmlns:ns2="http://schemas.microsoft.com/sharepoint/v3/fields" xmlns:ns3="c3cfd81e-ca69-4211-966f-1b3244494c2d" targetNamespace="http://schemas.microsoft.com/office/2006/metadata/properties" ma:root="true" ma:fieldsID="2502f5ea607b95f7d2307a10387476b6" ns1:_="" ns2:_="" ns3:_="">
     <xsd:import namespace="http://schemas.microsoft.com/sharepoint/v3"/>
@@ -23760,36 +24452,34 @@
 </ct:contentTypeSchema>
 </file>
 
-<file path=customXml/item2.xml><?xml version="1.0" encoding="utf-8"?>
-<?mso-contentType ?>
-<customXsn xmlns="http://schemas.microsoft.com/office/2006/metadata/customXsn">
-  <xsnLocation/>
-  <cached>True</cached>
-  <openByDefault>True</openByDefault>
-  <xsnScope/>
-</customXsn>
+<file path=customXml/itemProps1.xml><?xml version="1.0" encoding="utf-8"?>
+<ds:datastoreItem xmlns:ds="http://schemas.openxmlformats.org/officeDocument/2006/customXml" ds:itemID="{760E1BCA-B7C8-4D5D-A2B9-87067345F3DD}">
+  <ds:schemaRefs>
+    <ds:schemaRef ds:uri="http://schemas.microsoft.com/office/2006/metadata/properties"/>
+    <ds:schemaRef ds:uri="http://schemas.microsoft.com/office/infopath/2007/PartnerControls"/>
+    <ds:schemaRef ds:uri="http://schemas.microsoft.com/sharepoint/v3"/>
+    <ds:schemaRef ds:uri="http://schemas.microsoft.com/sharepoint/v3/fields"/>
+  </ds:schemaRefs>
+</ds:datastoreItem>
 </file>
 
-<file path=customXml/item3.xml><?xml version="1.0" encoding="utf-8"?>
-<?mso-contentType ?>
-<FormTemplates xmlns="http://schemas.microsoft.com/sharepoint/v3/contenttype/forms">
-  <Display>DocumentLibraryForm</Display>
-  <Edit>DocumentLibraryForm</Edit>
-  <New>DocumentLibraryForm</New>
-</FormTemplates>
+<file path=customXml/itemProps2.xml><?xml version="1.0" encoding="utf-8"?>
+<ds:datastoreItem xmlns:ds="http://schemas.openxmlformats.org/officeDocument/2006/customXml" ds:itemID="{7B6B16B2-404F-4040-9CA3-AFE4C0590207}">
+  <ds:schemaRefs>
+    <ds:schemaRef ds:uri="http://schemas.microsoft.com/sharepoint/v3/contenttype/forms"/>
+  </ds:schemaRefs>
+</ds:datastoreItem>
 </file>
 
-<file path=customXml/item4.xml><?xml version="1.0" encoding="utf-8"?>
-<p:properties xmlns:p="http://schemas.microsoft.com/office/2006/metadata/properties" xmlns:xsi="http://www.w3.org/2001/XMLSchema-instance" xmlns:pc="http://schemas.microsoft.com/office/infopath/2007/PartnerControls">
-  <documentManagement>
-    <MITRE_x0020_Sensitivity xmlns="http://schemas.microsoft.com/sharepoint/v3">Internal MITRE Information</MITRE_x0020_Sensitivity>
-    <_Contributor xmlns="http://schemas.microsoft.com/sharepoint/v3/fields" xsi:nil="true"/>
-    <Release_x0020_Statement xmlns="http://schemas.microsoft.com/sharepoint/v3">For Internal MITRE Use</Release_x0020_Statement>
-  </documentManagement>
-</p:properties>
+<file path=customXml/itemProps3.xml><?xml version="1.0" encoding="utf-8"?>
+<ds:datastoreItem xmlns:ds="http://schemas.openxmlformats.org/officeDocument/2006/customXml" ds:itemID="{DA4BE8BC-21DD-494E-8FAB-B2E9DD91F2E2}">
+  <ds:schemaRefs>
+    <ds:schemaRef ds:uri="http://schemas.microsoft.com/office/2006/metadata/customXsn"/>
+  </ds:schemaRefs>
+</ds:datastoreItem>
 </file>
 
-<file path=customXml/itemProps1.xml><?xml version="1.0" encoding="utf-8"?>
+<file path=customXml/itemProps4.xml><?xml version="1.0" encoding="utf-8"?>
 <ds:datastoreItem xmlns:ds="http://schemas.openxmlformats.org/officeDocument/2006/customXml" ds:itemID="{A65AD2E1-D25C-4989-A7E5-178B1A4BDC51}">
   <ds:schemaRefs>
     <ds:schemaRef ds:uri="http://schemas.microsoft.com/office/2006/metadata/contentType"/>
@@ -23807,38 +24497,4 @@
     <ds:schemaRef ds:uri="http://schemas.microsoft.com/internal/obd"/>
   </ds:schemaRefs>
 </ds:datastoreItem>
-</file>
-
-<file path=customXml/itemProps2.xml><?xml version="1.0" encoding="utf-8"?>
-<ds:datastoreItem xmlns:ds="http://schemas.openxmlformats.org/officeDocument/2006/customXml" ds:itemID="{DA4BE8BC-21DD-494E-8FAB-B2E9DD91F2E2}">
-  <ds:schemaRefs>
-    <ds:schemaRef ds:uri="http://schemas.microsoft.com/office/2006/metadata/customXsn"/>
-  </ds:schemaRefs>
-</ds:datastoreItem>
-</file>
-
-<file path=customXml/itemProps3.xml><?xml version="1.0" encoding="utf-8"?>
-<ds:datastoreItem xmlns:ds="http://schemas.openxmlformats.org/officeDocument/2006/customXml" ds:itemID="{7B6B16B2-404F-4040-9CA3-AFE4C0590207}">
-  <ds:schemaRefs>
-    <ds:schemaRef ds:uri="http://schemas.microsoft.com/sharepoint/v3/contenttype/forms"/>
-  </ds:schemaRefs>
-</ds:datastoreItem>
-</file>
-
-<file path=customXml/itemProps4.xml><?xml version="1.0" encoding="utf-8"?>
-<ds:datastoreItem xmlns:ds="http://schemas.openxmlformats.org/officeDocument/2006/customXml" ds:itemID="{760E1BCA-B7C8-4D5D-A2B9-87067345F3DD}">
-  <ds:schemaRefs>
-    <ds:schemaRef ds:uri="c3cfd81e-ca69-4211-966f-1b3244494c2d"/>
-    <ds:schemaRef ds:uri="http://purl.org/dc/elements/1.1/"/>
-    <ds:schemaRef ds:uri="http://schemas.microsoft.com/office/2006/documentManagement/types"/>
-    <ds:schemaRef ds:uri="http://schemas.microsoft.com/sharepoint/v3"/>
-    <ds:schemaRef ds:uri="http://purl.org/dc/terms/"/>
-    <ds:schemaRef ds:uri="http://schemas.openxmlformats.org/package/2006/metadata/core-properties"/>
-    <ds:schemaRef ds:uri="http://purl.org/dc/dcmitype/"/>
-    <ds:schemaRef ds:uri="http://schemas.microsoft.com/office/infopath/2007/PartnerControls"/>
-    <ds:schemaRef ds:uri="http://schemas.microsoft.com/sharepoint/v3/fields"/>
-    <ds:schemaRef ds:uri="http://schemas.microsoft.com/office/2006/metadata/properties"/>
-    <ds:schemaRef ds:uri="http://www.w3.org/XML/1998/namespace"/>
-  </ds:schemaRefs>
-</ds:datastoreItem>
 </file>
--- a/docs/cna/CNA_Processes.pptx
+++ b/docs/cna/CNA_Processes.pptx
@@ -275,7 +275,7 @@
           <a:p>
             <a:fld id="{FD8C879B-2DAC-426D-B5B4-08F42B952A26}" type="datetimeFigureOut">
               <a:rPr lang="en-US" smtClean="0"/>
-              <a:t>10/2/2019</a:t>
+              <a:t>10/9/2019</a:t>
             </a:fld>
             <a:endParaRPr lang="en-US"/>
           </a:p>
@@ -452,7 +452,7 @@
           <a:p>
             <a:fld id="{92E54576-A3BB-48F9-891E-992E86D01A7B}" type="datetimeFigureOut">
               <a:rPr lang="en-US" smtClean="0"/>
-              <a:t>10/2/2019</a:t>
+              <a:t>10/9/2019</a:t>
             </a:fld>
             <a:endParaRPr lang="en-US"/>
           </a:p>
@@ -11825,18 +11825,30 @@
           <a:bodyPr/>
           <a:lstStyle/>
           <a:p>
+            <a:pPr>
+              <a:buFont typeface="Wingdings" panose="05000000000000000000" pitchFamily="2" charset="2"/>
+              <a:buChar char="§"/>
+            </a:pPr>
             <a:r>
               <a:rPr lang="en-US" dirty="0"/>
               <a:t>Each parent CNA will have their own method of receiving and processing block requests</a:t>
             </a:r>
           </a:p>
           <a:p>
+            <a:pPr>
+              <a:buFont typeface="Wingdings" panose="05000000000000000000" pitchFamily="2" charset="2"/>
+              <a:buChar char="§"/>
+            </a:pPr>
             <a:r>
               <a:rPr lang="en-US" dirty="0"/>
               <a:t>Your parent CNA should provide you with information on how to requests blocks from it</a:t>
             </a:r>
           </a:p>
           <a:p>
+            <a:pPr>
+              <a:buFont typeface="Wingdings" panose="05000000000000000000" pitchFamily="2" charset="2"/>
+              <a:buChar char="§"/>
+            </a:pPr>
             <a:r>
               <a:rPr lang="en-US" dirty="0"/>
               <a:t>For example, if your CNA is the Program Root CNA (currently MITRE), there is web form for these requests</a:t>
@@ -11850,10 +11862,6 @@
               </a:rPr>
               <a:t>https://cveform.mitre.org/</a:t>
             </a:r>
-            <a:endParaRPr lang="en-US" dirty="0"/>
-          </a:p>
-          <a:p>
-            <a:pPr lvl="1"/>
             <a:endParaRPr lang="en-US" dirty="0"/>
           </a:p>
         </p:txBody>
@@ -30077,6 +30085,15 @@
 </file>
 
 <file path=customXml/item1.xml><?xml version="1.0" encoding="utf-8"?>
+<?mso-contentType ?>
+<FormTemplates xmlns="http://schemas.microsoft.com/sharepoint/v3/contenttype/forms">
+  <Display>DocumentLibraryForm</Display>
+  <Edit>DocumentLibraryForm</Edit>
+  <New>DocumentLibraryForm</New>
+</FormTemplates>
+</file>
+
+<file path=customXml/item2.xml><?xml version="1.0" encoding="utf-8"?>
 <ct:contentTypeSchema xmlns:ct="http://schemas.microsoft.com/office/2006/metadata/contentType" xmlns:ma="http://schemas.microsoft.com/office/2006/metadata/properties/metaAttributes" ct:_="" ma:_="" ma:contentTypeName="Document" ma:contentTypeID="0x01010010D7D12093FFC84AB17C2D6CFA9D1EDE" ma:contentTypeVersion="7" ma:contentTypeDescription="Create a new document." ma:contentTypeScope="" ma:versionID="85e3c405e50bbbe8816477487156b4fc">
   <xsd:schema xmlns:xsd="http://www.w3.org/2001/XMLSchema" xmlns:xs="http://www.w3.org/2001/XMLSchema" xmlns:p="http://schemas.microsoft.com/office/2006/metadata/properties" targetNamespace="http://schemas.microsoft.com/office/2006/metadata/properties" ma:root="true" ma:fieldsID="6834f8c0c0eabdc6c42b2f987c760c09">
     <xsd:element name="properties">
@@ -30190,15 +30207,6 @@
 </ct:contentTypeSchema>
 </file>
 
-<file path=customXml/item2.xml><?xml version="1.0" encoding="utf-8"?>
-<?mso-contentType ?>
-<FormTemplates xmlns="http://schemas.microsoft.com/sharepoint/v3/contenttype/forms">
-  <Display>DocumentLibraryForm</Display>
-  <Edit>DocumentLibraryForm</Edit>
-  <New>DocumentLibraryForm</New>
-</FormTemplates>
-</file>
-
 <file path=customXml/item3.xml><?xml version="1.0" encoding="utf-8"?>
 <p:properties xmlns:p="http://schemas.microsoft.com/office/2006/metadata/properties" xmlns:xsi="http://www.w3.org/2001/XMLSchema-instance" xmlns:pc="http://schemas.microsoft.com/office/infopath/2007/PartnerControls">
   <documentManagement/>
@@ -30206,6 +30214,14 @@
 </file>
 
 <file path=customXml/itemProps1.xml><?xml version="1.0" encoding="utf-8"?>
+<ds:datastoreItem xmlns:ds="http://schemas.openxmlformats.org/officeDocument/2006/customXml" ds:itemID="{416BA5C9-2D71-4B86-AE8A-8C0D9BC5FB22}">
+  <ds:schemaRefs>
+    <ds:schemaRef ds:uri="http://schemas.microsoft.com/sharepoint/v3/contenttype/forms"/>
+  </ds:schemaRefs>
+</ds:datastoreItem>
+</file>
+
+<file path=customXml/itemProps2.xml><?xml version="1.0" encoding="utf-8"?>
 <ds:datastoreItem xmlns:ds="http://schemas.openxmlformats.org/officeDocument/2006/customXml" ds:itemID="{95866544-84CD-42FD-B141-A01F66B0BD1C}">
   <ds:schemaRefs>
     <ds:schemaRef ds:uri="http://schemas.microsoft.com/office/2006/metadata/contentType"/>
@@ -30221,25 +30237,17 @@
 </ds:datastoreItem>
 </file>
 
-<file path=customXml/itemProps2.xml><?xml version="1.0" encoding="utf-8"?>
-<ds:datastoreItem xmlns:ds="http://schemas.openxmlformats.org/officeDocument/2006/customXml" ds:itemID="{416BA5C9-2D71-4B86-AE8A-8C0D9BC5FB22}">
-  <ds:schemaRefs>
-    <ds:schemaRef ds:uri="http://schemas.microsoft.com/sharepoint/v3/contenttype/forms"/>
-  </ds:schemaRefs>
-</ds:datastoreItem>
-</file>
-
 <file path=customXml/itemProps3.xml><?xml version="1.0" encoding="utf-8"?>
 <ds:datastoreItem xmlns:ds="http://schemas.openxmlformats.org/officeDocument/2006/customXml" ds:itemID="{5450FCDD-08B1-48D8-BB50-7A17E590A5EE}">
   <ds:schemaRefs>
+    <ds:schemaRef ds:uri="http://purl.org/dc/elements/1.1/"/>
+    <ds:schemaRef ds:uri="http://schemas.microsoft.com/office/2006/documentManagement/types"/>
     <ds:schemaRef ds:uri="http://purl.org/dc/terms/"/>
     <ds:schemaRef ds:uri="http://schemas.openxmlformats.org/package/2006/metadata/core-properties"/>
-    <ds:schemaRef ds:uri="http://schemas.microsoft.com/office/2006/documentManagement/types"/>
+    <ds:schemaRef ds:uri="http://purl.org/dc/dcmitype/"/>
     <ds:schemaRef ds:uri="http://schemas.microsoft.com/office/infopath/2007/PartnerControls"/>
-    <ds:schemaRef ds:uri="http://purl.org/dc/elements/1.1/"/>
     <ds:schemaRef ds:uri="http://schemas.microsoft.com/office/2006/metadata/properties"/>
     <ds:schemaRef ds:uri="http://www.w3.org/XML/1998/namespace"/>
-    <ds:schemaRef ds:uri="http://purl.org/dc/dcmitype/"/>
   </ds:schemaRefs>
 </ds:datastoreItem>
 </file>
--- a/docs/cna/CNA_Processes.pptx
+++ b/docs/cna/CNA_Processes.pptx
@@ -275,7 +275,7 @@
           <a:p>
             <a:fld id="{FD8C879B-2DAC-426D-B5B4-08F42B952A26}" type="datetimeFigureOut">
               <a:rPr lang="en-US" smtClean="0"/>
-              <a:t>10/9/2019</a:t>
+              <a:t>10/10/2019</a:t>
             </a:fld>
             <a:endParaRPr lang="en-US"/>
           </a:p>
@@ -452,7 +452,7 @@
           <a:p>
             <a:fld id="{92E54576-A3BB-48F9-891E-992E86D01A7B}" type="datetimeFigureOut">
               <a:rPr lang="en-US" smtClean="0"/>
-              <a:t>10/9/2019</a:t>
+              <a:t>10/10/2019</a:t>
             </a:fld>
             <a:endParaRPr lang="en-US"/>
           </a:p>
@@ -10470,7 +10470,7 @@
     <p:sldLayoutId id="2147483664" r:id="rId8"/>
     <p:sldLayoutId id="2147483669" r:id="rId9"/>
   </p:sldLayoutIdLst>
-  <p:hf hdr="0" dt="0"/>
+  <p:hf hdr="0" ftr="0" dt="0"/>
   <p:txStyles>
     <p:titleStyle>
       <a:lvl1pPr algn="l" defTabSz="914400" rtl="0" eaLnBrk="1" latinLnBrk="0" hangingPunct="1">
@@ -10859,7 +10859,7 @@
           <a:lstStyle/>
           <a:p>
             <a:r>
-              <a:rPr lang="en-US">
+              <a:rPr lang="en-US" dirty="0">
                 <a:latin typeface="Arial" pitchFamily="34" charset="0"/>
               </a:rPr>
               <a:t>| </a:t>
@@ -10872,24 +10872,19 @@
               <a:t>1</a:t>
             </a:fld>
             <a:r>
-              <a:rPr lang="en-US">
+              <a:rPr lang="en-US" dirty="0">
                 <a:latin typeface="Arial" pitchFamily="34" charset="0"/>
               </a:rPr>
               <a:t> |</a:t>
             </a:r>
             <a:r>
-              <a:rPr lang="en-US">
+              <a:rPr lang="en-US" dirty="0">
                 <a:latin typeface="Arial" pitchFamily="34" charset="0"/>
                 <a:ea typeface="Verdana" pitchFamily="34" charset="0"/>
                 <a:cs typeface="Verdana" pitchFamily="34" charset="0"/>
               </a:rPr>
               <a:t> </a:t>
             </a:r>
-            <a:endParaRPr lang="en-US" dirty="0">
-              <a:latin typeface="Arial" pitchFamily="34" charset="0"/>
-              <a:ea typeface="Verdana" pitchFamily="34" charset="0"/>
-              <a:cs typeface="Verdana" pitchFamily="34" charset="0"/>
-            </a:endParaRPr>
           </a:p>
         </p:txBody>
       </p:sp>
@@ -11172,6 +11167,71 @@
           </p:txBody>
         </p:sp>
       </p:grpSp>
+      <p:sp>
+        <p:nvSpPr>
+          <p:cNvPr id="7" name="Slide Number Placeholder 6">
+            <a:extLst>
+              <a:ext uri="{FF2B5EF4-FFF2-40B4-BE49-F238E27FC236}">
+                <a16:creationId xmlns:a16="http://schemas.microsoft.com/office/drawing/2014/main" id="{19B0E902-DDFF-4BA2-BDF1-BC7319AF64B7}"/>
+              </a:ext>
+            </a:extLst>
+          </p:cNvPr>
+          <p:cNvSpPr>
+            <a:spLocks noGrp="1"/>
+          </p:cNvSpPr>
+          <p:nvPr>
+            <p:ph type="sldNum" sz="quarter" idx="4"/>
+          </p:nvPr>
+        </p:nvSpPr>
+        <p:spPr/>
+        <p:txBody>
+          <a:bodyPr/>
+          <a:lstStyle/>
+          <a:p>
+            <a:r>
+              <a:rPr lang="en-US">
+                <a:solidFill>
+                  <a:srgbClr val="C1CD23"/>
+                </a:solidFill>
+              </a:rPr>
+              <a:t>|</a:t>
+            </a:r>
+            <a:r>
+              <a:rPr lang="en-US"/>
+              <a:t> </a:t>
+            </a:r>
+            <a:fld id="{295008BC-DA31-4D19-837B-EFA4386B05F5}" type="slidenum">
+              <a:rPr lang="en-US" smtClean="0">
+                <a:solidFill>
+                  <a:schemeClr val="tx1">
+                    <a:lumMod val="50000"/>
+                    <a:lumOff val="50000"/>
+                  </a:schemeClr>
+                </a:solidFill>
+              </a:rPr>
+              <a:pPr/>
+              <a:t>10</a:t>
+            </a:fld>
+            <a:r>
+              <a:rPr lang="en-US"/>
+              <a:t> </a:t>
+            </a:r>
+            <a:r>
+              <a:rPr lang="en-US">
+                <a:solidFill>
+                  <a:srgbClr val="C1CD23"/>
+                </a:solidFill>
+              </a:rPr>
+              <a:t>|</a:t>
+            </a:r>
+            <a:endParaRPr lang="en-US" dirty="0">
+              <a:solidFill>
+                <a:srgbClr val="C1CD23"/>
+              </a:solidFill>
+            </a:endParaRPr>
+          </a:p>
+        </p:txBody>
+      </p:sp>
     </p:spTree>
     <p:extLst>
       <p:ext uri="{BB962C8B-B14F-4D97-AF65-F5344CB8AC3E}">
@@ -11577,6 +11637,71 @@
           </p:txBody>
         </p:sp>
       </p:grpSp>
+      <p:sp>
+        <p:nvSpPr>
+          <p:cNvPr id="8" name="Slide Number Placeholder 7">
+            <a:extLst>
+              <a:ext uri="{FF2B5EF4-FFF2-40B4-BE49-F238E27FC236}">
+                <a16:creationId xmlns:a16="http://schemas.microsoft.com/office/drawing/2014/main" id="{09647C6F-3405-4FB8-B977-8D2C8F660167}"/>
+              </a:ext>
+            </a:extLst>
+          </p:cNvPr>
+          <p:cNvSpPr>
+            <a:spLocks noGrp="1"/>
+          </p:cNvSpPr>
+          <p:nvPr>
+            <p:ph type="sldNum" sz="quarter" idx="4"/>
+          </p:nvPr>
+        </p:nvSpPr>
+        <p:spPr/>
+        <p:txBody>
+          <a:bodyPr/>
+          <a:lstStyle/>
+          <a:p>
+            <a:r>
+              <a:rPr lang="en-US">
+                <a:solidFill>
+                  <a:srgbClr val="C1CD23"/>
+                </a:solidFill>
+              </a:rPr>
+              <a:t>|</a:t>
+            </a:r>
+            <a:r>
+              <a:rPr lang="en-US"/>
+              <a:t> </a:t>
+            </a:r>
+            <a:fld id="{295008BC-DA31-4D19-837B-EFA4386B05F5}" type="slidenum">
+              <a:rPr lang="en-US" smtClean="0">
+                <a:solidFill>
+                  <a:schemeClr val="tx1">
+                    <a:lumMod val="50000"/>
+                    <a:lumOff val="50000"/>
+                  </a:schemeClr>
+                </a:solidFill>
+              </a:rPr>
+              <a:pPr/>
+              <a:t>11</a:t>
+            </a:fld>
+            <a:r>
+              <a:rPr lang="en-US"/>
+              <a:t> </a:t>
+            </a:r>
+            <a:r>
+              <a:rPr lang="en-US">
+                <a:solidFill>
+                  <a:srgbClr val="C1CD23"/>
+                </a:solidFill>
+              </a:rPr>
+              <a:t>|</a:t>
+            </a:r>
+            <a:endParaRPr lang="en-US" dirty="0">
+              <a:solidFill>
+                <a:srgbClr val="C1CD23"/>
+              </a:solidFill>
+            </a:endParaRPr>
+          </a:p>
+        </p:txBody>
+      </p:sp>
     </p:spTree>
     <p:extLst>
       <p:ext uri="{BB962C8B-B14F-4D97-AF65-F5344CB8AC3E}">
@@ -11758,6 +11883,71 @@
           </a:p>
         </p:txBody>
       </p:sp>
+      <p:sp>
+        <p:nvSpPr>
+          <p:cNvPr id="4" name="Slide Number Placeholder 3">
+            <a:extLst>
+              <a:ext uri="{FF2B5EF4-FFF2-40B4-BE49-F238E27FC236}">
+                <a16:creationId xmlns:a16="http://schemas.microsoft.com/office/drawing/2014/main" id="{13EABA18-3D86-42FE-8BC4-19BF5B6FB6B6}"/>
+              </a:ext>
+            </a:extLst>
+          </p:cNvPr>
+          <p:cNvSpPr>
+            <a:spLocks noGrp="1"/>
+          </p:cNvSpPr>
+          <p:nvPr>
+            <p:ph type="sldNum" sz="quarter" idx="4"/>
+          </p:nvPr>
+        </p:nvSpPr>
+        <p:spPr/>
+        <p:txBody>
+          <a:bodyPr/>
+          <a:lstStyle/>
+          <a:p>
+            <a:r>
+              <a:rPr lang="en-US">
+                <a:solidFill>
+                  <a:srgbClr val="C1CD23"/>
+                </a:solidFill>
+              </a:rPr>
+              <a:t>|</a:t>
+            </a:r>
+            <a:r>
+              <a:rPr lang="en-US"/>
+              <a:t> </a:t>
+            </a:r>
+            <a:fld id="{295008BC-DA31-4D19-837B-EFA4386B05F5}" type="slidenum">
+              <a:rPr lang="en-US" smtClean="0">
+                <a:solidFill>
+                  <a:schemeClr val="tx1">
+                    <a:lumMod val="50000"/>
+                    <a:lumOff val="50000"/>
+                  </a:schemeClr>
+                </a:solidFill>
+              </a:rPr>
+              <a:pPr/>
+              <a:t>12</a:t>
+            </a:fld>
+            <a:r>
+              <a:rPr lang="en-US"/>
+              <a:t> </a:t>
+            </a:r>
+            <a:r>
+              <a:rPr lang="en-US">
+                <a:solidFill>
+                  <a:srgbClr val="C1CD23"/>
+                </a:solidFill>
+              </a:rPr>
+              <a:t>|</a:t>
+            </a:r>
+            <a:endParaRPr lang="en-US" dirty="0">
+              <a:solidFill>
+                <a:srgbClr val="C1CD23"/>
+              </a:solidFill>
+            </a:endParaRPr>
+          </a:p>
+        </p:txBody>
+      </p:sp>
     </p:spTree>
     <p:extLst>
       <p:ext uri="{BB962C8B-B14F-4D97-AF65-F5344CB8AC3E}">
@@ -11866,6 +12056,71 @@
           </a:p>
         </p:txBody>
       </p:sp>
+      <p:sp>
+        <p:nvSpPr>
+          <p:cNvPr id="4" name="Slide Number Placeholder 3">
+            <a:extLst>
+              <a:ext uri="{FF2B5EF4-FFF2-40B4-BE49-F238E27FC236}">
+                <a16:creationId xmlns:a16="http://schemas.microsoft.com/office/drawing/2014/main" id="{7155B1B0-174C-418E-91E0-10B235BCA173}"/>
+              </a:ext>
+            </a:extLst>
+          </p:cNvPr>
+          <p:cNvSpPr>
+            <a:spLocks noGrp="1"/>
+          </p:cNvSpPr>
+          <p:nvPr>
+            <p:ph type="sldNum" sz="quarter" idx="4"/>
+          </p:nvPr>
+        </p:nvSpPr>
+        <p:spPr/>
+        <p:txBody>
+          <a:bodyPr/>
+          <a:lstStyle/>
+          <a:p>
+            <a:r>
+              <a:rPr lang="en-US">
+                <a:solidFill>
+                  <a:srgbClr val="C1CD23"/>
+                </a:solidFill>
+              </a:rPr>
+              <a:t>|</a:t>
+            </a:r>
+            <a:r>
+              <a:rPr lang="en-US"/>
+              <a:t> </a:t>
+            </a:r>
+            <a:fld id="{295008BC-DA31-4D19-837B-EFA4386B05F5}" type="slidenum">
+              <a:rPr lang="en-US" smtClean="0">
+                <a:solidFill>
+                  <a:schemeClr val="tx1">
+                    <a:lumMod val="50000"/>
+                    <a:lumOff val="50000"/>
+                  </a:schemeClr>
+                </a:solidFill>
+              </a:rPr>
+              <a:pPr/>
+              <a:t>13</a:t>
+            </a:fld>
+            <a:r>
+              <a:rPr lang="en-US"/>
+              <a:t> </a:t>
+            </a:r>
+            <a:r>
+              <a:rPr lang="en-US">
+                <a:solidFill>
+                  <a:srgbClr val="C1CD23"/>
+                </a:solidFill>
+              </a:rPr>
+              <a:t>|</a:t>
+            </a:r>
+            <a:endParaRPr lang="en-US" dirty="0">
+              <a:solidFill>
+                <a:srgbClr val="C1CD23"/>
+              </a:solidFill>
+            </a:endParaRPr>
+          </a:p>
+        </p:txBody>
+      </p:sp>
     </p:spTree>
     <p:extLst>
       <p:ext uri="{BB962C8B-B14F-4D97-AF65-F5344CB8AC3E}">
@@ -11951,6 +12206,71 @@
           </a:extLst>
         </p:spPr>
       </p:pic>
+      <p:sp>
+        <p:nvSpPr>
+          <p:cNvPr id="3" name="Slide Number Placeholder 2">
+            <a:extLst>
+              <a:ext uri="{FF2B5EF4-FFF2-40B4-BE49-F238E27FC236}">
+                <a16:creationId xmlns:a16="http://schemas.microsoft.com/office/drawing/2014/main" id="{1E6D0D80-7AE6-41A6-A018-37D104433835}"/>
+              </a:ext>
+            </a:extLst>
+          </p:cNvPr>
+          <p:cNvSpPr>
+            <a:spLocks noGrp="1"/>
+          </p:cNvSpPr>
+          <p:nvPr>
+            <p:ph type="sldNum" sz="quarter" idx="4"/>
+          </p:nvPr>
+        </p:nvSpPr>
+        <p:spPr/>
+        <p:txBody>
+          <a:bodyPr/>
+          <a:lstStyle/>
+          <a:p>
+            <a:r>
+              <a:rPr lang="en-US">
+                <a:solidFill>
+                  <a:srgbClr val="C1CD23"/>
+                </a:solidFill>
+              </a:rPr>
+              <a:t>|</a:t>
+            </a:r>
+            <a:r>
+              <a:rPr lang="en-US"/>
+              <a:t> </a:t>
+            </a:r>
+            <a:fld id="{295008BC-DA31-4D19-837B-EFA4386B05F5}" type="slidenum">
+              <a:rPr lang="en-US" smtClean="0">
+                <a:solidFill>
+                  <a:schemeClr val="tx1">
+                    <a:lumMod val="50000"/>
+                    <a:lumOff val="50000"/>
+                  </a:schemeClr>
+                </a:solidFill>
+              </a:rPr>
+              <a:pPr/>
+              <a:t>14</a:t>
+            </a:fld>
+            <a:r>
+              <a:rPr lang="en-US"/>
+              <a:t> </a:t>
+            </a:r>
+            <a:r>
+              <a:rPr lang="en-US">
+                <a:solidFill>
+                  <a:srgbClr val="C1CD23"/>
+                </a:solidFill>
+              </a:rPr>
+              <a:t>|</a:t>
+            </a:r>
+            <a:endParaRPr lang="en-US" dirty="0">
+              <a:solidFill>
+                <a:srgbClr val="C1CD23"/>
+              </a:solidFill>
+            </a:endParaRPr>
+          </a:p>
+        </p:txBody>
+      </p:sp>
     </p:spTree>
     <p:extLst>
       <p:ext uri="{BB962C8B-B14F-4D97-AF65-F5344CB8AC3E}">
@@ -12032,6 +12352,71 @@
           </a:extLst>
         </p:spPr>
       </p:pic>
+      <p:sp>
+        <p:nvSpPr>
+          <p:cNvPr id="3" name="Slide Number Placeholder 2">
+            <a:extLst>
+              <a:ext uri="{FF2B5EF4-FFF2-40B4-BE49-F238E27FC236}">
+                <a16:creationId xmlns:a16="http://schemas.microsoft.com/office/drawing/2014/main" id="{F3D6A381-CDE3-4B20-B2D0-0D981A5A816D}"/>
+              </a:ext>
+            </a:extLst>
+          </p:cNvPr>
+          <p:cNvSpPr>
+            <a:spLocks noGrp="1"/>
+          </p:cNvSpPr>
+          <p:nvPr>
+            <p:ph type="sldNum" sz="quarter" idx="4"/>
+          </p:nvPr>
+        </p:nvSpPr>
+        <p:spPr/>
+        <p:txBody>
+          <a:bodyPr/>
+          <a:lstStyle/>
+          <a:p>
+            <a:r>
+              <a:rPr lang="en-US">
+                <a:solidFill>
+                  <a:srgbClr val="C1CD23"/>
+                </a:solidFill>
+              </a:rPr>
+              <a:t>|</a:t>
+            </a:r>
+            <a:r>
+              <a:rPr lang="en-US"/>
+              <a:t> </a:t>
+            </a:r>
+            <a:fld id="{295008BC-DA31-4D19-837B-EFA4386B05F5}" type="slidenum">
+              <a:rPr lang="en-US" smtClean="0">
+                <a:solidFill>
+                  <a:schemeClr val="tx1">
+                    <a:lumMod val="50000"/>
+                    <a:lumOff val="50000"/>
+                  </a:schemeClr>
+                </a:solidFill>
+              </a:rPr>
+              <a:pPr/>
+              <a:t>15</a:t>
+            </a:fld>
+            <a:r>
+              <a:rPr lang="en-US"/>
+              <a:t> </a:t>
+            </a:r>
+            <a:r>
+              <a:rPr lang="en-US">
+                <a:solidFill>
+                  <a:srgbClr val="C1CD23"/>
+                </a:solidFill>
+              </a:rPr>
+              <a:t>|</a:t>
+            </a:r>
+            <a:endParaRPr lang="en-US" dirty="0">
+              <a:solidFill>
+                <a:srgbClr val="C1CD23"/>
+              </a:solidFill>
+            </a:endParaRPr>
+          </a:p>
+        </p:txBody>
+      </p:sp>
     </p:spTree>
     <p:extLst>
       <p:ext uri="{BB962C8B-B14F-4D97-AF65-F5344CB8AC3E}">
@@ -12117,6 +12502,71 @@
           </a:extLst>
         </p:spPr>
       </p:pic>
+      <p:sp>
+        <p:nvSpPr>
+          <p:cNvPr id="3" name="Slide Number Placeholder 2">
+            <a:extLst>
+              <a:ext uri="{FF2B5EF4-FFF2-40B4-BE49-F238E27FC236}">
+                <a16:creationId xmlns:a16="http://schemas.microsoft.com/office/drawing/2014/main" id="{34910E13-F254-422B-8A9C-7ECFE53C6480}"/>
+              </a:ext>
+            </a:extLst>
+          </p:cNvPr>
+          <p:cNvSpPr>
+            <a:spLocks noGrp="1"/>
+          </p:cNvSpPr>
+          <p:nvPr>
+            <p:ph type="sldNum" sz="quarter" idx="4"/>
+          </p:nvPr>
+        </p:nvSpPr>
+        <p:spPr/>
+        <p:txBody>
+          <a:bodyPr/>
+          <a:lstStyle/>
+          <a:p>
+            <a:r>
+              <a:rPr lang="en-US">
+                <a:solidFill>
+                  <a:srgbClr val="C1CD23"/>
+                </a:solidFill>
+              </a:rPr>
+              <a:t>|</a:t>
+            </a:r>
+            <a:r>
+              <a:rPr lang="en-US"/>
+              <a:t> </a:t>
+            </a:r>
+            <a:fld id="{295008BC-DA31-4D19-837B-EFA4386B05F5}" type="slidenum">
+              <a:rPr lang="en-US" smtClean="0">
+                <a:solidFill>
+                  <a:schemeClr val="tx1">
+                    <a:lumMod val="50000"/>
+                    <a:lumOff val="50000"/>
+                  </a:schemeClr>
+                </a:solidFill>
+              </a:rPr>
+              <a:pPr/>
+              <a:t>16</a:t>
+            </a:fld>
+            <a:r>
+              <a:rPr lang="en-US"/>
+              <a:t> </a:t>
+            </a:r>
+            <a:r>
+              <a:rPr lang="en-US">
+                <a:solidFill>
+                  <a:srgbClr val="C1CD23"/>
+                </a:solidFill>
+              </a:rPr>
+              <a:t>|</a:t>
+            </a:r>
+            <a:endParaRPr lang="en-US" dirty="0">
+              <a:solidFill>
+                <a:srgbClr val="C1CD23"/>
+              </a:solidFill>
+            </a:endParaRPr>
+          </a:p>
+        </p:txBody>
+      </p:sp>
     </p:spTree>
     <p:extLst>
       <p:ext uri="{BB962C8B-B14F-4D97-AF65-F5344CB8AC3E}">
@@ -12484,6 +12934,71 @@
           </a:p>
         </p:txBody>
       </p:sp>
+      <p:sp>
+        <p:nvSpPr>
+          <p:cNvPr id="3" name="Slide Number Placeholder 2">
+            <a:extLst>
+              <a:ext uri="{FF2B5EF4-FFF2-40B4-BE49-F238E27FC236}">
+                <a16:creationId xmlns:a16="http://schemas.microsoft.com/office/drawing/2014/main" id="{A7FE4E76-1A0B-48B4-84C9-3069F739DF16}"/>
+              </a:ext>
+            </a:extLst>
+          </p:cNvPr>
+          <p:cNvSpPr>
+            <a:spLocks noGrp="1"/>
+          </p:cNvSpPr>
+          <p:nvPr>
+            <p:ph type="sldNum" sz="quarter" idx="4"/>
+          </p:nvPr>
+        </p:nvSpPr>
+        <p:spPr/>
+        <p:txBody>
+          <a:bodyPr/>
+          <a:lstStyle/>
+          <a:p>
+            <a:r>
+              <a:rPr lang="en-US">
+                <a:solidFill>
+                  <a:srgbClr val="C1CD23"/>
+                </a:solidFill>
+              </a:rPr>
+              <a:t>|</a:t>
+            </a:r>
+            <a:r>
+              <a:rPr lang="en-US"/>
+              <a:t> </a:t>
+            </a:r>
+            <a:fld id="{295008BC-DA31-4D19-837B-EFA4386B05F5}" type="slidenum">
+              <a:rPr lang="en-US" smtClean="0">
+                <a:solidFill>
+                  <a:schemeClr val="tx1">
+                    <a:lumMod val="50000"/>
+                    <a:lumOff val="50000"/>
+                  </a:schemeClr>
+                </a:solidFill>
+              </a:rPr>
+              <a:pPr/>
+              <a:t>18</a:t>
+            </a:fld>
+            <a:r>
+              <a:rPr lang="en-US"/>
+              <a:t> </a:t>
+            </a:r>
+            <a:r>
+              <a:rPr lang="en-US">
+                <a:solidFill>
+                  <a:srgbClr val="C1CD23"/>
+                </a:solidFill>
+              </a:rPr>
+              <a:t>|</a:t>
+            </a:r>
+            <a:endParaRPr lang="en-US" dirty="0">
+              <a:solidFill>
+                <a:srgbClr val="C1CD23"/>
+              </a:solidFill>
+            </a:endParaRPr>
+          </a:p>
+        </p:txBody>
+      </p:sp>
     </p:spTree>
     <p:extLst>
       <p:ext uri="{BB962C8B-B14F-4D97-AF65-F5344CB8AC3E}">
@@ -12733,6 +13248,71 @@
           </a:fontRef>
         </p:style>
       </p:cxnSp>
+      <p:sp>
+        <p:nvSpPr>
+          <p:cNvPr id="3" name="Slide Number Placeholder 2">
+            <a:extLst>
+              <a:ext uri="{FF2B5EF4-FFF2-40B4-BE49-F238E27FC236}">
+                <a16:creationId xmlns:a16="http://schemas.microsoft.com/office/drawing/2014/main" id="{36CB0DB9-D6F8-48A2-8EBC-EB2696E4CCE7}"/>
+              </a:ext>
+            </a:extLst>
+          </p:cNvPr>
+          <p:cNvSpPr>
+            <a:spLocks noGrp="1"/>
+          </p:cNvSpPr>
+          <p:nvPr>
+            <p:ph type="sldNum" sz="quarter" idx="4"/>
+          </p:nvPr>
+        </p:nvSpPr>
+        <p:spPr/>
+        <p:txBody>
+          <a:bodyPr/>
+          <a:lstStyle/>
+          <a:p>
+            <a:r>
+              <a:rPr lang="en-US">
+                <a:solidFill>
+                  <a:srgbClr val="C1CD23"/>
+                </a:solidFill>
+              </a:rPr>
+              <a:t>|</a:t>
+            </a:r>
+            <a:r>
+              <a:rPr lang="en-US"/>
+              <a:t> </a:t>
+            </a:r>
+            <a:fld id="{295008BC-DA31-4D19-837B-EFA4386B05F5}" type="slidenum">
+              <a:rPr lang="en-US" smtClean="0">
+                <a:solidFill>
+                  <a:schemeClr val="tx1">
+                    <a:lumMod val="50000"/>
+                    <a:lumOff val="50000"/>
+                  </a:schemeClr>
+                </a:solidFill>
+              </a:rPr>
+              <a:pPr/>
+              <a:t>19</a:t>
+            </a:fld>
+            <a:r>
+              <a:rPr lang="en-US"/>
+              <a:t> </a:t>
+            </a:r>
+            <a:r>
+              <a:rPr lang="en-US">
+                <a:solidFill>
+                  <a:srgbClr val="C1CD23"/>
+                </a:solidFill>
+              </a:rPr>
+              <a:t>|</a:t>
+            </a:r>
+            <a:endParaRPr lang="en-US" dirty="0">
+              <a:solidFill>
+                <a:srgbClr val="C1CD23"/>
+              </a:solidFill>
+            </a:endParaRPr>
+          </a:p>
+        </p:txBody>
+      </p:sp>
     </p:spTree>
     <p:extLst>
       <p:ext uri="{BB962C8B-B14F-4D97-AF65-F5344CB8AC3E}">
@@ -12878,6 +13458,71 @@
               <a:rPr lang="en-US" dirty="0"/>
               <a:t>CVE ID Expiration</a:t>
             </a:r>
+          </a:p>
+        </p:txBody>
+      </p:sp>
+      <p:sp>
+        <p:nvSpPr>
+          <p:cNvPr id="4" name="Slide Number Placeholder 3">
+            <a:extLst>
+              <a:ext uri="{FF2B5EF4-FFF2-40B4-BE49-F238E27FC236}">
+                <a16:creationId xmlns:a16="http://schemas.microsoft.com/office/drawing/2014/main" id="{44B342C0-ACAF-47A5-AAC8-D1BAC97A4A97}"/>
+              </a:ext>
+            </a:extLst>
+          </p:cNvPr>
+          <p:cNvSpPr>
+            <a:spLocks noGrp="1"/>
+          </p:cNvSpPr>
+          <p:nvPr>
+            <p:ph type="sldNum" sz="quarter" idx="4"/>
+          </p:nvPr>
+        </p:nvSpPr>
+        <p:spPr/>
+        <p:txBody>
+          <a:bodyPr/>
+          <a:lstStyle/>
+          <a:p>
+            <a:r>
+              <a:rPr lang="en-US">
+                <a:solidFill>
+                  <a:srgbClr val="C1CD23"/>
+                </a:solidFill>
+              </a:rPr>
+              <a:t>|</a:t>
+            </a:r>
+            <a:r>
+              <a:rPr lang="en-US"/>
+              <a:t> </a:t>
+            </a:r>
+            <a:fld id="{295008BC-DA31-4D19-837B-EFA4386B05F5}" type="slidenum">
+              <a:rPr lang="en-US" smtClean="0">
+                <a:solidFill>
+                  <a:schemeClr val="tx1">
+                    <a:lumMod val="50000"/>
+                    <a:lumOff val="50000"/>
+                  </a:schemeClr>
+                </a:solidFill>
+              </a:rPr>
+              <a:pPr/>
+              <a:t>2</a:t>
+            </a:fld>
+            <a:r>
+              <a:rPr lang="en-US"/>
+              <a:t> </a:t>
+            </a:r>
+            <a:r>
+              <a:rPr lang="en-US">
+                <a:solidFill>
+                  <a:srgbClr val="C1CD23"/>
+                </a:solidFill>
+              </a:rPr>
+              <a:t>|</a:t>
+            </a:r>
+            <a:endParaRPr lang="en-US" dirty="0">
+              <a:solidFill>
+                <a:srgbClr val="C1CD23"/>
+              </a:solidFill>
+            </a:endParaRPr>
           </a:p>
         </p:txBody>
       </p:sp>
@@ -14658,6 +15303,71 @@
           </a:fontRef>
         </p:style>
       </p:cxnSp>
+      <p:sp>
+        <p:nvSpPr>
+          <p:cNvPr id="3" name="Slide Number Placeholder 2">
+            <a:extLst>
+              <a:ext uri="{FF2B5EF4-FFF2-40B4-BE49-F238E27FC236}">
+                <a16:creationId xmlns:a16="http://schemas.microsoft.com/office/drawing/2014/main" id="{C60E015C-184D-4216-B98D-D4D87DDDC17E}"/>
+              </a:ext>
+            </a:extLst>
+          </p:cNvPr>
+          <p:cNvSpPr>
+            <a:spLocks noGrp="1"/>
+          </p:cNvSpPr>
+          <p:nvPr>
+            <p:ph type="sldNum" sz="quarter" idx="4"/>
+          </p:nvPr>
+        </p:nvSpPr>
+        <p:spPr/>
+        <p:txBody>
+          <a:bodyPr/>
+          <a:lstStyle/>
+          <a:p>
+            <a:r>
+              <a:rPr lang="en-US">
+                <a:solidFill>
+                  <a:srgbClr val="C1CD23"/>
+                </a:solidFill>
+              </a:rPr>
+              <a:t>|</a:t>
+            </a:r>
+            <a:r>
+              <a:rPr lang="en-US"/>
+              <a:t> </a:t>
+            </a:r>
+            <a:fld id="{295008BC-DA31-4D19-837B-EFA4386B05F5}" type="slidenum">
+              <a:rPr lang="en-US" smtClean="0">
+                <a:solidFill>
+                  <a:schemeClr val="tx1">
+                    <a:lumMod val="50000"/>
+                    <a:lumOff val="50000"/>
+                  </a:schemeClr>
+                </a:solidFill>
+              </a:rPr>
+              <a:pPr/>
+              <a:t>20</a:t>
+            </a:fld>
+            <a:r>
+              <a:rPr lang="en-US"/>
+              <a:t> </a:t>
+            </a:r>
+            <a:r>
+              <a:rPr lang="en-US">
+                <a:solidFill>
+                  <a:srgbClr val="C1CD23"/>
+                </a:solidFill>
+              </a:rPr>
+              <a:t>|</a:t>
+            </a:r>
+            <a:endParaRPr lang="en-US" dirty="0">
+              <a:solidFill>
+                <a:srgbClr val="C1CD23"/>
+              </a:solidFill>
+            </a:endParaRPr>
+          </a:p>
+        </p:txBody>
+      </p:sp>
     </p:spTree>
     <p:extLst>
       <p:ext uri="{BB962C8B-B14F-4D97-AF65-F5344CB8AC3E}">
@@ -16784,6 +17494,71 @@
           </a:p>
         </p:txBody>
       </p:sp>
+      <p:sp>
+        <p:nvSpPr>
+          <p:cNvPr id="3" name="Slide Number Placeholder 2">
+            <a:extLst>
+              <a:ext uri="{FF2B5EF4-FFF2-40B4-BE49-F238E27FC236}">
+                <a16:creationId xmlns:a16="http://schemas.microsoft.com/office/drawing/2014/main" id="{4DFCC720-7582-4645-A27E-E70D049FB517}"/>
+              </a:ext>
+            </a:extLst>
+          </p:cNvPr>
+          <p:cNvSpPr>
+            <a:spLocks noGrp="1"/>
+          </p:cNvSpPr>
+          <p:nvPr>
+            <p:ph type="sldNum" sz="quarter" idx="4"/>
+          </p:nvPr>
+        </p:nvSpPr>
+        <p:spPr/>
+        <p:txBody>
+          <a:bodyPr/>
+          <a:lstStyle/>
+          <a:p>
+            <a:r>
+              <a:rPr lang="en-US">
+                <a:solidFill>
+                  <a:srgbClr val="C1CD23"/>
+                </a:solidFill>
+              </a:rPr>
+              <a:t>|</a:t>
+            </a:r>
+            <a:r>
+              <a:rPr lang="en-US"/>
+              <a:t> </a:t>
+            </a:r>
+            <a:fld id="{295008BC-DA31-4D19-837B-EFA4386B05F5}" type="slidenum">
+              <a:rPr lang="en-US" smtClean="0">
+                <a:solidFill>
+                  <a:schemeClr val="tx1">
+                    <a:lumMod val="50000"/>
+                    <a:lumOff val="50000"/>
+                  </a:schemeClr>
+                </a:solidFill>
+              </a:rPr>
+              <a:pPr/>
+              <a:t>21</a:t>
+            </a:fld>
+            <a:r>
+              <a:rPr lang="en-US"/>
+              <a:t> </a:t>
+            </a:r>
+            <a:r>
+              <a:rPr lang="en-US">
+                <a:solidFill>
+                  <a:srgbClr val="C1CD23"/>
+                </a:solidFill>
+              </a:rPr>
+              <a:t>|</a:t>
+            </a:r>
+            <a:endParaRPr lang="en-US" dirty="0">
+              <a:solidFill>
+                <a:srgbClr val="C1CD23"/>
+              </a:solidFill>
+            </a:endParaRPr>
+          </a:p>
+        </p:txBody>
+      </p:sp>
     </p:spTree>
     <p:extLst>
       <p:ext uri="{BB962C8B-B14F-4D97-AF65-F5344CB8AC3E}">
@@ -17727,6 +18502,71 @@
           </a:fontRef>
         </p:style>
       </p:cxnSp>
+      <p:sp>
+        <p:nvSpPr>
+          <p:cNvPr id="3" name="Slide Number Placeholder 2">
+            <a:extLst>
+              <a:ext uri="{FF2B5EF4-FFF2-40B4-BE49-F238E27FC236}">
+                <a16:creationId xmlns:a16="http://schemas.microsoft.com/office/drawing/2014/main" id="{1154737E-C002-4EE5-8A20-8C70A8EC286A}"/>
+              </a:ext>
+            </a:extLst>
+          </p:cNvPr>
+          <p:cNvSpPr>
+            <a:spLocks noGrp="1"/>
+          </p:cNvSpPr>
+          <p:nvPr>
+            <p:ph type="sldNum" sz="quarter" idx="4"/>
+          </p:nvPr>
+        </p:nvSpPr>
+        <p:spPr/>
+        <p:txBody>
+          <a:bodyPr/>
+          <a:lstStyle/>
+          <a:p>
+            <a:r>
+              <a:rPr lang="en-US">
+                <a:solidFill>
+                  <a:srgbClr val="C1CD23"/>
+                </a:solidFill>
+              </a:rPr>
+              <a:t>|</a:t>
+            </a:r>
+            <a:r>
+              <a:rPr lang="en-US"/>
+              <a:t> </a:t>
+            </a:r>
+            <a:fld id="{295008BC-DA31-4D19-837B-EFA4386B05F5}" type="slidenum">
+              <a:rPr lang="en-US" smtClean="0">
+                <a:solidFill>
+                  <a:schemeClr val="tx1">
+                    <a:lumMod val="50000"/>
+                    <a:lumOff val="50000"/>
+                  </a:schemeClr>
+                </a:solidFill>
+              </a:rPr>
+              <a:pPr/>
+              <a:t>22</a:t>
+            </a:fld>
+            <a:r>
+              <a:rPr lang="en-US"/>
+              <a:t> </a:t>
+            </a:r>
+            <a:r>
+              <a:rPr lang="en-US">
+                <a:solidFill>
+                  <a:srgbClr val="C1CD23"/>
+                </a:solidFill>
+              </a:rPr>
+              <a:t>|</a:t>
+            </a:r>
+            <a:endParaRPr lang="en-US" dirty="0">
+              <a:solidFill>
+                <a:srgbClr val="C1CD23"/>
+              </a:solidFill>
+            </a:endParaRPr>
+          </a:p>
+        </p:txBody>
+      </p:sp>
     </p:spTree>
     <p:extLst>
       <p:ext uri="{BB962C8B-B14F-4D97-AF65-F5344CB8AC3E}">
@@ -17981,6 +18821,71 @@
           </a:fontRef>
         </p:style>
       </p:cxnSp>
+      <p:sp>
+        <p:nvSpPr>
+          <p:cNvPr id="3" name="Slide Number Placeholder 2">
+            <a:extLst>
+              <a:ext uri="{FF2B5EF4-FFF2-40B4-BE49-F238E27FC236}">
+                <a16:creationId xmlns:a16="http://schemas.microsoft.com/office/drawing/2014/main" id="{39A02690-0F81-44B9-B1A2-AAFE59A1A1DE}"/>
+              </a:ext>
+            </a:extLst>
+          </p:cNvPr>
+          <p:cNvSpPr>
+            <a:spLocks noGrp="1"/>
+          </p:cNvSpPr>
+          <p:nvPr>
+            <p:ph type="sldNum" sz="quarter" idx="4"/>
+          </p:nvPr>
+        </p:nvSpPr>
+        <p:spPr/>
+        <p:txBody>
+          <a:bodyPr/>
+          <a:lstStyle/>
+          <a:p>
+            <a:r>
+              <a:rPr lang="en-US">
+                <a:solidFill>
+                  <a:srgbClr val="C1CD23"/>
+                </a:solidFill>
+              </a:rPr>
+              <a:t>|</a:t>
+            </a:r>
+            <a:r>
+              <a:rPr lang="en-US"/>
+              <a:t> </a:t>
+            </a:r>
+            <a:fld id="{295008BC-DA31-4D19-837B-EFA4386B05F5}" type="slidenum">
+              <a:rPr lang="en-US" smtClean="0">
+                <a:solidFill>
+                  <a:schemeClr val="tx1">
+                    <a:lumMod val="50000"/>
+                    <a:lumOff val="50000"/>
+                  </a:schemeClr>
+                </a:solidFill>
+              </a:rPr>
+              <a:pPr/>
+              <a:t>23</a:t>
+            </a:fld>
+            <a:r>
+              <a:rPr lang="en-US"/>
+              <a:t> </a:t>
+            </a:r>
+            <a:r>
+              <a:rPr lang="en-US">
+                <a:solidFill>
+                  <a:srgbClr val="C1CD23"/>
+                </a:solidFill>
+              </a:rPr>
+              <a:t>|</a:t>
+            </a:r>
+            <a:endParaRPr lang="en-US" dirty="0">
+              <a:solidFill>
+                <a:srgbClr val="C1CD23"/>
+              </a:solidFill>
+            </a:endParaRPr>
+          </a:p>
+        </p:txBody>
+      </p:sp>
     </p:spTree>
     <p:extLst>
       <p:ext uri="{BB962C8B-B14F-4D97-AF65-F5344CB8AC3E}">
@@ -18408,6 +19313,71 @@
           </a:p>
         </p:txBody>
       </p:sp>
+      <p:sp>
+        <p:nvSpPr>
+          <p:cNvPr id="3" name="Slide Number Placeholder 2">
+            <a:extLst>
+              <a:ext uri="{FF2B5EF4-FFF2-40B4-BE49-F238E27FC236}">
+                <a16:creationId xmlns:a16="http://schemas.microsoft.com/office/drawing/2014/main" id="{A08A0A88-375F-4FA4-8A98-A283796ABC3C}"/>
+              </a:ext>
+            </a:extLst>
+          </p:cNvPr>
+          <p:cNvSpPr>
+            <a:spLocks noGrp="1"/>
+          </p:cNvSpPr>
+          <p:nvPr>
+            <p:ph type="sldNum" sz="quarter" idx="4"/>
+          </p:nvPr>
+        </p:nvSpPr>
+        <p:spPr/>
+        <p:txBody>
+          <a:bodyPr/>
+          <a:lstStyle/>
+          <a:p>
+            <a:r>
+              <a:rPr lang="en-US">
+                <a:solidFill>
+                  <a:srgbClr val="C1CD23"/>
+                </a:solidFill>
+              </a:rPr>
+              <a:t>|</a:t>
+            </a:r>
+            <a:r>
+              <a:rPr lang="en-US"/>
+              <a:t> </a:t>
+            </a:r>
+            <a:fld id="{295008BC-DA31-4D19-837B-EFA4386B05F5}" type="slidenum">
+              <a:rPr lang="en-US" smtClean="0">
+                <a:solidFill>
+                  <a:schemeClr val="tx1">
+                    <a:lumMod val="50000"/>
+                    <a:lumOff val="50000"/>
+                  </a:schemeClr>
+                </a:solidFill>
+              </a:rPr>
+              <a:pPr/>
+              <a:t>25</a:t>
+            </a:fld>
+            <a:r>
+              <a:rPr lang="en-US"/>
+              <a:t> </a:t>
+            </a:r>
+            <a:r>
+              <a:rPr lang="en-US">
+                <a:solidFill>
+                  <a:srgbClr val="C1CD23"/>
+                </a:solidFill>
+              </a:rPr>
+              <a:t>|</a:t>
+            </a:r>
+            <a:endParaRPr lang="en-US" dirty="0">
+              <a:solidFill>
+                <a:srgbClr val="C1CD23"/>
+              </a:solidFill>
+            </a:endParaRPr>
+          </a:p>
+        </p:txBody>
+      </p:sp>
     </p:spTree>
     <p:extLst>
       <p:ext uri="{BB962C8B-B14F-4D97-AF65-F5344CB8AC3E}">
@@ -18676,6 +19646,71 @@
           </a:fontRef>
         </p:style>
       </p:cxnSp>
+      <p:sp>
+        <p:nvSpPr>
+          <p:cNvPr id="3" name="Slide Number Placeholder 2">
+            <a:extLst>
+              <a:ext uri="{FF2B5EF4-FFF2-40B4-BE49-F238E27FC236}">
+                <a16:creationId xmlns:a16="http://schemas.microsoft.com/office/drawing/2014/main" id="{44422653-0D2A-4B91-92E0-C638859951DD}"/>
+              </a:ext>
+            </a:extLst>
+          </p:cNvPr>
+          <p:cNvSpPr>
+            <a:spLocks noGrp="1"/>
+          </p:cNvSpPr>
+          <p:nvPr>
+            <p:ph type="sldNum" sz="quarter" idx="4"/>
+          </p:nvPr>
+        </p:nvSpPr>
+        <p:spPr/>
+        <p:txBody>
+          <a:bodyPr/>
+          <a:lstStyle/>
+          <a:p>
+            <a:r>
+              <a:rPr lang="en-US">
+                <a:solidFill>
+                  <a:srgbClr val="C1CD23"/>
+                </a:solidFill>
+              </a:rPr>
+              <a:t>|</a:t>
+            </a:r>
+            <a:r>
+              <a:rPr lang="en-US"/>
+              <a:t> </a:t>
+            </a:r>
+            <a:fld id="{295008BC-DA31-4D19-837B-EFA4386B05F5}" type="slidenum">
+              <a:rPr lang="en-US" smtClean="0">
+                <a:solidFill>
+                  <a:schemeClr val="tx1">
+                    <a:lumMod val="50000"/>
+                    <a:lumOff val="50000"/>
+                  </a:schemeClr>
+                </a:solidFill>
+              </a:rPr>
+              <a:pPr/>
+              <a:t>26</a:t>
+            </a:fld>
+            <a:r>
+              <a:rPr lang="en-US"/>
+              <a:t> </a:t>
+            </a:r>
+            <a:r>
+              <a:rPr lang="en-US">
+                <a:solidFill>
+                  <a:srgbClr val="C1CD23"/>
+                </a:solidFill>
+              </a:rPr>
+              <a:t>|</a:t>
+            </a:r>
+            <a:endParaRPr lang="en-US" dirty="0">
+              <a:solidFill>
+                <a:srgbClr val="C1CD23"/>
+              </a:solidFill>
+            </a:endParaRPr>
+          </a:p>
+        </p:txBody>
+      </p:sp>
     </p:spTree>
     <p:extLst>
       <p:ext uri="{BB962C8B-B14F-4D97-AF65-F5344CB8AC3E}">
@@ -18944,6 +19979,71 @@
               </a:rPr>
               <a:t>…</a:t>
             </a:r>
+          </a:p>
+        </p:txBody>
+      </p:sp>
+      <p:sp>
+        <p:nvSpPr>
+          <p:cNvPr id="3" name="Slide Number Placeholder 2">
+            <a:extLst>
+              <a:ext uri="{FF2B5EF4-FFF2-40B4-BE49-F238E27FC236}">
+                <a16:creationId xmlns:a16="http://schemas.microsoft.com/office/drawing/2014/main" id="{96042ABD-F230-484D-A1CA-F5C12DF915CE}"/>
+              </a:ext>
+            </a:extLst>
+          </p:cNvPr>
+          <p:cNvSpPr>
+            <a:spLocks noGrp="1"/>
+          </p:cNvSpPr>
+          <p:nvPr>
+            <p:ph type="sldNum" sz="quarter" idx="4"/>
+          </p:nvPr>
+        </p:nvSpPr>
+        <p:spPr/>
+        <p:txBody>
+          <a:bodyPr/>
+          <a:lstStyle/>
+          <a:p>
+            <a:r>
+              <a:rPr lang="en-US">
+                <a:solidFill>
+                  <a:srgbClr val="C1CD23"/>
+                </a:solidFill>
+              </a:rPr>
+              <a:t>|</a:t>
+            </a:r>
+            <a:r>
+              <a:rPr lang="en-US"/>
+              <a:t> </a:t>
+            </a:r>
+            <a:fld id="{295008BC-DA31-4D19-837B-EFA4386B05F5}" type="slidenum">
+              <a:rPr lang="en-US" smtClean="0">
+                <a:solidFill>
+                  <a:schemeClr val="tx1">
+                    <a:lumMod val="50000"/>
+                    <a:lumOff val="50000"/>
+                  </a:schemeClr>
+                </a:solidFill>
+              </a:rPr>
+              <a:pPr/>
+              <a:t>27</a:t>
+            </a:fld>
+            <a:r>
+              <a:rPr lang="en-US"/>
+              <a:t> </a:t>
+            </a:r>
+            <a:r>
+              <a:rPr lang="en-US">
+                <a:solidFill>
+                  <a:srgbClr val="C1CD23"/>
+                </a:solidFill>
+              </a:rPr>
+              <a:t>|</a:t>
+            </a:r>
+            <a:endParaRPr lang="en-US" dirty="0">
+              <a:solidFill>
+                <a:srgbClr val="C1CD23"/>
+              </a:solidFill>
+            </a:endParaRPr>
           </a:p>
         </p:txBody>
       </p:sp>
@@ -19244,6 +20344,71 @@
           </p:txBody>
         </p:sp>
       </p:grpSp>
+      <p:sp>
+        <p:nvSpPr>
+          <p:cNvPr id="6" name="Slide Number Placeholder 5">
+            <a:extLst>
+              <a:ext uri="{FF2B5EF4-FFF2-40B4-BE49-F238E27FC236}">
+                <a16:creationId xmlns:a16="http://schemas.microsoft.com/office/drawing/2014/main" id="{17EF86C5-40EF-471F-A154-FD9B5A37F00D}"/>
+              </a:ext>
+            </a:extLst>
+          </p:cNvPr>
+          <p:cNvSpPr>
+            <a:spLocks noGrp="1"/>
+          </p:cNvSpPr>
+          <p:nvPr>
+            <p:ph type="sldNum" sz="quarter" idx="4"/>
+          </p:nvPr>
+        </p:nvSpPr>
+        <p:spPr/>
+        <p:txBody>
+          <a:bodyPr/>
+          <a:lstStyle/>
+          <a:p>
+            <a:r>
+              <a:rPr lang="en-US">
+                <a:solidFill>
+                  <a:srgbClr val="C1CD23"/>
+                </a:solidFill>
+              </a:rPr>
+              <a:t>|</a:t>
+            </a:r>
+            <a:r>
+              <a:rPr lang="en-US"/>
+              <a:t> </a:t>
+            </a:r>
+            <a:fld id="{295008BC-DA31-4D19-837B-EFA4386B05F5}" type="slidenum">
+              <a:rPr lang="en-US" smtClean="0">
+                <a:solidFill>
+                  <a:schemeClr val="tx1">
+                    <a:lumMod val="50000"/>
+                    <a:lumOff val="50000"/>
+                  </a:schemeClr>
+                </a:solidFill>
+              </a:rPr>
+              <a:pPr/>
+              <a:t>28</a:t>
+            </a:fld>
+            <a:r>
+              <a:rPr lang="en-US"/>
+              <a:t> </a:t>
+            </a:r>
+            <a:r>
+              <a:rPr lang="en-US">
+                <a:solidFill>
+                  <a:srgbClr val="C1CD23"/>
+                </a:solidFill>
+              </a:rPr>
+              <a:t>|</a:t>
+            </a:r>
+            <a:endParaRPr lang="en-US" dirty="0">
+              <a:solidFill>
+                <a:srgbClr val="C1CD23"/>
+              </a:solidFill>
+            </a:endParaRPr>
+          </a:p>
+        </p:txBody>
+      </p:sp>
     </p:spTree>
     <p:extLst>
       <p:ext uri="{BB962C8B-B14F-4D97-AF65-F5344CB8AC3E}">
@@ -19893,6 +21058,71 @@
           </a:p>
         </p:txBody>
       </p:sp>
+      <p:sp>
+        <p:nvSpPr>
+          <p:cNvPr id="3" name="Slide Number Placeholder 2">
+            <a:extLst>
+              <a:ext uri="{FF2B5EF4-FFF2-40B4-BE49-F238E27FC236}">
+                <a16:creationId xmlns:a16="http://schemas.microsoft.com/office/drawing/2014/main" id="{A84DC9E5-EDA8-45C1-B99C-B8ECE70DD080}"/>
+              </a:ext>
+            </a:extLst>
+          </p:cNvPr>
+          <p:cNvSpPr>
+            <a:spLocks noGrp="1"/>
+          </p:cNvSpPr>
+          <p:nvPr>
+            <p:ph type="sldNum" sz="quarter" idx="4"/>
+          </p:nvPr>
+        </p:nvSpPr>
+        <p:spPr/>
+        <p:txBody>
+          <a:bodyPr/>
+          <a:lstStyle/>
+          <a:p>
+            <a:r>
+              <a:rPr lang="en-US">
+                <a:solidFill>
+                  <a:srgbClr val="C1CD23"/>
+                </a:solidFill>
+              </a:rPr>
+              <a:t>|</a:t>
+            </a:r>
+            <a:r>
+              <a:rPr lang="en-US"/>
+              <a:t> </a:t>
+            </a:r>
+            <a:fld id="{295008BC-DA31-4D19-837B-EFA4386B05F5}" type="slidenum">
+              <a:rPr lang="en-US" smtClean="0">
+                <a:solidFill>
+                  <a:schemeClr val="tx1">
+                    <a:lumMod val="50000"/>
+                    <a:lumOff val="50000"/>
+                  </a:schemeClr>
+                </a:solidFill>
+              </a:rPr>
+              <a:pPr/>
+              <a:t>29</a:t>
+            </a:fld>
+            <a:r>
+              <a:rPr lang="en-US"/>
+              <a:t> </a:t>
+            </a:r>
+            <a:r>
+              <a:rPr lang="en-US">
+                <a:solidFill>
+                  <a:srgbClr val="C1CD23"/>
+                </a:solidFill>
+              </a:rPr>
+              <a:t>|</a:t>
+            </a:r>
+            <a:endParaRPr lang="en-US" dirty="0">
+              <a:solidFill>
+                <a:srgbClr val="C1CD23"/>
+              </a:solidFill>
+            </a:endParaRPr>
+          </a:p>
+        </p:txBody>
+      </p:sp>
     </p:spTree>
     <p:extLst>
       <p:ext uri="{BB962C8B-B14F-4D97-AF65-F5344CB8AC3E}">
@@ -20014,6 +21244,71 @@
           </a:p>
           <a:p>
             <a:endParaRPr lang="en-US" dirty="0"/>
+          </a:p>
+        </p:txBody>
+      </p:sp>
+      <p:sp>
+        <p:nvSpPr>
+          <p:cNvPr id="4" name="Slide Number Placeholder 3">
+            <a:extLst>
+              <a:ext uri="{FF2B5EF4-FFF2-40B4-BE49-F238E27FC236}">
+                <a16:creationId xmlns:a16="http://schemas.microsoft.com/office/drawing/2014/main" id="{1FD78E80-405E-4059-8F5D-1E419ED8AD4B}"/>
+              </a:ext>
+            </a:extLst>
+          </p:cNvPr>
+          <p:cNvSpPr>
+            <a:spLocks noGrp="1"/>
+          </p:cNvSpPr>
+          <p:nvPr>
+            <p:ph type="sldNum" sz="quarter" idx="4"/>
+          </p:nvPr>
+        </p:nvSpPr>
+        <p:spPr/>
+        <p:txBody>
+          <a:bodyPr/>
+          <a:lstStyle/>
+          <a:p>
+            <a:r>
+              <a:rPr lang="en-US">
+                <a:solidFill>
+                  <a:srgbClr val="C1CD23"/>
+                </a:solidFill>
+              </a:rPr>
+              <a:t>|</a:t>
+            </a:r>
+            <a:r>
+              <a:rPr lang="en-US"/>
+              <a:t> </a:t>
+            </a:r>
+            <a:fld id="{295008BC-DA31-4D19-837B-EFA4386B05F5}" type="slidenum">
+              <a:rPr lang="en-US" smtClean="0">
+                <a:solidFill>
+                  <a:schemeClr val="tx1">
+                    <a:lumMod val="50000"/>
+                    <a:lumOff val="50000"/>
+                  </a:schemeClr>
+                </a:solidFill>
+              </a:rPr>
+              <a:pPr/>
+              <a:t>3</a:t>
+            </a:fld>
+            <a:r>
+              <a:rPr lang="en-US"/>
+              <a:t> </a:t>
+            </a:r>
+            <a:r>
+              <a:rPr lang="en-US">
+                <a:solidFill>
+                  <a:srgbClr val="C1CD23"/>
+                </a:solidFill>
+              </a:rPr>
+              <a:t>|</a:t>
+            </a:r>
+            <a:endParaRPr lang="en-US" dirty="0">
+              <a:solidFill>
+                <a:srgbClr val="C1CD23"/>
+              </a:solidFill>
+            </a:endParaRPr>
           </a:p>
         </p:txBody>
       </p:sp>
@@ -20273,6 +21568,71 @@
               </a:rPr>
               <a:t>…</a:t>
             </a:r>
+          </a:p>
+        </p:txBody>
+      </p:sp>
+      <p:sp>
+        <p:nvSpPr>
+          <p:cNvPr id="3" name="Slide Number Placeholder 2">
+            <a:extLst>
+              <a:ext uri="{FF2B5EF4-FFF2-40B4-BE49-F238E27FC236}">
+                <a16:creationId xmlns:a16="http://schemas.microsoft.com/office/drawing/2014/main" id="{02CB3F28-0AA5-4666-ABDF-4467723AEE67}"/>
+              </a:ext>
+            </a:extLst>
+          </p:cNvPr>
+          <p:cNvSpPr>
+            <a:spLocks noGrp="1"/>
+          </p:cNvSpPr>
+          <p:nvPr>
+            <p:ph type="sldNum" sz="quarter" idx="4"/>
+          </p:nvPr>
+        </p:nvSpPr>
+        <p:spPr/>
+        <p:txBody>
+          <a:bodyPr/>
+          <a:lstStyle/>
+          <a:p>
+            <a:r>
+              <a:rPr lang="en-US">
+                <a:solidFill>
+                  <a:srgbClr val="C1CD23"/>
+                </a:solidFill>
+              </a:rPr>
+              <a:t>|</a:t>
+            </a:r>
+            <a:r>
+              <a:rPr lang="en-US"/>
+              <a:t> </a:t>
+            </a:r>
+            <a:fld id="{295008BC-DA31-4D19-837B-EFA4386B05F5}" type="slidenum">
+              <a:rPr lang="en-US" smtClean="0">
+                <a:solidFill>
+                  <a:schemeClr val="tx1">
+                    <a:lumMod val="50000"/>
+                    <a:lumOff val="50000"/>
+                  </a:schemeClr>
+                </a:solidFill>
+              </a:rPr>
+              <a:pPr/>
+              <a:t>30</a:t>
+            </a:fld>
+            <a:r>
+              <a:rPr lang="en-US"/>
+              <a:t> </a:t>
+            </a:r>
+            <a:r>
+              <a:rPr lang="en-US">
+                <a:solidFill>
+                  <a:srgbClr val="C1CD23"/>
+                </a:solidFill>
+              </a:rPr>
+              <a:t>|</a:t>
+            </a:r>
+            <a:endParaRPr lang="en-US" dirty="0">
+              <a:solidFill>
+                <a:srgbClr val="C1CD23"/>
+              </a:solidFill>
+            </a:endParaRPr>
           </a:p>
         </p:txBody>
       </p:sp>
@@ -20890,6 +22250,71 @@
           </p:txBody>
         </p:sp>
       </p:grpSp>
+      <p:sp>
+        <p:nvSpPr>
+          <p:cNvPr id="5" name="Slide Number Placeholder 4">
+            <a:extLst>
+              <a:ext uri="{FF2B5EF4-FFF2-40B4-BE49-F238E27FC236}">
+                <a16:creationId xmlns:a16="http://schemas.microsoft.com/office/drawing/2014/main" id="{1799BF40-3D18-4321-BA63-E8110894912D}"/>
+              </a:ext>
+            </a:extLst>
+          </p:cNvPr>
+          <p:cNvSpPr>
+            <a:spLocks noGrp="1"/>
+          </p:cNvSpPr>
+          <p:nvPr>
+            <p:ph type="sldNum" sz="quarter" idx="4"/>
+          </p:nvPr>
+        </p:nvSpPr>
+        <p:spPr/>
+        <p:txBody>
+          <a:bodyPr/>
+          <a:lstStyle/>
+          <a:p>
+            <a:r>
+              <a:rPr lang="en-US">
+                <a:solidFill>
+                  <a:srgbClr val="C1CD23"/>
+                </a:solidFill>
+              </a:rPr>
+              <a:t>|</a:t>
+            </a:r>
+            <a:r>
+              <a:rPr lang="en-US"/>
+              <a:t> </a:t>
+            </a:r>
+            <a:fld id="{295008BC-DA31-4D19-837B-EFA4386B05F5}" type="slidenum">
+              <a:rPr lang="en-US" smtClean="0">
+                <a:solidFill>
+                  <a:schemeClr val="tx1">
+                    <a:lumMod val="50000"/>
+                    <a:lumOff val="50000"/>
+                  </a:schemeClr>
+                </a:solidFill>
+              </a:rPr>
+              <a:pPr/>
+              <a:t>33</a:t>
+            </a:fld>
+            <a:r>
+              <a:rPr lang="en-US"/>
+              <a:t> </a:t>
+            </a:r>
+            <a:r>
+              <a:rPr lang="en-US">
+                <a:solidFill>
+                  <a:srgbClr val="C1CD23"/>
+                </a:solidFill>
+              </a:rPr>
+              <a:t>|</a:t>
+            </a:r>
+            <a:endParaRPr lang="en-US" dirty="0">
+              <a:solidFill>
+                <a:srgbClr val="C1CD23"/>
+              </a:solidFill>
+            </a:endParaRPr>
+          </a:p>
+        </p:txBody>
+      </p:sp>
     </p:spTree>
     <p:extLst>
       <p:ext uri="{BB962C8B-B14F-4D97-AF65-F5344CB8AC3E}">
@@ -21629,6 +23054,71 @@
           </a:p>
         </p:txBody>
       </p:sp>
+      <p:sp>
+        <p:nvSpPr>
+          <p:cNvPr id="3" name="Slide Number Placeholder 2">
+            <a:extLst>
+              <a:ext uri="{FF2B5EF4-FFF2-40B4-BE49-F238E27FC236}">
+                <a16:creationId xmlns:a16="http://schemas.microsoft.com/office/drawing/2014/main" id="{614D9F52-10CD-4C90-9479-2C85243DA689}"/>
+              </a:ext>
+            </a:extLst>
+          </p:cNvPr>
+          <p:cNvSpPr>
+            <a:spLocks noGrp="1"/>
+          </p:cNvSpPr>
+          <p:nvPr>
+            <p:ph type="sldNum" sz="quarter" idx="4"/>
+          </p:nvPr>
+        </p:nvSpPr>
+        <p:spPr/>
+        <p:txBody>
+          <a:bodyPr/>
+          <a:lstStyle/>
+          <a:p>
+            <a:r>
+              <a:rPr lang="en-US">
+                <a:solidFill>
+                  <a:srgbClr val="C1CD23"/>
+                </a:solidFill>
+              </a:rPr>
+              <a:t>|</a:t>
+            </a:r>
+            <a:r>
+              <a:rPr lang="en-US"/>
+              <a:t> </a:t>
+            </a:r>
+            <a:fld id="{295008BC-DA31-4D19-837B-EFA4386B05F5}" type="slidenum">
+              <a:rPr lang="en-US" smtClean="0">
+                <a:solidFill>
+                  <a:schemeClr val="tx1">
+                    <a:lumMod val="50000"/>
+                    <a:lumOff val="50000"/>
+                  </a:schemeClr>
+                </a:solidFill>
+              </a:rPr>
+              <a:pPr/>
+              <a:t>34</a:t>
+            </a:fld>
+            <a:r>
+              <a:rPr lang="en-US"/>
+              <a:t> </a:t>
+            </a:r>
+            <a:r>
+              <a:rPr lang="en-US">
+                <a:solidFill>
+                  <a:srgbClr val="C1CD23"/>
+                </a:solidFill>
+              </a:rPr>
+              <a:t>|</a:t>
+            </a:r>
+            <a:endParaRPr lang="en-US" dirty="0">
+              <a:solidFill>
+                <a:srgbClr val="C1CD23"/>
+              </a:solidFill>
+            </a:endParaRPr>
+          </a:p>
+        </p:txBody>
+      </p:sp>
     </p:spTree>
     <p:extLst>
       <p:ext uri="{BB962C8B-B14F-4D97-AF65-F5344CB8AC3E}">
@@ -21903,6 +23393,71 @@
           </p:txBody>
         </p:sp>
       </p:grpSp>
+      <p:sp>
+        <p:nvSpPr>
+          <p:cNvPr id="5" name="Slide Number Placeholder 4">
+            <a:extLst>
+              <a:ext uri="{FF2B5EF4-FFF2-40B4-BE49-F238E27FC236}">
+                <a16:creationId xmlns:a16="http://schemas.microsoft.com/office/drawing/2014/main" id="{3B8EA9D0-12F8-4412-8797-8B718AB24B52}"/>
+              </a:ext>
+            </a:extLst>
+          </p:cNvPr>
+          <p:cNvSpPr>
+            <a:spLocks noGrp="1"/>
+          </p:cNvSpPr>
+          <p:nvPr>
+            <p:ph type="sldNum" sz="quarter" idx="4"/>
+          </p:nvPr>
+        </p:nvSpPr>
+        <p:spPr/>
+        <p:txBody>
+          <a:bodyPr/>
+          <a:lstStyle/>
+          <a:p>
+            <a:r>
+              <a:rPr lang="en-US">
+                <a:solidFill>
+                  <a:srgbClr val="C1CD23"/>
+                </a:solidFill>
+              </a:rPr>
+              <a:t>|</a:t>
+            </a:r>
+            <a:r>
+              <a:rPr lang="en-US"/>
+              <a:t> </a:t>
+            </a:r>
+            <a:fld id="{295008BC-DA31-4D19-837B-EFA4386B05F5}" type="slidenum">
+              <a:rPr lang="en-US" smtClean="0">
+                <a:solidFill>
+                  <a:schemeClr val="tx1">
+                    <a:lumMod val="50000"/>
+                    <a:lumOff val="50000"/>
+                  </a:schemeClr>
+                </a:solidFill>
+              </a:rPr>
+              <a:pPr/>
+              <a:t>35</a:t>
+            </a:fld>
+            <a:r>
+              <a:rPr lang="en-US"/>
+              <a:t> </a:t>
+            </a:r>
+            <a:r>
+              <a:rPr lang="en-US">
+                <a:solidFill>
+                  <a:srgbClr val="C1CD23"/>
+                </a:solidFill>
+              </a:rPr>
+              <a:t>|</a:t>
+            </a:r>
+            <a:endParaRPr lang="en-US" dirty="0">
+              <a:solidFill>
+                <a:srgbClr val="C1CD23"/>
+              </a:solidFill>
+            </a:endParaRPr>
+          </a:p>
+        </p:txBody>
+      </p:sp>
     </p:spTree>
     <p:extLst>
       <p:ext uri="{BB962C8B-B14F-4D97-AF65-F5344CB8AC3E}">
@@ -22517,6 +24072,71 @@
           </p:txBody>
         </p:sp>
       </p:grpSp>
+      <p:sp>
+        <p:nvSpPr>
+          <p:cNvPr id="4" name="Slide Number Placeholder 3">
+            <a:extLst>
+              <a:ext uri="{FF2B5EF4-FFF2-40B4-BE49-F238E27FC236}">
+                <a16:creationId xmlns:a16="http://schemas.microsoft.com/office/drawing/2014/main" id="{3F9CE22D-9A65-4E2B-94EF-70C91D021E42}"/>
+              </a:ext>
+            </a:extLst>
+          </p:cNvPr>
+          <p:cNvSpPr>
+            <a:spLocks noGrp="1"/>
+          </p:cNvSpPr>
+          <p:nvPr>
+            <p:ph type="sldNum" sz="quarter" idx="4"/>
+          </p:nvPr>
+        </p:nvSpPr>
+        <p:spPr/>
+        <p:txBody>
+          <a:bodyPr/>
+          <a:lstStyle/>
+          <a:p>
+            <a:r>
+              <a:rPr lang="en-US">
+                <a:solidFill>
+                  <a:srgbClr val="C1CD23"/>
+                </a:solidFill>
+              </a:rPr>
+              <a:t>|</a:t>
+            </a:r>
+            <a:r>
+              <a:rPr lang="en-US"/>
+              <a:t> </a:t>
+            </a:r>
+            <a:fld id="{295008BC-DA31-4D19-837B-EFA4386B05F5}" type="slidenum">
+              <a:rPr lang="en-US" smtClean="0">
+                <a:solidFill>
+                  <a:schemeClr val="tx1">
+                    <a:lumMod val="50000"/>
+                    <a:lumOff val="50000"/>
+                  </a:schemeClr>
+                </a:solidFill>
+              </a:rPr>
+              <a:pPr/>
+              <a:t>36</a:t>
+            </a:fld>
+            <a:r>
+              <a:rPr lang="en-US"/>
+              <a:t> </a:t>
+            </a:r>
+            <a:r>
+              <a:rPr lang="en-US">
+                <a:solidFill>
+                  <a:srgbClr val="C1CD23"/>
+                </a:solidFill>
+              </a:rPr>
+              <a:t>|</a:t>
+            </a:r>
+            <a:endParaRPr lang="en-US" dirty="0">
+              <a:solidFill>
+                <a:srgbClr val="C1CD23"/>
+              </a:solidFill>
+            </a:endParaRPr>
+          </a:p>
+        </p:txBody>
+      </p:sp>
     </p:spTree>
     <p:extLst>
       <p:ext uri="{BB962C8B-B14F-4D97-AF65-F5344CB8AC3E}">
@@ -22772,6 +24392,71 @@
           </a:p>
         </p:txBody>
       </p:sp>
+      <p:sp>
+        <p:nvSpPr>
+          <p:cNvPr id="4" name="Slide Number Placeholder 3">
+            <a:extLst>
+              <a:ext uri="{FF2B5EF4-FFF2-40B4-BE49-F238E27FC236}">
+                <a16:creationId xmlns:a16="http://schemas.microsoft.com/office/drawing/2014/main" id="{F781032F-CBE3-4EB3-BAD4-7402ED9C765B}"/>
+              </a:ext>
+            </a:extLst>
+          </p:cNvPr>
+          <p:cNvSpPr>
+            <a:spLocks noGrp="1"/>
+          </p:cNvSpPr>
+          <p:nvPr>
+            <p:ph type="sldNum" sz="quarter" idx="4"/>
+          </p:nvPr>
+        </p:nvSpPr>
+        <p:spPr/>
+        <p:txBody>
+          <a:bodyPr/>
+          <a:lstStyle/>
+          <a:p>
+            <a:r>
+              <a:rPr lang="en-US">
+                <a:solidFill>
+                  <a:srgbClr val="C1CD23"/>
+                </a:solidFill>
+              </a:rPr>
+              <a:t>|</a:t>
+            </a:r>
+            <a:r>
+              <a:rPr lang="en-US"/>
+              <a:t> </a:t>
+            </a:r>
+            <a:fld id="{295008BC-DA31-4D19-837B-EFA4386B05F5}" type="slidenum">
+              <a:rPr lang="en-US" smtClean="0">
+                <a:solidFill>
+                  <a:schemeClr val="tx1">
+                    <a:lumMod val="50000"/>
+                    <a:lumOff val="50000"/>
+                  </a:schemeClr>
+                </a:solidFill>
+              </a:rPr>
+              <a:pPr/>
+              <a:t>38</a:t>
+            </a:fld>
+            <a:r>
+              <a:rPr lang="en-US"/>
+              <a:t> </a:t>
+            </a:r>
+            <a:r>
+              <a:rPr lang="en-US">
+                <a:solidFill>
+                  <a:srgbClr val="C1CD23"/>
+                </a:solidFill>
+              </a:rPr>
+              <a:t>|</a:t>
+            </a:r>
+            <a:endParaRPr lang="en-US" dirty="0">
+              <a:solidFill>
+                <a:srgbClr val="C1CD23"/>
+              </a:solidFill>
+            </a:endParaRPr>
+          </a:p>
+        </p:txBody>
+      </p:sp>
     </p:spTree>
     <p:extLst>
       <p:ext uri="{BB962C8B-B14F-4D97-AF65-F5344CB8AC3E}">
@@ -22895,6 +24580,71 @@
           </a:p>
         </p:txBody>
       </p:sp>
+      <p:sp>
+        <p:nvSpPr>
+          <p:cNvPr id="4" name="Slide Number Placeholder 3">
+            <a:extLst>
+              <a:ext uri="{FF2B5EF4-FFF2-40B4-BE49-F238E27FC236}">
+                <a16:creationId xmlns:a16="http://schemas.microsoft.com/office/drawing/2014/main" id="{3CD5FF7A-2B7B-4DCD-9268-45EE8D9CD028}"/>
+              </a:ext>
+            </a:extLst>
+          </p:cNvPr>
+          <p:cNvSpPr>
+            <a:spLocks noGrp="1"/>
+          </p:cNvSpPr>
+          <p:nvPr>
+            <p:ph type="sldNum" sz="quarter" idx="4"/>
+          </p:nvPr>
+        </p:nvSpPr>
+        <p:spPr/>
+        <p:txBody>
+          <a:bodyPr/>
+          <a:lstStyle/>
+          <a:p>
+            <a:r>
+              <a:rPr lang="en-US">
+                <a:solidFill>
+                  <a:srgbClr val="C1CD23"/>
+                </a:solidFill>
+              </a:rPr>
+              <a:t>|</a:t>
+            </a:r>
+            <a:r>
+              <a:rPr lang="en-US"/>
+              <a:t> </a:t>
+            </a:r>
+            <a:fld id="{295008BC-DA31-4D19-837B-EFA4386B05F5}" type="slidenum">
+              <a:rPr lang="en-US" smtClean="0">
+                <a:solidFill>
+                  <a:schemeClr val="tx1">
+                    <a:lumMod val="50000"/>
+                    <a:lumOff val="50000"/>
+                  </a:schemeClr>
+                </a:solidFill>
+              </a:rPr>
+              <a:pPr/>
+              <a:t>39</a:t>
+            </a:fld>
+            <a:r>
+              <a:rPr lang="en-US"/>
+              <a:t> </a:t>
+            </a:r>
+            <a:r>
+              <a:rPr lang="en-US">
+                <a:solidFill>
+                  <a:srgbClr val="C1CD23"/>
+                </a:solidFill>
+              </a:rPr>
+              <a:t>|</a:t>
+            </a:r>
+            <a:endParaRPr lang="en-US" dirty="0">
+              <a:solidFill>
+                <a:srgbClr val="C1CD23"/>
+              </a:solidFill>
+            </a:endParaRPr>
+          </a:p>
+        </p:txBody>
+      </p:sp>
     </p:spTree>
     <p:extLst>
       <p:ext uri="{BB962C8B-B14F-4D97-AF65-F5344CB8AC3E}">
@@ -23130,6 +24880,71 @@
           </a:p>
         </p:txBody>
       </p:sp>
+      <p:sp>
+        <p:nvSpPr>
+          <p:cNvPr id="4" name="Slide Number Placeholder 3">
+            <a:extLst>
+              <a:ext uri="{FF2B5EF4-FFF2-40B4-BE49-F238E27FC236}">
+                <a16:creationId xmlns:a16="http://schemas.microsoft.com/office/drawing/2014/main" id="{C503A2D7-1B66-4E8C-B8B4-2F47571E43EF}"/>
+              </a:ext>
+            </a:extLst>
+          </p:cNvPr>
+          <p:cNvSpPr>
+            <a:spLocks noGrp="1"/>
+          </p:cNvSpPr>
+          <p:nvPr>
+            <p:ph type="sldNum" sz="quarter" idx="4"/>
+          </p:nvPr>
+        </p:nvSpPr>
+        <p:spPr/>
+        <p:txBody>
+          <a:bodyPr/>
+          <a:lstStyle/>
+          <a:p>
+            <a:r>
+              <a:rPr lang="en-US">
+                <a:solidFill>
+                  <a:srgbClr val="C1CD23"/>
+                </a:solidFill>
+              </a:rPr>
+              <a:t>|</a:t>
+            </a:r>
+            <a:r>
+              <a:rPr lang="en-US"/>
+              <a:t> </a:t>
+            </a:r>
+            <a:fld id="{295008BC-DA31-4D19-837B-EFA4386B05F5}" type="slidenum">
+              <a:rPr lang="en-US" smtClean="0">
+                <a:solidFill>
+                  <a:schemeClr val="tx1">
+                    <a:lumMod val="50000"/>
+                    <a:lumOff val="50000"/>
+                  </a:schemeClr>
+                </a:solidFill>
+              </a:rPr>
+              <a:pPr/>
+              <a:t>40</a:t>
+            </a:fld>
+            <a:r>
+              <a:rPr lang="en-US"/>
+              <a:t> </a:t>
+            </a:r>
+            <a:r>
+              <a:rPr lang="en-US">
+                <a:solidFill>
+                  <a:srgbClr val="C1CD23"/>
+                </a:solidFill>
+              </a:rPr>
+              <a:t>|</a:t>
+            </a:r>
+            <a:endParaRPr lang="en-US" dirty="0">
+              <a:solidFill>
+                <a:srgbClr val="C1CD23"/>
+              </a:solidFill>
+            </a:endParaRPr>
+          </a:p>
+        </p:txBody>
+      </p:sp>
     </p:spTree>
     <p:extLst>
       <p:ext uri="{BB962C8B-B14F-4D97-AF65-F5344CB8AC3E}">
@@ -23247,6 +25062,71 @@
           </a:p>
         </p:txBody>
       </p:sp>
+      <p:sp>
+        <p:nvSpPr>
+          <p:cNvPr id="4" name="Slide Number Placeholder 3">
+            <a:extLst>
+              <a:ext uri="{FF2B5EF4-FFF2-40B4-BE49-F238E27FC236}">
+                <a16:creationId xmlns:a16="http://schemas.microsoft.com/office/drawing/2014/main" id="{4455A861-81D6-46F5-AD71-1D9CF5887075}"/>
+              </a:ext>
+            </a:extLst>
+          </p:cNvPr>
+          <p:cNvSpPr>
+            <a:spLocks noGrp="1"/>
+          </p:cNvSpPr>
+          <p:nvPr>
+            <p:ph type="sldNum" sz="quarter" idx="4"/>
+          </p:nvPr>
+        </p:nvSpPr>
+        <p:spPr/>
+        <p:txBody>
+          <a:bodyPr/>
+          <a:lstStyle/>
+          <a:p>
+            <a:r>
+              <a:rPr lang="en-US">
+                <a:solidFill>
+                  <a:srgbClr val="C1CD23"/>
+                </a:solidFill>
+              </a:rPr>
+              <a:t>|</a:t>
+            </a:r>
+            <a:r>
+              <a:rPr lang="en-US"/>
+              <a:t> </a:t>
+            </a:r>
+            <a:fld id="{295008BC-DA31-4D19-837B-EFA4386B05F5}" type="slidenum">
+              <a:rPr lang="en-US" smtClean="0">
+                <a:solidFill>
+                  <a:schemeClr val="tx1">
+                    <a:lumMod val="50000"/>
+                    <a:lumOff val="50000"/>
+                  </a:schemeClr>
+                </a:solidFill>
+              </a:rPr>
+              <a:pPr/>
+              <a:t>41</a:t>
+            </a:fld>
+            <a:r>
+              <a:rPr lang="en-US"/>
+              <a:t> </a:t>
+            </a:r>
+            <a:r>
+              <a:rPr lang="en-US">
+                <a:solidFill>
+                  <a:srgbClr val="C1CD23"/>
+                </a:solidFill>
+              </a:rPr>
+              <a:t>|</a:t>
+            </a:r>
+            <a:endParaRPr lang="en-US" dirty="0">
+              <a:solidFill>
+                <a:srgbClr val="C1CD23"/>
+              </a:solidFill>
+            </a:endParaRPr>
+          </a:p>
+        </p:txBody>
+      </p:sp>
     </p:spTree>
     <p:extLst>
       <p:ext uri="{BB962C8B-B14F-4D97-AF65-F5344CB8AC3E}">
@@ -23362,6 +25242,71 @@
           </a:p>
           <a:p>
             <a:endParaRPr lang="en-US" dirty="0"/>
+          </a:p>
+        </p:txBody>
+      </p:sp>
+      <p:sp>
+        <p:nvSpPr>
+          <p:cNvPr id="4" name="Slide Number Placeholder 3">
+            <a:extLst>
+              <a:ext uri="{FF2B5EF4-FFF2-40B4-BE49-F238E27FC236}">
+                <a16:creationId xmlns:a16="http://schemas.microsoft.com/office/drawing/2014/main" id="{BF20D2B1-DA1E-4E9E-B5C2-C65CF2C2A677}"/>
+              </a:ext>
+            </a:extLst>
+          </p:cNvPr>
+          <p:cNvSpPr>
+            <a:spLocks noGrp="1"/>
+          </p:cNvSpPr>
+          <p:nvPr>
+            <p:ph type="sldNum" sz="quarter" idx="4"/>
+          </p:nvPr>
+        </p:nvSpPr>
+        <p:spPr/>
+        <p:txBody>
+          <a:bodyPr/>
+          <a:lstStyle/>
+          <a:p>
+            <a:r>
+              <a:rPr lang="en-US">
+                <a:solidFill>
+                  <a:srgbClr val="C1CD23"/>
+                </a:solidFill>
+              </a:rPr>
+              <a:t>|</a:t>
+            </a:r>
+            <a:r>
+              <a:rPr lang="en-US"/>
+              <a:t> </a:t>
+            </a:r>
+            <a:fld id="{295008BC-DA31-4D19-837B-EFA4386B05F5}" type="slidenum">
+              <a:rPr lang="en-US" smtClean="0">
+                <a:solidFill>
+                  <a:schemeClr val="tx1">
+                    <a:lumMod val="50000"/>
+                    <a:lumOff val="50000"/>
+                  </a:schemeClr>
+                </a:solidFill>
+              </a:rPr>
+              <a:pPr/>
+              <a:t>42</a:t>
+            </a:fld>
+            <a:r>
+              <a:rPr lang="en-US"/>
+              <a:t> </a:t>
+            </a:r>
+            <a:r>
+              <a:rPr lang="en-US">
+                <a:solidFill>
+                  <a:srgbClr val="C1CD23"/>
+                </a:solidFill>
+              </a:rPr>
+              <a:t>|</a:t>
+            </a:r>
+            <a:endParaRPr lang="en-US" dirty="0">
+              <a:solidFill>
+                <a:srgbClr val="C1CD23"/>
+              </a:solidFill>
+            </a:endParaRPr>
           </a:p>
         </p:txBody>
       </p:sp>
@@ -23486,6 +25431,71 @@
           </a:extLst>
         </p:spPr>
       </p:pic>
+      <p:sp>
+        <p:nvSpPr>
+          <p:cNvPr id="3" name="Slide Number Placeholder 2">
+            <a:extLst>
+              <a:ext uri="{FF2B5EF4-FFF2-40B4-BE49-F238E27FC236}">
+                <a16:creationId xmlns:a16="http://schemas.microsoft.com/office/drawing/2014/main" id="{43927A93-8418-4436-83A0-F2638E2F087D}"/>
+              </a:ext>
+            </a:extLst>
+          </p:cNvPr>
+          <p:cNvSpPr>
+            <a:spLocks noGrp="1"/>
+          </p:cNvSpPr>
+          <p:nvPr>
+            <p:ph type="sldNum" sz="quarter" idx="4"/>
+          </p:nvPr>
+        </p:nvSpPr>
+        <p:spPr/>
+        <p:txBody>
+          <a:bodyPr/>
+          <a:lstStyle/>
+          <a:p>
+            <a:r>
+              <a:rPr lang="en-US">
+                <a:solidFill>
+                  <a:srgbClr val="C1CD23"/>
+                </a:solidFill>
+              </a:rPr>
+              <a:t>|</a:t>
+            </a:r>
+            <a:r>
+              <a:rPr lang="en-US"/>
+              <a:t> </a:t>
+            </a:r>
+            <a:fld id="{295008BC-DA31-4D19-837B-EFA4386B05F5}" type="slidenum">
+              <a:rPr lang="en-US" smtClean="0">
+                <a:solidFill>
+                  <a:schemeClr val="tx1">
+                    <a:lumMod val="50000"/>
+                    <a:lumOff val="50000"/>
+                  </a:schemeClr>
+                </a:solidFill>
+              </a:rPr>
+              <a:pPr/>
+              <a:t>43</a:t>
+            </a:fld>
+            <a:r>
+              <a:rPr lang="en-US"/>
+              <a:t> </a:t>
+            </a:r>
+            <a:r>
+              <a:rPr lang="en-US">
+                <a:solidFill>
+                  <a:srgbClr val="C1CD23"/>
+                </a:solidFill>
+              </a:rPr>
+              <a:t>|</a:t>
+            </a:r>
+            <a:endParaRPr lang="en-US" dirty="0">
+              <a:solidFill>
+                <a:srgbClr val="C1CD23"/>
+              </a:solidFill>
+            </a:endParaRPr>
+          </a:p>
+        </p:txBody>
+      </p:sp>
     </p:spTree>
     <p:extLst>
       <p:ext uri="{BB962C8B-B14F-4D97-AF65-F5344CB8AC3E}">
@@ -23594,6 +25604,71 @@
           </a:p>
         </p:txBody>
       </p:sp>
+      <p:sp>
+        <p:nvSpPr>
+          <p:cNvPr id="4" name="Slide Number Placeholder 3">
+            <a:extLst>
+              <a:ext uri="{FF2B5EF4-FFF2-40B4-BE49-F238E27FC236}">
+                <a16:creationId xmlns:a16="http://schemas.microsoft.com/office/drawing/2014/main" id="{1A91A590-4EED-49A5-AAD7-1C2A8FE37224}"/>
+              </a:ext>
+            </a:extLst>
+          </p:cNvPr>
+          <p:cNvSpPr>
+            <a:spLocks noGrp="1"/>
+          </p:cNvSpPr>
+          <p:nvPr>
+            <p:ph type="sldNum" sz="quarter" idx="4"/>
+          </p:nvPr>
+        </p:nvSpPr>
+        <p:spPr/>
+        <p:txBody>
+          <a:bodyPr/>
+          <a:lstStyle/>
+          <a:p>
+            <a:r>
+              <a:rPr lang="en-US">
+                <a:solidFill>
+                  <a:srgbClr val="C1CD23"/>
+                </a:solidFill>
+              </a:rPr>
+              <a:t>|</a:t>
+            </a:r>
+            <a:r>
+              <a:rPr lang="en-US"/>
+              <a:t> </a:t>
+            </a:r>
+            <a:fld id="{295008BC-DA31-4D19-837B-EFA4386B05F5}" type="slidenum">
+              <a:rPr lang="en-US" smtClean="0">
+                <a:solidFill>
+                  <a:schemeClr val="tx1">
+                    <a:lumMod val="50000"/>
+                    <a:lumOff val="50000"/>
+                  </a:schemeClr>
+                </a:solidFill>
+              </a:rPr>
+              <a:pPr/>
+              <a:t>44</a:t>
+            </a:fld>
+            <a:r>
+              <a:rPr lang="en-US"/>
+              <a:t> </a:t>
+            </a:r>
+            <a:r>
+              <a:rPr lang="en-US">
+                <a:solidFill>
+                  <a:srgbClr val="C1CD23"/>
+                </a:solidFill>
+              </a:rPr>
+              <a:t>|</a:t>
+            </a:r>
+            <a:endParaRPr lang="en-US" dirty="0">
+              <a:solidFill>
+                <a:srgbClr val="C1CD23"/>
+              </a:solidFill>
+            </a:endParaRPr>
+          </a:p>
+        </p:txBody>
+      </p:sp>
     </p:spTree>
     <p:extLst>
       <p:ext uri="{BB962C8B-B14F-4D97-AF65-F5344CB8AC3E}">
@@ -23705,6 +25780,71 @@
           </a:p>
         </p:txBody>
       </p:sp>
+      <p:sp>
+        <p:nvSpPr>
+          <p:cNvPr id="4" name="Slide Number Placeholder 3">
+            <a:extLst>
+              <a:ext uri="{FF2B5EF4-FFF2-40B4-BE49-F238E27FC236}">
+                <a16:creationId xmlns:a16="http://schemas.microsoft.com/office/drawing/2014/main" id="{479BF9B0-1169-443A-8D3A-A052DC8655D6}"/>
+              </a:ext>
+            </a:extLst>
+          </p:cNvPr>
+          <p:cNvSpPr>
+            <a:spLocks noGrp="1"/>
+          </p:cNvSpPr>
+          <p:nvPr>
+            <p:ph type="sldNum" sz="quarter" idx="4"/>
+          </p:nvPr>
+        </p:nvSpPr>
+        <p:spPr/>
+        <p:txBody>
+          <a:bodyPr/>
+          <a:lstStyle/>
+          <a:p>
+            <a:r>
+              <a:rPr lang="en-US">
+                <a:solidFill>
+                  <a:srgbClr val="C1CD23"/>
+                </a:solidFill>
+              </a:rPr>
+              <a:t>|</a:t>
+            </a:r>
+            <a:r>
+              <a:rPr lang="en-US"/>
+              <a:t> </a:t>
+            </a:r>
+            <a:fld id="{295008BC-DA31-4D19-837B-EFA4386B05F5}" type="slidenum">
+              <a:rPr lang="en-US" smtClean="0">
+                <a:solidFill>
+                  <a:schemeClr val="tx1">
+                    <a:lumMod val="50000"/>
+                    <a:lumOff val="50000"/>
+                  </a:schemeClr>
+                </a:solidFill>
+              </a:rPr>
+              <a:pPr/>
+              <a:t>45</a:t>
+            </a:fld>
+            <a:r>
+              <a:rPr lang="en-US"/>
+              <a:t> </a:t>
+            </a:r>
+            <a:r>
+              <a:rPr lang="en-US">
+                <a:solidFill>
+                  <a:srgbClr val="C1CD23"/>
+                </a:solidFill>
+              </a:rPr>
+              <a:t>|</a:t>
+            </a:r>
+            <a:endParaRPr lang="en-US" dirty="0">
+              <a:solidFill>
+                <a:srgbClr val="C1CD23"/>
+              </a:solidFill>
+            </a:endParaRPr>
+          </a:p>
+        </p:txBody>
+      </p:sp>
     </p:spTree>
     <p:extLst>
       <p:ext uri="{BB962C8B-B14F-4D97-AF65-F5344CB8AC3E}">
@@ -23828,6 +25968,71 @@
               <a:buNone/>
             </a:pPr>
             <a:endParaRPr lang="en-US" dirty="0"/>
+          </a:p>
+        </p:txBody>
+      </p:sp>
+      <p:sp>
+        <p:nvSpPr>
+          <p:cNvPr id="4" name="Slide Number Placeholder 3">
+            <a:extLst>
+              <a:ext uri="{FF2B5EF4-FFF2-40B4-BE49-F238E27FC236}">
+                <a16:creationId xmlns:a16="http://schemas.microsoft.com/office/drawing/2014/main" id="{ED570A78-E97A-43B9-9D1D-01678ABD95E7}"/>
+              </a:ext>
+            </a:extLst>
+          </p:cNvPr>
+          <p:cNvSpPr>
+            <a:spLocks noGrp="1"/>
+          </p:cNvSpPr>
+          <p:nvPr>
+            <p:ph type="sldNum" sz="quarter" idx="4"/>
+          </p:nvPr>
+        </p:nvSpPr>
+        <p:spPr/>
+        <p:txBody>
+          <a:bodyPr/>
+          <a:lstStyle/>
+          <a:p>
+            <a:r>
+              <a:rPr lang="en-US">
+                <a:solidFill>
+                  <a:srgbClr val="C1CD23"/>
+                </a:solidFill>
+              </a:rPr>
+              <a:t>|</a:t>
+            </a:r>
+            <a:r>
+              <a:rPr lang="en-US"/>
+              <a:t> </a:t>
+            </a:r>
+            <a:fld id="{295008BC-DA31-4D19-837B-EFA4386B05F5}" type="slidenum">
+              <a:rPr lang="en-US" smtClean="0">
+                <a:solidFill>
+                  <a:schemeClr val="tx1">
+                    <a:lumMod val="50000"/>
+                    <a:lumOff val="50000"/>
+                  </a:schemeClr>
+                </a:solidFill>
+              </a:rPr>
+              <a:pPr/>
+              <a:t>46</a:t>
+            </a:fld>
+            <a:r>
+              <a:rPr lang="en-US"/>
+              <a:t> </a:t>
+            </a:r>
+            <a:r>
+              <a:rPr lang="en-US">
+                <a:solidFill>
+                  <a:srgbClr val="C1CD23"/>
+                </a:solidFill>
+              </a:rPr>
+              <a:t>|</a:t>
+            </a:r>
+            <a:endParaRPr lang="en-US" dirty="0">
+              <a:solidFill>
+                <a:srgbClr val="C1CD23"/>
+              </a:solidFill>
+            </a:endParaRPr>
           </a:p>
         </p:txBody>
       </p:sp>
@@ -23970,6 +26175,71 @@
           </a:extLst>
         </p:spPr>
       </p:pic>
+      <p:sp>
+        <p:nvSpPr>
+          <p:cNvPr id="3" name="Slide Number Placeholder 2">
+            <a:extLst>
+              <a:ext uri="{FF2B5EF4-FFF2-40B4-BE49-F238E27FC236}">
+                <a16:creationId xmlns:a16="http://schemas.microsoft.com/office/drawing/2014/main" id="{82C3CD84-4DC2-4172-BC98-784A7F0AB2D1}"/>
+              </a:ext>
+            </a:extLst>
+          </p:cNvPr>
+          <p:cNvSpPr>
+            <a:spLocks noGrp="1"/>
+          </p:cNvSpPr>
+          <p:nvPr>
+            <p:ph type="sldNum" sz="quarter" idx="4"/>
+          </p:nvPr>
+        </p:nvSpPr>
+        <p:spPr/>
+        <p:txBody>
+          <a:bodyPr/>
+          <a:lstStyle/>
+          <a:p>
+            <a:r>
+              <a:rPr lang="en-US">
+                <a:solidFill>
+                  <a:srgbClr val="C1CD23"/>
+                </a:solidFill>
+              </a:rPr>
+              <a:t>|</a:t>
+            </a:r>
+            <a:r>
+              <a:rPr lang="en-US"/>
+              <a:t> </a:t>
+            </a:r>
+            <a:fld id="{295008BC-DA31-4D19-837B-EFA4386B05F5}" type="slidenum">
+              <a:rPr lang="en-US" smtClean="0">
+                <a:solidFill>
+                  <a:schemeClr val="tx1">
+                    <a:lumMod val="50000"/>
+                    <a:lumOff val="50000"/>
+                  </a:schemeClr>
+                </a:solidFill>
+              </a:rPr>
+              <a:pPr/>
+              <a:t>47</a:t>
+            </a:fld>
+            <a:r>
+              <a:rPr lang="en-US"/>
+              <a:t> </a:t>
+            </a:r>
+            <a:r>
+              <a:rPr lang="en-US">
+                <a:solidFill>
+                  <a:srgbClr val="C1CD23"/>
+                </a:solidFill>
+              </a:rPr>
+              <a:t>|</a:t>
+            </a:r>
+            <a:endParaRPr lang="en-US" dirty="0">
+              <a:solidFill>
+                <a:srgbClr val="C1CD23"/>
+              </a:solidFill>
+            </a:endParaRPr>
+          </a:p>
+        </p:txBody>
+      </p:sp>
     </p:spTree>
     <p:extLst>
       <p:ext uri="{BB962C8B-B14F-4D97-AF65-F5344CB8AC3E}">
@@ -24071,6 +26341,71 @@
           </a:p>
         </p:txBody>
       </p:sp>
+      <p:sp>
+        <p:nvSpPr>
+          <p:cNvPr id="4" name="Slide Number Placeholder 3">
+            <a:extLst>
+              <a:ext uri="{FF2B5EF4-FFF2-40B4-BE49-F238E27FC236}">
+                <a16:creationId xmlns:a16="http://schemas.microsoft.com/office/drawing/2014/main" id="{CA7AE4B2-0B6D-443F-A237-92C74E689F23}"/>
+              </a:ext>
+            </a:extLst>
+          </p:cNvPr>
+          <p:cNvSpPr>
+            <a:spLocks noGrp="1"/>
+          </p:cNvSpPr>
+          <p:nvPr>
+            <p:ph type="sldNum" sz="quarter" idx="4"/>
+          </p:nvPr>
+        </p:nvSpPr>
+        <p:spPr/>
+        <p:txBody>
+          <a:bodyPr/>
+          <a:lstStyle/>
+          <a:p>
+            <a:r>
+              <a:rPr lang="en-US">
+                <a:solidFill>
+                  <a:srgbClr val="C1CD23"/>
+                </a:solidFill>
+              </a:rPr>
+              <a:t>|</a:t>
+            </a:r>
+            <a:r>
+              <a:rPr lang="en-US"/>
+              <a:t> </a:t>
+            </a:r>
+            <a:fld id="{295008BC-DA31-4D19-837B-EFA4386B05F5}" type="slidenum">
+              <a:rPr lang="en-US" smtClean="0">
+                <a:solidFill>
+                  <a:schemeClr val="tx1">
+                    <a:lumMod val="50000"/>
+                    <a:lumOff val="50000"/>
+                  </a:schemeClr>
+                </a:solidFill>
+              </a:rPr>
+              <a:pPr/>
+              <a:t>48</a:t>
+            </a:fld>
+            <a:r>
+              <a:rPr lang="en-US"/>
+              <a:t> </a:t>
+            </a:r>
+            <a:r>
+              <a:rPr lang="en-US">
+                <a:solidFill>
+                  <a:srgbClr val="C1CD23"/>
+                </a:solidFill>
+              </a:rPr>
+              <a:t>|</a:t>
+            </a:r>
+            <a:endParaRPr lang="en-US" dirty="0">
+              <a:solidFill>
+                <a:srgbClr val="C1CD23"/>
+              </a:solidFill>
+            </a:endParaRPr>
+          </a:p>
+        </p:txBody>
+      </p:sp>
     </p:spTree>
     <p:extLst>
       <p:ext uri="{BB962C8B-B14F-4D97-AF65-F5344CB8AC3E}">
@@ -24246,6 +26581,71 @@
           </a:p>
           <a:p>
             <a:endParaRPr lang="en-US" dirty="0"/>
+          </a:p>
+        </p:txBody>
+      </p:sp>
+      <p:sp>
+        <p:nvSpPr>
+          <p:cNvPr id="4" name="Slide Number Placeholder 3">
+            <a:extLst>
+              <a:ext uri="{FF2B5EF4-FFF2-40B4-BE49-F238E27FC236}">
+                <a16:creationId xmlns:a16="http://schemas.microsoft.com/office/drawing/2014/main" id="{8C1E3FB8-B63B-4A73-A177-5FF8DDD0F73E}"/>
+              </a:ext>
+            </a:extLst>
+          </p:cNvPr>
+          <p:cNvSpPr>
+            <a:spLocks noGrp="1"/>
+          </p:cNvSpPr>
+          <p:nvPr>
+            <p:ph type="sldNum" sz="quarter" idx="4"/>
+          </p:nvPr>
+        </p:nvSpPr>
+        <p:spPr/>
+        <p:txBody>
+          <a:bodyPr/>
+          <a:lstStyle/>
+          <a:p>
+            <a:r>
+              <a:rPr lang="en-US">
+                <a:solidFill>
+                  <a:srgbClr val="C1CD23"/>
+                </a:solidFill>
+              </a:rPr>
+              <a:t>|</a:t>
+            </a:r>
+            <a:r>
+              <a:rPr lang="en-US"/>
+              <a:t> </a:t>
+            </a:r>
+            <a:fld id="{295008BC-DA31-4D19-837B-EFA4386B05F5}" type="slidenum">
+              <a:rPr lang="en-US" smtClean="0">
+                <a:solidFill>
+                  <a:schemeClr val="tx1">
+                    <a:lumMod val="50000"/>
+                    <a:lumOff val="50000"/>
+                  </a:schemeClr>
+                </a:solidFill>
+              </a:rPr>
+              <a:pPr/>
+              <a:t>49</a:t>
+            </a:fld>
+            <a:r>
+              <a:rPr lang="en-US"/>
+              <a:t> </a:t>
+            </a:r>
+            <a:r>
+              <a:rPr lang="en-US">
+                <a:solidFill>
+                  <a:srgbClr val="C1CD23"/>
+                </a:solidFill>
+              </a:rPr>
+              <a:t>|</a:t>
+            </a:r>
+            <a:endParaRPr lang="en-US" dirty="0">
+              <a:solidFill>
+                <a:srgbClr val="C1CD23"/>
+              </a:solidFill>
+            </a:endParaRPr>
           </a:p>
         </p:txBody>
       </p:sp>
@@ -24474,6 +26874,71 @@
               </a:rPr>
               <a:t>10 2017 CVE IDs please!</a:t>
             </a:r>
+          </a:p>
+        </p:txBody>
+      </p:sp>
+      <p:sp>
+        <p:nvSpPr>
+          <p:cNvPr id="3" name="Slide Number Placeholder 2">
+            <a:extLst>
+              <a:ext uri="{FF2B5EF4-FFF2-40B4-BE49-F238E27FC236}">
+                <a16:creationId xmlns:a16="http://schemas.microsoft.com/office/drawing/2014/main" id="{48EBCCC5-653C-4F22-874A-29086D3960ED}"/>
+              </a:ext>
+            </a:extLst>
+          </p:cNvPr>
+          <p:cNvSpPr>
+            <a:spLocks noGrp="1"/>
+          </p:cNvSpPr>
+          <p:nvPr>
+            <p:ph type="sldNum" sz="quarter" idx="4"/>
+          </p:nvPr>
+        </p:nvSpPr>
+        <p:spPr/>
+        <p:txBody>
+          <a:bodyPr/>
+          <a:lstStyle/>
+          <a:p>
+            <a:r>
+              <a:rPr lang="en-US">
+                <a:solidFill>
+                  <a:srgbClr val="C1CD23"/>
+                </a:solidFill>
+              </a:rPr>
+              <a:t>|</a:t>
+            </a:r>
+            <a:r>
+              <a:rPr lang="en-US"/>
+              <a:t> </a:t>
+            </a:r>
+            <a:fld id="{295008BC-DA31-4D19-837B-EFA4386B05F5}" type="slidenum">
+              <a:rPr lang="en-US" smtClean="0">
+                <a:solidFill>
+                  <a:schemeClr val="tx1">
+                    <a:lumMod val="50000"/>
+                    <a:lumOff val="50000"/>
+                  </a:schemeClr>
+                </a:solidFill>
+              </a:rPr>
+              <a:pPr/>
+              <a:t>5</a:t>
+            </a:fld>
+            <a:r>
+              <a:rPr lang="en-US"/>
+              <a:t> </a:t>
+            </a:r>
+            <a:r>
+              <a:rPr lang="en-US">
+                <a:solidFill>
+                  <a:srgbClr val="C1CD23"/>
+                </a:solidFill>
+              </a:rPr>
+              <a:t>|</a:t>
+            </a:r>
+            <a:endParaRPr lang="en-US" dirty="0">
+              <a:solidFill>
+                <a:srgbClr val="C1CD23"/>
+              </a:solidFill>
+            </a:endParaRPr>
           </a:p>
         </p:txBody>
       </p:sp>
@@ -24596,6 +27061,71 @@
           </a:extLst>
         </p:spPr>
       </p:pic>
+      <p:sp>
+        <p:nvSpPr>
+          <p:cNvPr id="3" name="Slide Number Placeholder 2">
+            <a:extLst>
+              <a:ext uri="{FF2B5EF4-FFF2-40B4-BE49-F238E27FC236}">
+                <a16:creationId xmlns:a16="http://schemas.microsoft.com/office/drawing/2014/main" id="{2E6302D3-A851-49B4-83F2-67D0B906EF9A}"/>
+              </a:ext>
+            </a:extLst>
+          </p:cNvPr>
+          <p:cNvSpPr>
+            <a:spLocks noGrp="1"/>
+          </p:cNvSpPr>
+          <p:nvPr>
+            <p:ph type="sldNum" sz="quarter" idx="4"/>
+          </p:nvPr>
+        </p:nvSpPr>
+        <p:spPr/>
+        <p:txBody>
+          <a:bodyPr/>
+          <a:lstStyle/>
+          <a:p>
+            <a:r>
+              <a:rPr lang="en-US">
+                <a:solidFill>
+                  <a:srgbClr val="C1CD23"/>
+                </a:solidFill>
+              </a:rPr>
+              <a:t>|</a:t>
+            </a:r>
+            <a:r>
+              <a:rPr lang="en-US"/>
+              <a:t> </a:t>
+            </a:r>
+            <a:fld id="{295008BC-DA31-4D19-837B-EFA4386B05F5}" type="slidenum">
+              <a:rPr lang="en-US" smtClean="0">
+                <a:solidFill>
+                  <a:schemeClr val="tx1">
+                    <a:lumMod val="50000"/>
+                    <a:lumOff val="50000"/>
+                  </a:schemeClr>
+                </a:solidFill>
+              </a:rPr>
+              <a:pPr/>
+              <a:t>50</a:t>
+            </a:fld>
+            <a:r>
+              <a:rPr lang="en-US"/>
+              <a:t> </a:t>
+            </a:r>
+            <a:r>
+              <a:rPr lang="en-US">
+                <a:solidFill>
+                  <a:srgbClr val="C1CD23"/>
+                </a:solidFill>
+              </a:rPr>
+              <a:t>|</a:t>
+            </a:r>
+            <a:endParaRPr lang="en-US" dirty="0">
+              <a:solidFill>
+                <a:srgbClr val="C1CD23"/>
+              </a:solidFill>
+            </a:endParaRPr>
+          </a:p>
+        </p:txBody>
+      </p:sp>
     </p:spTree>
     <p:extLst>
       <p:ext uri="{BB962C8B-B14F-4D97-AF65-F5344CB8AC3E}">
@@ -24731,6 +27261,71 @@
           </a:p>
         </p:txBody>
       </p:sp>
+      <p:sp>
+        <p:nvSpPr>
+          <p:cNvPr id="4" name="Slide Number Placeholder 3">
+            <a:extLst>
+              <a:ext uri="{FF2B5EF4-FFF2-40B4-BE49-F238E27FC236}">
+                <a16:creationId xmlns:a16="http://schemas.microsoft.com/office/drawing/2014/main" id="{F497BCD2-67D4-42CA-850B-0DE2317666A3}"/>
+              </a:ext>
+            </a:extLst>
+          </p:cNvPr>
+          <p:cNvSpPr>
+            <a:spLocks noGrp="1"/>
+          </p:cNvSpPr>
+          <p:nvPr>
+            <p:ph type="sldNum" sz="quarter" idx="4"/>
+          </p:nvPr>
+        </p:nvSpPr>
+        <p:spPr/>
+        <p:txBody>
+          <a:bodyPr/>
+          <a:lstStyle/>
+          <a:p>
+            <a:r>
+              <a:rPr lang="en-US">
+                <a:solidFill>
+                  <a:srgbClr val="C1CD23"/>
+                </a:solidFill>
+              </a:rPr>
+              <a:t>|</a:t>
+            </a:r>
+            <a:r>
+              <a:rPr lang="en-US"/>
+              <a:t> </a:t>
+            </a:r>
+            <a:fld id="{295008BC-DA31-4D19-837B-EFA4386B05F5}" type="slidenum">
+              <a:rPr lang="en-US" smtClean="0">
+                <a:solidFill>
+                  <a:schemeClr val="tx1">
+                    <a:lumMod val="50000"/>
+                    <a:lumOff val="50000"/>
+                  </a:schemeClr>
+                </a:solidFill>
+              </a:rPr>
+              <a:pPr/>
+              <a:t>51</a:t>
+            </a:fld>
+            <a:r>
+              <a:rPr lang="en-US"/>
+              <a:t> </a:t>
+            </a:r>
+            <a:r>
+              <a:rPr lang="en-US">
+                <a:solidFill>
+                  <a:srgbClr val="C1CD23"/>
+                </a:solidFill>
+              </a:rPr>
+              <a:t>|</a:t>
+            </a:r>
+            <a:endParaRPr lang="en-US" dirty="0">
+              <a:solidFill>
+                <a:srgbClr val="C1CD23"/>
+              </a:solidFill>
+            </a:endParaRPr>
+          </a:p>
+        </p:txBody>
+      </p:sp>
     </p:spTree>
     <p:extLst>
       <p:ext uri="{BB962C8B-B14F-4D97-AF65-F5344CB8AC3E}">
@@ -24821,6 +27416,71 @@
           </a:extLst>
         </p:spPr>
       </p:pic>
+      <p:sp>
+        <p:nvSpPr>
+          <p:cNvPr id="3" name="Slide Number Placeholder 2">
+            <a:extLst>
+              <a:ext uri="{FF2B5EF4-FFF2-40B4-BE49-F238E27FC236}">
+                <a16:creationId xmlns:a16="http://schemas.microsoft.com/office/drawing/2014/main" id="{E7835861-67C9-4516-BCC3-8E1AB9EA9C6F}"/>
+              </a:ext>
+            </a:extLst>
+          </p:cNvPr>
+          <p:cNvSpPr>
+            <a:spLocks noGrp="1"/>
+          </p:cNvSpPr>
+          <p:nvPr>
+            <p:ph type="sldNum" sz="quarter" idx="4"/>
+          </p:nvPr>
+        </p:nvSpPr>
+        <p:spPr/>
+        <p:txBody>
+          <a:bodyPr/>
+          <a:lstStyle/>
+          <a:p>
+            <a:r>
+              <a:rPr lang="en-US">
+                <a:solidFill>
+                  <a:srgbClr val="C1CD23"/>
+                </a:solidFill>
+              </a:rPr>
+              <a:t>|</a:t>
+            </a:r>
+            <a:r>
+              <a:rPr lang="en-US"/>
+              <a:t> </a:t>
+            </a:r>
+            <a:fld id="{295008BC-DA31-4D19-837B-EFA4386B05F5}" type="slidenum">
+              <a:rPr lang="en-US" smtClean="0">
+                <a:solidFill>
+                  <a:schemeClr val="tx1">
+                    <a:lumMod val="50000"/>
+                    <a:lumOff val="50000"/>
+                  </a:schemeClr>
+                </a:solidFill>
+              </a:rPr>
+              <a:pPr/>
+              <a:t>52</a:t>
+            </a:fld>
+            <a:r>
+              <a:rPr lang="en-US"/>
+              <a:t> </a:t>
+            </a:r>
+            <a:r>
+              <a:rPr lang="en-US">
+                <a:solidFill>
+                  <a:srgbClr val="C1CD23"/>
+                </a:solidFill>
+              </a:rPr>
+              <a:t>|</a:t>
+            </a:r>
+            <a:endParaRPr lang="en-US" dirty="0">
+              <a:solidFill>
+                <a:srgbClr val="C1CD23"/>
+              </a:solidFill>
+            </a:endParaRPr>
+          </a:p>
+        </p:txBody>
+      </p:sp>
     </p:spTree>
     <p:extLst>
       <p:ext uri="{BB962C8B-B14F-4D97-AF65-F5344CB8AC3E}">
@@ -25058,6 +27718,71 @@
           </a:p>
         </p:txBody>
       </p:sp>
+      <p:sp>
+        <p:nvSpPr>
+          <p:cNvPr id="4" name="Slide Number Placeholder 3">
+            <a:extLst>
+              <a:ext uri="{FF2B5EF4-FFF2-40B4-BE49-F238E27FC236}">
+                <a16:creationId xmlns:a16="http://schemas.microsoft.com/office/drawing/2014/main" id="{30CCA7B0-3692-4B30-A682-FAF461B2FDAD}"/>
+              </a:ext>
+            </a:extLst>
+          </p:cNvPr>
+          <p:cNvSpPr>
+            <a:spLocks noGrp="1"/>
+          </p:cNvSpPr>
+          <p:nvPr>
+            <p:ph type="sldNum" sz="quarter" idx="4"/>
+          </p:nvPr>
+        </p:nvSpPr>
+        <p:spPr/>
+        <p:txBody>
+          <a:bodyPr/>
+          <a:lstStyle/>
+          <a:p>
+            <a:r>
+              <a:rPr lang="en-US">
+                <a:solidFill>
+                  <a:srgbClr val="C1CD23"/>
+                </a:solidFill>
+              </a:rPr>
+              <a:t>|</a:t>
+            </a:r>
+            <a:r>
+              <a:rPr lang="en-US"/>
+              <a:t> </a:t>
+            </a:r>
+            <a:fld id="{295008BC-DA31-4D19-837B-EFA4386B05F5}" type="slidenum">
+              <a:rPr lang="en-US" smtClean="0">
+                <a:solidFill>
+                  <a:schemeClr val="tx1">
+                    <a:lumMod val="50000"/>
+                    <a:lumOff val="50000"/>
+                  </a:schemeClr>
+                </a:solidFill>
+              </a:rPr>
+              <a:pPr/>
+              <a:t>54</a:t>
+            </a:fld>
+            <a:r>
+              <a:rPr lang="en-US"/>
+              <a:t> </a:t>
+            </a:r>
+            <a:r>
+              <a:rPr lang="en-US">
+                <a:solidFill>
+                  <a:srgbClr val="C1CD23"/>
+                </a:solidFill>
+              </a:rPr>
+              <a:t>|</a:t>
+            </a:r>
+            <a:endParaRPr lang="en-US" dirty="0">
+              <a:solidFill>
+                <a:srgbClr val="C1CD23"/>
+              </a:solidFill>
+            </a:endParaRPr>
+          </a:p>
+        </p:txBody>
+      </p:sp>
     </p:spTree>
     <p:extLst>
       <p:ext uri="{BB962C8B-B14F-4D97-AF65-F5344CB8AC3E}">
@@ -25277,6 +28002,71 @@
               <a:rPr lang="en-US" dirty="0"/>
               <a:t>The Program Root CNA will reject the CVE IDs that were not used</a:t>
             </a:r>
+          </a:p>
+        </p:txBody>
+      </p:sp>
+      <p:sp>
+        <p:nvSpPr>
+          <p:cNvPr id="4" name="Slide Number Placeholder 3">
+            <a:extLst>
+              <a:ext uri="{FF2B5EF4-FFF2-40B4-BE49-F238E27FC236}">
+                <a16:creationId xmlns:a16="http://schemas.microsoft.com/office/drawing/2014/main" id="{47D607FC-BE1B-413A-BFA9-A8A71569BE07}"/>
+              </a:ext>
+            </a:extLst>
+          </p:cNvPr>
+          <p:cNvSpPr>
+            <a:spLocks noGrp="1"/>
+          </p:cNvSpPr>
+          <p:nvPr>
+            <p:ph type="sldNum" sz="quarter" idx="4"/>
+          </p:nvPr>
+        </p:nvSpPr>
+        <p:spPr/>
+        <p:txBody>
+          <a:bodyPr/>
+          <a:lstStyle/>
+          <a:p>
+            <a:r>
+              <a:rPr lang="en-US">
+                <a:solidFill>
+                  <a:srgbClr val="C1CD23"/>
+                </a:solidFill>
+              </a:rPr>
+              <a:t>|</a:t>
+            </a:r>
+            <a:r>
+              <a:rPr lang="en-US"/>
+              <a:t> </a:t>
+            </a:r>
+            <a:fld id="{295008BC-DA31-4D19-837B-EFA4386B05F5}" type="slidenum">
+              <a:rPr lang="en-US" smtClean="0">
+                <a:solidFill>
+                  <a:schemeClr val="tx1">
+                    <a:lumMod val="50000"/>
+                    <a:lumOff val="50000"/>
+                  </a:schemeClr>
+                </a:solidFill>
+              </a:rPr>
+              <a:pPr/>
+              <a:t>56</a:t>
+            </a:fld>
+            <a:r>
+              <a:rPr lang="en-US"/>
+              <a:t> </a:t>
+            </a:r>
+            <a:r>
+              <a:rPr lang="en-US">
+                <a:solidFill>
+                  <a:srgbClr val="C1CD23"/>
+                </a:solidFill>
+              </a:rPr>
+              <a:t>|</a:t>
+            </a:r>
+            <a:endParaRPr lang="en-US" dirty="0">
+              <a:solidFill>
+                <a:srgbClr val="C1CD23"/>
+              </a:solidFill>
+            </a:endParaRPr>
           </a:p>
         </p:txBody>
       </p:sp>
@@ -26251,6 +29041,71 @@
           </a:p>
         </p:txBody>
       </p:sp>
+      <p:sp>
+        <p:nvSpPr>
+          <p:cNvPr id="4" name="Slide Number Placeholder 3">
+            <a:extLst>
+              <a:ext uri="{FF2B5EF4-FFF2-40B4-BE49-F238E27FC236}">
+                <a16:creationId xmlns:a16="http://schemas.microsoft.com/office/drawing/2014/main" id="{12791BFA-ED2B-4E1C-B19B-1B0E2A5F0929}"/>
+              </a:ext>
+            </a:extLst>
+          </p:cNvPr>
+          <p:cNvSpPr>
+            <a:spLocks noGrp="1"/>
+          </p:cNvSpPr>
+          <p:nvPr>
+            <p:ph type="sldNum" sz="quarter" idx="4"/>
+          </p:nvPr>
+        </p:nvSpPr>
+        <p:spPr/>
+        <p:txBody>
+          <a:bodyPr/>
+          <a:lstStyle/>
+          <a:p>
+            <a:r>
+              <a:rPr lang="en-US">
+                <a:solidFill>
+                  <a:srgbClr val="C1CD23"/>
+                </a:solidFill>
+              </a:rPr>
+              <a:t>|</a:t>
+            </a:r>
+            <a:r>
+              <a:rPr lang="en-US"/>
+              <a:t> </a:t>
+            </a:r>
+            <a:fld id="{295008BC-DA31-4D19-837B-EFA4386B05F5}" type="slidenum">
+              <a:rPr lang="en-US" smtClean="0">
+                <a:solidFill>
+                  <a:schemeClr val="tx1">
+                    <a:lumMod val="50000"/>
+                    <a:lumOff val="50000"/>
+                  </a:schemeClr>
+                </a:solidFill>
+              </a:rPr>
+              <a:pPr/>
+              <a:t>57</a:t>
+            </a:fld>
+            <a:r>
+              <a:rPr lang="en-US"/>
+              <a:t> </a:t>
+            </a:r>
+            <a:r>
+              <a:rPr lang="en-US">
+                <a:solidFill>
+                  <a:srgbClr val="C1CD23"/>
+                </a:solidFill>
+              </a:rPr>
+              <a:t>|</a:t>
+            </a:r>
+            <a:endParaRPr lang="en-US" dirty="0">
+              <a:solidFill>
+                <a:srgbClr val="C1CD23"/>
+              </a:solidFill>
+            </a:endParaRPr>
+          </a:p>
+        </p:txBody>
+      </p:sp>
     </p:spTree>
     <p:extLst>
       <p:ext uri="{BB962C8B-B14F-4D97-AF65-F5344CB8AC3E}">
@@ -26532,6 +29387,71 @@
           </a:p>
         </p:txBody>
       </p:sp>
+      <p:sp>
+        <p:nvSpPr>
+          <p:cNvPr id="2" name="Slide Number Placeholder 1">
+            <a:extLst>
+              <a:ext uri="{FF2B5EF4-FFF2-40B4-BE49-F238E27FC236}">
+                <a16:creationId xmlns:a16="http://schemas.microsoft.com/office/drawing/2014/main" id="{8C3B43BA-53A7-41B8-9CC1-18C6D0F9D64D}"/>
+              </a:ext>
+            </a:extLst>
+          </p:cNvPr>
+          <p:cNvSpPr>
+            <a:spLocks noGrp="1"/>
+          </p:cNvSpPr>
+          <p:nvPr>
+            <p:ph type="sldNum" sz="quarter" idx="4"/>
+          </p:nvPr>
+        </p:nvSpPr>
+        <p:spPr/>
+        <p:txBody>
+          <a:bodyPr/>
+          <a:lstStyle/>
+          <a:p>
+            <a:r>
+              <a:rPr lang="en-US">
+                <a:solidFill>
+                  <a:srgbClr val="C1CD23"/>
+                </a:solidFill>
+              </a:rPr>
+              <a:t>|</a:t>
+            </a:r>
+            <a:r>
+              <a:rPr lang="en-US"/>
+              <a:t> </a:t>
+            </a:r>
+            <a:fld id="{295008BC-DA31-4D19-837B-EFA4386B05F5}" type="slidenum">
+              <a:rPr lang="en-US" smtClean="0">
+                <a:solidFill>
+                  <a:schemeClr val="tx1">
+                    <a:lumMod val="50000"/>
+                    <a:lumOff val="50000"/>
+                  </a:schemeClr>
+                </a:solidFill>
+              </a:rPr>
+              <a:pPr/>
+              <a:t>58</a:t>
+            </a:fld>
+            <a:r>
+              <a:rPr lang="en-US"/>
+              <a:t> </a:t>
+            </a:r>
+            <a:r>
+              <a:rPr lang="en-US">
+                <a:solidFill>
+                  <a:srgbClr val="C1CD23"/>
+                </a:solidFill>
+              </a:rPr>
+              <a:t>|</a:t>
+            </a:r>
+            <a:endParaRPr lang="en-US" dirty="0">
+              <a:solidFill>
+                <a:srgbClr val="C1CD23"/>
+              </a:solidFill>
+            </a:endParaRPr>
+          </a:p>
+        </p:txBody>
+      </p:sp>
     </p:spTree>
     <p:extLst>
       <p:ext uri="{BB962C8B-B14F-4D97-AF65-F5344CB8AC3E}">
@@ -26929,6 +29849,71 @@
               </a:rPr>
               <a:t>After</a:t>
             </a:r>
+          </a:p>
+        </p:txBody>
+      </p:sp>
+      <p:sp>
+        <p:nvSpPr>
+          <p:cNvPr id="4" name="Slide Number Placeholder 3">
+            <a:extLst>
+              <a:ext uri="{FF2B5EF4-FFF2-40B4-BE49-F238E27FC236}">
+                <a16:creationId xmlns:a16="http://schemas.microsoft.com/office/drawing/2014/main" id="{EBB92020-2C2A-49EC-95F3-C41ED5A11A05}"/>
+              </a:ext>
+            </a:extLst>
+          </p:cNvPr>
+          <p:cNvSpPr>
+            <a:spLocks noGrp="1"/>
+          </p:cNvSpPr>
+          <p:nvPr>
+            <p:ph type="sldNum" sz="quarter" idx="4"/>
+          </p:nvPr>
+        </p:nvSpPr>
+        <p:spPr/>
+        <p:txBody>
+          <a:bodyPr/>
+          <a:lstStyle/>
+          <a:p>
+            <a:r>
+              <a:rPr lang="en-US">
+                <a:solidFill>
+                  <a:srgbClr val="C1CD23"/>
+                </a:solidFill>
+              </a:rPr>
+              <a:t>|</a:t>
+            </a:r>
+            <a:r>
+              <a:rPr lang="en-US"/>
+              <a:t> </a:t>
+            </a:r>
+            <a:fld id="{295008BC-DA31-4D19-837B-EFA4386B05F5}" type="slidenum">
+              <a:rPr lang="en-US" smtClean="0">
+                <a:solidFill>
+                  <a:schemeClr val="tx1">
+                    <a:lumMod val="50000"/>
+                    <a:lumOff val="50000"/>
+                  </a:schemeClr>
+                </a:solidFill>
+              </a:rPr>
+              <a:pPr/>
+              <a:t>59</a:t>
+            </a:fld>
+            <a:r>
+              <a:rPr lang="en-US"/>
+              <a:t> </a:t>
+            </a:r>
+            <a:r>
+              <a:rPr lang="en-US">
+                <a:solidFill>
+                  <a:srgbClr val="C1CD23"/>
+                </a:solidFill>
+              </a:rPr>
+              <a:t>|</a:t>
+            </a:r>
+            <a:endParaRPr lang="en-US" dirty="0">
+              <a:solidFill>
+                <a:srgbClr val="C1CD23"/>
+              </a:solidFill>
+            </a:endParaRPr>
           </a:p>
         </p:txBody>
       </p:sp>
@@ -27279,6 +30264,71 @@
           </a:fontRef>
         </p:style>
       </p:cxnSp>
+      <p:sp>
+        <p:nvSpPr>
+          <p:cNvPr id="3" name="Slide Number Placeholder 2">
+            <a:extLst>
+              <a:ext uri="{FF2B5EF4-FFF2-40B4-BE49-F238E27FC236}">
+                <a16:creationId xmlns:a16="http://schemas.microsoft.com/office/drawing/2014/main" id="{A458EBB3-E865-42E0-89A3-68628121D9A9}"/>
+              </a:ext>
+            </a:extLst>
+          </p:cNvPr>
+          <p:cNvSpPr>
+            <a:spLocks noGrp="1"/>
+          </p:cNvSpPr>
+          <p:nvPr>
+            <p:ph type="sldNum" sz="quarter" idx="4"/>
+          </p:nvPr>
+        </p:nvSpPr>
+        <p:spPr/>
+        <p:txBody>
+          <a:bodyPr/>
+          <a:lstStyle/>
+          <a:p>
+            <a:r>
+              <a:rPr lang="en-US">
+                <a:solidFill>
+                  <a:srgbClr val="C1CD23"/>
+                </a:solidFill>
+              </a:rPr>
+              <a:t>|</a:t>
+            </a:r>
+            <a:r>
+              <a:rPr lang="en-US"/>
+              <a:t> </a:t>
+            </a:r>
+            <a:fld id="{295008BC-DA31-4D19-837B-EFA4386B05F5}" type="slidenum">
+              <a:rPr lang="en-US" smtClean="0">
+                <a:solidFill>
+                  <a:schemeClr val="tx1">
+                    <a:lumMod val="50000"/>
+                    <a:lumOff val="50000"/>
+                  </a:schemeClr>
+                </a:solidFill>
+              </a:rPr>
+              <a:pPr/>
+              <a:t>6</a:t>
+            </a:fld>
+            <a:r>
+              <a:rPr lang="en-US"/>
+              <a:t> </a:t>
+            </a:r>
+            <a:r>
+              <a:rPr lang="en-US">
+                <a:solidFill>
+                  <a:srgbClr val="C1CD23"/>
+                </a:solidFill>
+              </a:rPr>
+              <a:t>|</a:t>
+            </a:r>
+            <a:endParaRPr lang="en-US" dirty="0">
+              <a:solidFill>
+                <a:srgbClr val="C1CD23"/>
+              </a:solidFill>
+            </a:endParaRPr>
+          </a:p>
+        </p:txBody>
+      </p:sp>
     </p:spTree>
     <p:extLst>
       <p:ext uri="{BB962C8B-B14F-4D97-AF65-F5344CB8AC3E}">
@@ -27370,6 +30420,71 @@
               <a:rPr lang="en-US" dirty="0"/>
               <a:t>Unused CVE ID is marked Rejected</a:t>
             </a:r>
+          </a:p>
+        </p:txBody>
+      </p:sp>
+      <p:sp>
+        <p:nvSpPr>
+          <p:cNvPr id="2" name="Slide Number Placeholder 1">
+            <a:extLst>
+              <a:ext uri="{FF2B5EF4-FFF2-40B4-BE49-F238E27FC236}">
+                <a16:creationId xmlns:a16="http://schemas.microsoft.com/office/drawing/2014/main" id="{73DE19D7-60C7-4F4F-9E94-BC9288DE84CB}"/>
+              </a:ext>
+            </a:extLst>
+          </p:cNvPr>
+          <p:cNvSpPr>
+            <a:spLocks noGrp="1"/>
+          </p:cNvSpPr>
+          <p:nvPr>
+            <p:ph type="sldNum" sz="quarter" idx="4"/>
+          </p:nvPr>
+        </p:nvSpPr>
+        <p:spPr/>
+        <p:txBody>
+          <a:bodyPr/>
+          <a:lstStyle/>
+          <a:p>
+            <a:r>
+              <a:rPr lang="en-US">
+                <a:solidFill>
+                  <a:srgbClr val="C1CD23"/>
+                </a:solidFill>
+              </a:rPr>
+              <a:t>|</a:t>
+            </a:r>
+            <a:r>
+              <a:rPr lang="en-US"/>
+              <a:t> </a:t>
+            </a:r>
+            <a:fld id="{295008BC-DA31-4D19-837B-EFA4386B05F5}" type="slidenum">
+              <a:rPr lang="en-US" smtClean="0">
+                <a:solidFill>
+                  <a:schemeClr val="tx1">
+                    <a:lumMod val="50000"/>
+                    <a:lumOff val="50000"/>
+                  </a:schemeClr>
+                </a:solidFill>
+              </a:rPr>
+              <a:pPr/>
+              <a:t>60</a:t>
+            </a:fld>
+            <a:r>
+              <a:rPr lang="en-US"/>
+              <a:t> </a:t>
+            </a:r>
+            <a:r>
+              <a:rPr lang="en-US">
+                <a:solidFill>
+                  <a:srgbClr val="C1CD23"/>
+                </a:solidFill>
+              </a:rPr>
+              <a:t>|</a:t>
+            </a:r>
+            <a:endParaRPr lang="en-US" dirty="0">
+              <a:solidFill>
+                <a:srgbClr val="C1CD23"/>
+              </a:solidFill>
+            </a:endParaRPr>
           </a:p>
         </p:txBody>
       </p:sp>
@@ -28047,6 +31162,71 @@
           </a:p>
         </p:txBody>
       </p:sp>
+      <p:sp>
+        <p:nvSpPr>
+          <p:cNvPr id="3" name="Slide Number Placeholder 2">
+            <a:extLst>
+              <a:ext uri="{FF2B5EF4-FFF2-40B4-BE49-F238E27FC236}">
+                <a16:creationId xmlns:a16="http://schemas.microsoft.com/office/drawing/2014/main" id="{17C85920-9F42-4DC6-81DE-AB0844A4E947}"/>
+              </a:ext>
+            </a:extLst>
+          </p:cNvPr>
+          <p:cNvSpPr>
+            <a:spLocks noGrp="1"/>
+          </p:cNvSpPr>
+          <p:nvPr>
+            <p:ph type="sldNum" sz="quarter" idx="4"/>
+          </p:nvPr>
+        </p:nvSpPr>
+        <p:spPr/>
+        <p:txBody>
+          <a:bodyPr/>
+          <a:lstStyle/>
+          <a:p>
+            <a:r>
+              <a:rPr lang="en-US">
+                <a:solidFill>
+                  <a:srgbClr val="C1CD23"/>
+                </a:solidFill>
+              </a:rPr>
+              <a:t>|</a:t>
+            </a:r>
+            <a:r>
+              <a:rPr lang="en-US"/>
+              <a:t> </a:t>
+            </a:r>
+            <a:fld id="{295008BC-DA31-4D19-837B-EFA4386B05F5}" type="slidenum">
+              <a:rPr lang="en-US" smtClean="0">
+                <a:solidFill>
+                  <a:schemeClr val="tx1">
+                    <a:lumMod val="50000"/>
+                    <a:lumOff val="50000"/>
+                  </a:schemeClr>
+                </a:solidFill>
+              </a:rPr>
+              <a:pPr/>
+              <a:t>7</a:t>
+            </a:fld>
+            <a:r>
+              <a:rPr lang="en-US"/>
+              <a:t> </a:t>
+            </a:r>
+            <a:r>
+              <a:rPr lang="en-US">
+                <a:solidFill>
+                  <a:srgbClr val="C1CD23"/>
+                </a:solidFill>
+              </a:rPr>
+              <a:t>|</a:t>
+            </a:r>
+            <a:endParaRPr lang="en-US" dirty="0">
+              <a:solidFill>
+                <a:srgbClr val="C1CD23"/>
+              </a:solidFill>
+            </a:endParaRPr>
+          </a:p>
+        </p:txBody>
+      </p:sp>
     </p:spTree>
     <p:extLst>
       <p:ext uri="{BB962C8B-B14F-4D97-AF65-F5344CB8AC3E}">
@@ -28698,6 +31878,71 @@
           </a:fontRef>
         </p:style>
       </p:cxnSp>
+      <p:sp>
+        <p:nvSpPr>
+          <p:cNvPr id="3" name="Slide Number Placeholder 2">
+            <a:extLst>
+              <a:ext uri="{FF2B5EF4-FFF2-40B4-BE49-F238E27FC236}">
+                <a16:creationId xmlns:a16="http://schemas.microsoft.com/office/drawing/2014/main" id="{4C5309E3-8A12-43A8-AFA6-1B26C245BD5E}"/>
+              </a:ext>
+            </a:extLst>
+          </p:cNvPr>
+          <p:cNvSpPr>
+            <a:spLocks noGrp="1"/>
+          </p:cNvSpPr>
+          <p:nvPr>
+            <p:ph type="sldNum" sz="quarter" idx="4"/>
+          </p:nvPr>
+        </p:nvSpPr>
+        <p:spPr/>
+        <p:txBody>
+          <a:bodyPr/>
+          <a:lstStyle/>
+          <a:p>
+            <a:r>
+              <a:rPr lang="en-US">
+                <a:solidFill>
+                  <a:srgbClr val="C1CD23"/>
+                </a:solidFill>
+              </a:rPr>
+              <a:t>|</a:t>
+            </a:r>
+            <a:r>
+              <a:rPr lang="en-US"/>
+              <a:t> </a:t>
+            </a:r>
+            <a:fld id="{295008BC-DA31-4D19-837B-EFA4386B05F5}" type="slidenum">
+              <a:rPr lang="en-US" smtClean="0">
+                <a:solidFill>
+                  <a:schemeClr val="tx1">
+                    <a:lumMod val="50000"/>
+                    <a:lumOff val="50000"/>
+                  </a:schemeClr>
+                </a:solidFill>
+              </a:rPr>
+              <a:pPr/>
+              <a:t>8</a:t>
+            </a:fld>
+            <a:r>
+              <a:rPr lang="en-US"/>
+              <a:t> </a:t>
+            </a:r>
+            <a:r>
+              <a:rPr lang="en-US">
+                <a:solidFill>
+                  <a:srgbClr val="C1CD23"/>
+                </a:solidFill>
+              </a:rPr>
+              <a:t>|</a:t>
+            </a:r>
+            <a:endParaRPr lang="en-US" dirty="0">
+              <a:solidFill>
+                <a:srgbClr val="C1CD23"/>
+              </a:solidFill>
+            </a:endParaRPr>
+          </a:p>
+        </p:txBody>
+      </p:sp>
     </p:spTree>
     <p:extLst>
       <p:ext uri="{BB962C8B-B14F-4D97-AF65-F5344CB8AC3E}">
@@ -29182,6 +32427,71 @@
             <a:endParaRPr lang="en-US" sz="1600" dirty="0">
               <a:ea typeface="Verdana" pitchFamily="34" charset="0"/>
               <a:cs typeface="Verdana" pitchFamily="34" charset="0"/>
+            </a:endParaRPr>
+          </a:p>
+        </p:txBody>
+      </p:sp>
+      <p:sp>
+        <p:nvSpPr>
+          <p:cNvPr id="6" name="Slide Number Placeholder 5">
+            <a:extLst>
+              <a:ext uri="{FF2B5EF4-FFF2-40B4-BE49-F238E27FC236}">
+                <a16:creationId xmlns:a16="http://schemas.microsoft.com/office/drawing/2014/main" id="{22DC17B4-F3AC-452E-90E3-79A750186E5C}"/>
+              </a:ext>
+            </a:extLst>
+          </p:cNvPr>
+          <p:cNvSpPr>
+            <a:spLocks noGrp="1"/>
+          </p:cNvSpPr>
+          <p:nvPr>
+            <p:ph type="sldNum" sz="quarter" idx="4"/>
+          </p:nvPr>
+        </p:nvSpPr>
+        <p:spPr/>
+        <p:txBody>
+          <a:bodyPr/>
+          <a:lstStyle/>
+          <a:p>
+            <a:r>
+              <a:rPr lang="en-US">
+                <a:solidFill>
+                  <a:srgbClr val="C1CD23"/>
+                </a:solidFill>
+              </a:rPr>
+              <a:t>|</a:t>
+            </a:r>
+            <a:r>
+              <a:rPr lang="en-US"/>
+              <a:t> </a:t>
+            </a:r>
+            <a:fld id="{295008BC-DA31-4D19-837B-EFA4386B05F5}" type="slidenum">
+              <a:rPr lang="en-US" smtClean="0">
+                <a:solidFill>
+                  <a:schemeClr val="tx1">
+                    <a:lumMod val="50000"/>
+                    <a:lumOff val="50000"/>
+                  </a:schemeClr>
+                </a:solidFill>
+              </a:rPr>
+              <a:pPr/>
+              <a:t>9</a:t>
+            </a:fld>
+            <a:r>
+              <a:rPr lang="en-US"/>
+              <a:t> </a:t>
+            </a:r>
+            <a:r>
+              <a:rPr lang="en-US">
+                <a:solidFill>
+                  <a:srgbClr val="C1CD23"/>
+                </a:solidFill>
+              </a:rPr>
+              <a:t>|</a:t>
+            </a:r>
+            <a:endParaRPr lang="en-US" dirty="0">
+              <a:solidFill>
+                <a:srgbClr val="C1CD23"/>
+              </a:solidFill>
             </a:endParaRPr>
           </a:p>
         </p:txBody>
@@ -30085,15 +33395,6 @@
 </file>
 
 <file path=customXml/item1.xml><?xml version="1.0" encoding="utf-8"?>
-<?mso-contentType ?>
-<FormTemplates xmlns="http://schemas.microsoft.com/sharepoint/v3/contenttype/forms">
-  <Display>DocumentLibraryForm</Display>
-  <Edit>DocumentLibraryForm</Edit>
-  <New>DocumentLibraryForm</New>
-</FormTemplates>
-</file>
-
-<file path=customXml/item2.xml><?xml version="1.0" encoding="utf-8"?>
 <ct:contentTypeSchema xmlns:ct="http://schemas.microsoft.com/office/2006/metadata/contentType" xmlns:ma="http://schemas.microsoft.com/office/2006/metadata/properties/metaAttributes" ct:_="" ma:_="" ma:contentTypeName="Document" ma:contentTypeID="0x01010010D7D12093FFC84AB17C2D6CFA9D1EDE" ma:contentTypeVersion="7" ma:contentTypeDescription="Create a new document." ma:contentTypeScope="" ma:versionID="85e3c405e50bbbe8816477487156b4fc">
   <xsd:schema xmlns:xsd="http://www.w3.org/2001/XMLSchema" xmlns:xs="http://www.w3.org/2001/XMLSchema" xmlns:p="http://schemas.microsoft.com/office/2006/metadata/properties" targetNamespace="http://schemas.microsoft.com/office/2006/metadata/properties" ma:root="true" ma:fieldsID="6834f8c0c0eabdc6c42b2f987c760c09">
     <xsd:element name="properties">
@@ -30207,6 +33508,15 @@
 </ct:contentTypeSchema>
 </file>
 
+<file path=customXml/item2.xml><?xml version="1.0" encoding="utf-8"?>
+<?mso-contentType ?>
+<FormTemplates xmlns="http://schemas.microsoft.com/sharepoint/v3/contenttype/forms">
+  <Display>DocumentLibraryForm</Display>
+  <Edit>DocumentLibraryForm</Edit>
+  <New>DocumentLibraryForm</New>
+</FormTemplates>
+</file>
+
 <file path=customXml/item3.xml><?xml version="1.0" encoding="utf-8"?>
 <p:properties xmlns:p="http://schemas.microsoft.com/office/2006/metadata/properties" xmlns:xsi="http://www.w3.org/2001/XMLSchema-instance" xmlns:pc="http://schemas.microsoft.com/office/infopath/2007/PartnerControls">
   <documentManagement/>
@@ -30214,14 +33524,6 @@
 </file>
 
 <file path=customXml/itemProps1.xml><?xml version="1.0" encoding="utf-8"?>
-<ds:datastoreItem xmlns:ds="http://schemas.openxmlformats.org/officeDocument/2006/customXml" ds:itemID="{416BA5C9-2D71-4B86-AE8A-8C0D9BC5FB22}">
-  <ds:schemaRefs>
-    <ds:schemaRef ds:uri="http://schemas.microsoft.com/sharepoint/v3/contenttype/forms"/>
-  </ds:schemaRefs>
-</ds:datastoreItem>
-</file>
-
-<file path=customXml/itemProps2.xml><?xml version="1.0" encoding="utf-8"?>
 <ds:datastoreItem xmlns:ds="http://schemas.openxmlformats.org/officeDocument/2006/customXml" ds:itemID="{95866544-84CD-42FD-B141-A01F66B0BD1C}">
   <ds:schemaRefs>
     <ds:schemaRef ds:uri="http://schemas.microsoft.com/office/2006/metadata/contentType"/>
@@ -30233,6 +33535,14 @@
     <ds:schemaRef ds:uri="http://purl.org/dc/terms/"/>
     <ds:schemaRef ds:uri="http://schemas.microsoft.com/internal/obd"/>
     <ds:schemaRef ds:uri="http://schemas.microsoft.com/office/infopath/2007/PartnerControls"/>
+  </ds:schemaRefs>
+</ds:datastoreItem>
+</file>
+
+<file path=customXml/itemProps2.xml><?xml version="1.0" encoding="utf-8"?>
+<ds:datastoreItem xmlns:ds="http://schemas.openxmlformats.org/officeDocument/2006/customXml" ds:itemID="{416BA5C9-2D71-4B86-AE8A-8C0D9BC5FB22}">
+  <ds:schemaRefs>
+    <ds:schemaRef ds:uri="http://schemas.microsoft.com/sharepoint/v3/contenttype/forms"/>
   </ds:schemaRefs>
 </ds:datastoreItem>
 </file>

--- a/docs/cna/CNA_Processes.pptx
+++ b/docs/cna/CNA_Processes.pptx
@@ -1,6 +1,6 @@
 
 <file path=ppt/presentation.xml><?xml version="1.0" encoding="utf-8"?>
-<p:presentation xmlns:a="http://schemas.openxmlformats.org/drawingml/2006/main" xmlns:r="http://schemas.openxmlformats.org/officeDocument/2006/relationships" xmlns:p="http://schemas.openxmlformats.org/presentationml/2006/main" saveSubsetFonts="1" autoCompressPictures="0">
+<p:presentation xmlns:a="http://schemas.openxmlformats.org/drawingml/2006/main" xmlns:r="http://schemas.openxmlformats.org/officeDocument/2006/relationships" xmlns:p="http://schemas.openxmlformats.org/presentationml/2006/main" showSpecialPlsOnTitleSld="0" saveSubsetFonts="1" autoCompressPictures="0">
   <p:sldMasterIdLst>
     <p:sldMasterId id="2147483656" r:id="rId4"/>
   </p:sldMasterIdLst>
@@ -6087,7 +6087,7 @@
           <a:bodyPr/>
           <a:lstStyle/>
           <a:p>
-            <a:endParaRPr lang="en-US"/>
+            <a:endParaRPr lang="en-US" dirty="0"/>
           </a:p>
         </p:txBody>
       </p:sp>
@@ -10833,57 +10833,6 @@
             <a:r>
               <a:rPr lang="en-US" dirty="0"/>
               <a:t>CVE Team</a:t>
-            </a:r>
-          </a:p>
-        </p:txBody>
-      </p:sp>
-      <p:sp>
-        <p:nvSpPr>
-          <p:cNvPr id="2" name="Slide Number Placeholder 1">
-            <a:extLst>
-              <a:ext uri="{FF2B5EF4-FFF2-40B4-BE49-F238E27FC236}">
-                <a16:creationId xmlns:a16="http://schemas.microsoft.com/office/drawing/2014/main" id="{DF0E2809-7AAC-4377-881A-13E670C8C710}"/>
-              </a:ext>
-            </a:extLst>
-          </p:cNvPr>
-          <p:cNvSpPr>
-            <a:spLocks noGrp="1"/>
-          </p:cNvSpPr>
-          <p:nvPr>
-            <p:ph type="sldNum" sz="quarter" idx="12"/>
-          </p:nvPr>
-        </p:nvSpPr>
-        <p:spPr/>
-        <p:txBody>
-          <a:bodyPr/>
-          <a:lstStyle/>
-          <a:p>
-            <a:r>
-              <a:rPr lang="en-US" dirty="0">
-                <a:latin typeface="Arial" pitchFamily="34" charset="0"/>
-              </a:rPr>
-              <a:t>| </a:t>
-            </a:r>
-            <a:fld id="{295008BC-DA31-4D19-837B-EFA4386B05F5}" type="slidenum">
-              <a:rPr lang="en-US" smtClean="0">
-                <a:latin typeface="Arial" pitchFamily="34" charset="0"/>
-              </a:rPr>
-              <a:pPr/>
-              <a:t>1</a:t>
-            </a:fld>
-            <a:r>
-              <a:rPr lang="en-US" dirty="0">
-                <a:latin typeface="Arial" pitchFamily="34" charset="0"/>
-              </a:rPr>
-              <a:t> |</a:t>
-            </a:r>
-            <a:r>
-              <a:rPr lang="en-US" dirty="0">
-                <a:latin typeface="Arial" pitchFamily="34" charset="0"/>
-                <a:ea typeface="Verdana" pitchFamily="34" charset="0"/>
-                <a:cs typeface="Verdana" pitchFamily="34" charset="0"/>
-              </a:rPr>
-              <a:t> </a:t>
             </a:r>
           </a:p>
         </p:txBody>
